--- a/Presentation/Conclusion/Conclusion.pptx
+++ b/Presentation/Conclusion/Conclusion.pptx
@@ -9584,7 +9584,41 @@
                 </a:gradFill>
                 <a:cs typeface="Segoe UI" pitchFamily="34" charset="0"/>
               </a:rPr>
-              <a:t>© 2012 Microsoft Corporation. All rights reserved. Microsoft, Windows, Windows Vista and other product names are or may be registered trademarks and/or trademarks in the U.S. and/or other countries.</a:t>
+              <a:t>© 2012 Microsoft Corporation. All rights reserved. Microsoft, </a:t>
+            </a:r>
+            <a:r>
+              <a:rPr lang="en-US" sz="686" dirty="0" smtClean="0">
+                <a:gradFill>
+                  <a:gsLst>
+                    <a:gs pos="0">
+                      <a:srgbClr val="FFFFFF"/>
+                    </a:gs>
+                    <a:gs pos="100000">
+                      <a:srgbClr val="FFFFFF"/>
+                    </a:gs>
+                  </a:gsLst>
+                  <a:lin ang="5400000" scaled="0"/>
+                </a:gradFill>
+                <a:cs typeface="Segoe UI" pitchFamily="34" charset="0"/>
+              </a:rPr>
+              <a:t>Microsoft, Microsoft </a:t>
+            </a:r>
+            <a:r>
+              <a:rPr lang="en-US" sz="686" dirty="0">
+                <a:gradFill>
+                  <a:gsLst>
+                    <a:gs pos="0">
+                      <a:srgbClr val="FFFFFF"/>
+                    </a:gs>
+                    <a:gs pos="100000">
+                      <a:srgbClr val="FFFFFF"/>
+                    </a:gs>
+                  </a:gsLst>
+                  <a:lin ang="5400000" scaled="0"/>
+                </a:gradFill>
+                <a:cs typeface="Segoe UI" pitchFamily="34" charset="0"/>
+              </a:rPr>
+              <a:t>Vista and other product names are or may be registered trademarks and/or trademarks in the U.S. and/or other countries.</a:t>
             </a:r>
           </a:p>
           <a:p>
@@ -27558,7 +27592,7 @@
           <a:lstStyle/>
           <a:p>
             <a:r>
-              <a:rPr lang="en-US" b="0" dirty="0" smtClean="0">
+              <a:rPr lang="en-US" b="0" smtClean="0">
                 <a:solidFill>
                   <a:schemeClr val="bg1"/>
                 </a:solidFill>
@@ -27566,7 +27600,7 @@
               <a:t>http</a:t>
             </a:r>
             <a:r>
-              <a:rPr lang="en-US" b="0" dirty="0" smtClean="0">
+              <a:rPr lang="en-US" b="0" smtClean="0">
                 <a:solidFill>
                   <a:schemeClr val="bg1"/>
                 </a:solidFill>
@@ -28007,7 +28041,7 @@
           <a:graphicData uri="http://schemas.openxmlformats.org/presentationml/2006/ole">
             <mc:AlternateContent xmlns:mc="http://schemas.openxmlformats.org/markup-compatibility/2006">
               <mc:Choice xmlns:v="urn:schemas-microsoft-com:vml" Requires="v">
-                <p:oleObj spid="_x0000_s1031" name="think-cell Slide" r:id="rId5" imgW="270" imgH="270" progId="TCLayout.ActiveDocument.1">
+                <p:oleObj spid="_x0000_s1030" name="think-cell Slide" r:id="rId5" imgW="270" imgH="270" progId="TCLayout.ActiveDocument.1">
                   <p:embed/>
                 </p:oleObj>
               </mc:Choice>
@@ -28079,7 +28113,7 @@
           <p:nvPr>
             <p:extLst>
               <p:ext uri="{D42A27DB-BD31-4B8C-83A1-F6EECF244321}">
-                <p14:modId xmlns:p14="http://schemas.microsoft.com/office/powerpoint/2010/main" val="1015965112"/>
+                <p14:modId xmlns:p14="http://schemas.microsoft.com/office/powerpoint/2010/main" val="1321355796"/>
               </p:ext>
             </p:extLst>
           </p:nvPr>
@@ -29296,7 +29330,7 @@
           <a:graphicData uri="http://schemas.openxmlformats.org/presentationml/2006/ole">
             <mc:AlternateContent xmlns:mc="http://schemas.openxmlformats.org/markup-compatibility/2006">
               <mc:Choice xmlns:v="urn:schemas-microsoft-com:vml" Requires="v">
-                <p:oleObj spid="_x0000_s2055" name="think-cell Slide" r:id="rId5" imgW="270" imgH="270" progId="TCLayout.ActiveDocument.1">
+                <p:oleObj spid="_x0000_s2054" name="think-cell Slide" r:id="rId5" imgW="270" imgH="270" progId="TCLayout.ActiveDocument.1">
                   <p:embed/>
                 </p:oleObj>
               </mc:Choice>
@@ -30149,7 +30183,7 @@
           <a:graphicData uri="http://schemas.openxmlformats.org/presentationml/2006/ole">
             <mc:AlternateContent xmlns:mc="http://schemas.openxmlformats.org/markup-compatibility/2006">
               <mc:Choice xmlns:v="urn:schemas-microsoft-com:vml" Requires="v">
-                <p:oleObj spid="_x0000_s3079" name="think-cell Slide" r:id="rId5" imgW="270" imgH="270" progId="TCLayout.ActiveDocument.1">
+                <p:oleObj spid="_x0000_s3078" name="think-cell Slide" r:id="rId5" imgW="270" imgH="270" progId="TCLayout.ActiveDocument.1">
                   <p:embed/>
                 </p:oleObj>
               </mc:Choice>

--- a/Presentation/Conclusion/Conclusion.pptx
+++ b/Presentation/Conclusion/Conclusion.pptx
@@ -1759,11 +1759,7 @@
           <a:pPr rtl="0"/>
           <a:r>
             <a:rPr lang="en-US" baseline="0" dirty="0" smtClean="0"/>
-            <a:t>Microsoft </a:t>
-          </a:r>
-          <a:r>
-            <a:rPr lang="en-US" baseline="0" dirty="0" smtClean="0"/>
-            <a:t>Azure</a:t>
+            <a:t>Microsoft Azure</a:t>
           </a:r>
           <a:endParaRPr lang="en-US" dirty="0"/>
         </a:p>
@@ -2881,11 +2877,7 @@
           </a:pPr>
           <a:r>
             <a:rPr lang="en-US" sz="4000" kern="1200" baseline="0" dirty="0" smtClean="0"/>
-            <a:t>Microsoft </a:t>
-          </a:r>
-          <a:r>
-            <a:rPr lang="en-US" sz="4000" kern="1200" baseline="0" dirty="0" smtClean="0"/>
-            <a:t>Azure</a:t>
+            <a:t>Microsoft Azure</a:t>
           </a:r>
           <a:endParaRPr lang="en-US" sz="4000" kern="1200" dirty="0"/>
         </a:p>
@@ -7282,7 +7274,7 @@
           <a:p>
             <a:fld id="{0E990FE3-7537-4D15-A9F5-FDF1805FD5F8}" type="datetimeFigureOut">
               <a:rPr lang="en-US" smtClean="0"/>
-              <a:t>10/3/2014</a:t>
+              <a:t>6/5/2015</a:t>
             </a:fld>
             <a:endParaRPr lang="en-US"/>
           </a:p>
@@ -22013,11 +22005,7 @@
             <a:pPr algn="l"/>
             <a:r>
               <a:rPr lang="en-US" dirty="0" smtClean="0"/>
-              <a:t>Microsoft </a:t>
-            </a:r>
-            <a:r>
-              <a:rPr lang="en-US" dirty="0" smtClean="0"/>
-              <a:t>Azure</a:t>
+              <a:t>Microsoft Azure</a:t>
             </a:r>
             <a:endParaRPr lang="en-US" dirty="0"/>
           </a:p>
@@ -22968,15 +22956,7 @@
                   <a:srgbClr val="BDCD2C"/>
                 </a:solidFill>
               </a:rPr>
-              <a:t>Microsoft </a:t>
-            </a:r>
-            <a:r>
-              <a:rPr lang="en-US" dirty="0" smtClean="0">
-                <a:solidFill>
-                  <a:srgbClr val="BDCD2C"/>
-                </a:solidFill>
-              </a:rPr>
-              <a:t>Azure</a:t>
+              <a:t>Microsoft Azure</a:t>
             </a:r>
             <a:endParaRPr lang="en-US" dirty="0">
               <a:solidFill>
@@ -23923,15 +23903,7 @@
                   <a:srgbClr val="617081"/>
                 </a:solidFill>
               </a:rPr>
-              <a:t>Microsoft </a:t>
-            </a:r>
-            <a:r>
-              <a:rPr lang="en-US" dirty="0" smtClean="0">
-                <a:solidFill>
-                  <a:srgbClr val="617081"/>
-                </a:solidFill>
-              </a:rPr>
-              <a:t>Azure</a:t>
+              <a:t>Microsoft Azure</a:t>
             </a:r>
             <a:endParaRPr lang="en-US" dirty="0">
               <a:solidFill>
@@ -24878,15 +24850,7 @@
                   <a:srgbClr val="0171B0"/>
                 </a:solidFill>
               </a:rPr>
-              <a:t>Microsoft </a:t>
-            </a:r>
-            <a:r>
-              <a:rPr lang="en-US" dirty="0" smtClean="0">
-                <a:solidFill>
-                  <a:srgbClr val="0171B0"/>
-                </a:solidFill>
-              </a:rPr>
-              <a:t>Azure</a:t>
+              <a:t>Microsoft Azure</a:t>
             </a:r>
             <a:endParaRPr lang="en-US" dirty="0">
               <a:solidFill>
@@ -25833,15 +25797,7 @@
                   <a:srgbClr val="289FD7"/>
                 </a:solidFill>
               </a:rPr>
-              <a:t>Microsoft </a:t>
-            </a:r>
-            <a:r>
-              <a:rPr lang="en-US" dirty="0" smtClean="0">
-                <a:solidFill>
-                  <a:srgbClr val="289FD7"/>
-                </a:solidFill>
-              </a:rPr>
-              <a:t>Azure</a:t>
+              <a:t>Microsoft Azure</a:t>
             </a:r>
             <a:endParaRPr lang="en-US" dirty="0">
               <a:solidFill>
@@ -26788,15 +26744,7 @@
                   <a:srgbClr val="617081"/>
                 </a:solidFill>
               </a:rPr>
-              <a:t>Microsoft </a:t>
-            </a:r>
-            <a:r>
-              <a:rPr lang="en-US" dirty="0" smtClean="0">
-                <a:solidFill>
-                  <a:srgbClr val="617081"/>
-                </a:solidFill>
-              </a:rPr>
-              <a:t>Azure</a:t>
+              <a:t>Microsoft Azure</a:t>
             </a:r>
             <a:endParaRPr lang="en-US" dirty="0">
               <a:solidFill>
@@ -27561,11 +27509,7 @@
           <a:p>
             <a:r>
               <a:rPr lang="en-US" dirty="0" smtClean="0"/>
-              <a:t>Microsoft </a:t>
-            </a:r>
-            <a:r>
-              <a:rPr lang="en-US" dirty="0" smtClean="0"/>
-              <a:t>Azure</a:t>
+              <a:t>Microsoft Azure</a:t>
             </a:r>
             <a:endParaRPr lang="en-US" dirty="0"/>
           </a:p>
@@ -27597,15 +27541,7 @@
                   <a:schemeClr val="bg1"/>
                 </a:solidFill>
               </a:rPr>
-              <a:t>http</a:t>
-            </a:r>
-            <a:r>
-              <a:rPr lang="en-US" b="0" smtClean="0">
-                <a:solidFill>
-                  <a:schemeClr val="bg1"/>
-                </a:solidFill>
-              </a:rPr>
-              <a:t>://azure.microsoft.com</a:t>
+              <a:t>http://azure.microsoft.com</a:t>
             </a:r>
             <a:endParaRPr lang="en-US" sz="2400" dirty="0">
               <a:solidFill>
@@ -27717,15 +27653,21 @@
           </p:nvPr>
         </p:nvPicPr>
         <p:blipFill>
-          <a:blip r:embed="rId2"/>
+          <a:blip r:embed="rId2">
+            <a:extLst>
+              <a:ext uri="{28A0092B-C50C-407E-A947-70E740481C1C}">
+                <a14:useLocalDpi xmlns:a14="http://schemas.microsoft.com/office/drawing/2010/main" val="0"/>
+              </a:ext>
+            </a:extLst>
+          </a:blip>
           <a:stretch>
             <a:fillRect/>
           </a:stretch>
         </p:blipFill>
         <p:spPr>
           <a:xfrm>
-            <a:off x="1772092" y="1387475"/>
-            <a:ext cx="8647816" cy="5291138"/>
+            <a:off x="1772092" y="1451309"/>
+            <a:ext cx="8647816" cy="5163469"/>
           </a:xfrm>
           <a:prstGeom prst="rect">
             <a:avLst/>
@@ -28041,7 +27983,7 @@
           <a:graphicData uri="http://schemas.openxmlformats.org/presentationml/2006/ole">
             <mc:AlternateContent xmlns:mc="http://schemas.openxmlformats.org/markup-compatibility/2006">
               <mc:Choice xmlns:v="urn:schemas-microsoft-com:vml" Requires="v">
-                <p:oleObj spid="_x0000_s1030" name="think-cell Slide" r:id="rId5" imgW="270" imgH="270" progId="TCLayout.ActiveDocument.1">
+                <p:oleObj spid="_x0000_s1031" name="think-cell Slide" r:id="rId5" imgW="270" imgH="270" progId="TCLayout.ActiveDocument.1">
                   <p:embed/>
                 </p:oleObj>
               </mc:Choice>
@@ -29330,7 +29272,7 @@
           <a:graphicData uri="http://schemas.openxmlformats.org/presentationml/2006/ole">
             <mc:AlternateContent xmlns:mc="http://schemas.openxmlformats.org/markup-compatibility/2006">
               <mc:Choice xmlns:v="urn:schemas-microsoft-com:vml" Requires="v">
-                <p:oleObj spid="_x0000_s2054" name="think-cell Slide" r:id="rId5" imgW="270" imgH="270" progId="TCLayout.ActiveDocument.1">
+                <p:oleObj spid="_x0000_s2055" name="think-cell Slide" r:id="rId5" imgW="270" imgH="270" progId="TCLayout.ActiveDocument.1">
                   <p:embed/>
                 </p:oleObj>
               </mc:Choice>
@@ -30183,7 +30125,7 @@
           <a:graphicData uri="http://schemas.openxmlformats.org/presentationml/2006/ole">
             <mc:AlternateContent xmlns:mc="http://schemas.openxmlformats.org/markup-compatibility/2006">
               <mc:Choice xmlns:v="urn:schemas-microsoft-com:vml" Requires="v">
-                <p:oleObj spid="_x0000_s3078" name="think-cell Slide" r:id="rId5" imgW="270" imgH="270" progId="TCLayout.ActiveDocument.1">
+                <p:oleObj spid="_x0000_s3079" name="think-cell Slide" r:id="rId5" imgW="270" imgH="270" progId="TCLayout.ActiveDocument.1">
                   <p:embed/>
                 </p:oleObj>
               </mc:Choice>

--- a/Presentation/Conclusion/Conclusion.pptx
+++ b/Presentation/Conclusion/Conclusion.pptx
@@ -9,24 +9,26 @@
     <p:sldMasterId id="2147483741" r:id="rId5"/>
     <p:sldMasterId id="2147483748" r:id="rId6"/>
     <p:sldMasterId id="2147483758" r:id="rId7"/>
+    <p:sldMasterId id="2147483790" r:id="rId8"/>
   </p:sldMasterIdLst>
   <p:notesMasterIdLst>
-    <p:notesMasterId r:id="rId21"/>
+    <p:notesMasterId r:id="rId23"/>
   </p:notesMasterIdLst>
   <p:sldIdLst>
-    <p:sldId id="257" r:id="rId8"/>
-    <p:sldId id="259" r:id="rId9"/>
-    <p:sldId id="256" r:id="rId10"/>
-    <p:sldId id="276" r:id="rId11"/>
-    <p:sldId id="277" r:id="rId12"/>
-    <p:sldId id="278" r:id="rId13"/>
-    <p:sldId id="279" r:id="rId14"/>
-    <p:sldId id="269" r:id="rId15"/>
-    <p:sldId id="271" r:id="rId16"/>
-    <p:sldId id="272" r:id="rId17"/>
-    <p:sldId id="273" r:id="rId18"/>
-    <p:sldId id="274" r:id="rId19"/>
-    <p:sldId id="263" r:id="rId20"/>
+    <p:sldId id="257" r:id="rId9"/>
+    <p:sldId id="280" r:id="rId10"/>
+    <p:sldId id="259" r:id="rId11"/>
+    <p:sldId id="256" r:id="rId12"/>
+    <p:sldId id="276" r:id="rId13"/>
+    <p:sldId id="277" r:id="rId14"/>
+    <p:sldId id="278" r:id="rId15"/>
+    <p:sldId id="279" r:id="rId16"/>
+    <p:sldId id="269" r:id="rId17"/>
+    <p:sldId id="271" r:id="rId18"/>
+    <p:sldId id="272" r:id="rId19"/>
+    <p:sldId id="273" r:id="rId20"/>
+    <p:sldId id="274" r:id="rId21"/>
+    <p:sldId id="263" r:id="rId22"/>
   </p:sldIdLst>
   <p:sldSz cx="12192000" cy="6858000"/>
   <p:notesSz cx="6858000" cy="9144000"/>
@@ -7274,7 +7276,7 @@
           <a:p>
             <a:fld id="{0E990FE3-7537-4D15-A9F5-FDF1805FD5F8}" type="datetimeFigureOut">
               <a:rPr lang="en-US" smtClean="0"/>
-              <a:t>6/5/2015</a:t>
+              <a:t>10/12/2015</a:t>
             </a:fld>
             <a:endParaRPr lang="en-US"/>
           </a:p>
@@ -7608,7 +7610,7 @@
             <a:fld id="{82AABF77-E2E4-44CA-BA5C-65E132CF08D8}" type="slidenum">
               <a:rPr lang="en-US" smtClean="0"/>
               <a:pPr/>
-              <a:t>4</a:t>
+              <a:t>5</a:t>
             </a:fld>
             <a:endParaRPr lang="en-US" dirty="0"/>
           </a:p>
@@ -7793,7 +7795,7 @@
             <a:fld id="{87A12A5C-4330-4241-88FF-F2EE6603F1FB}" type="slidenum">
               <a:rPr lang="en-US" smtClean="0"/>
               <a:pPr/>
-              <a:t>5</a:t>
+              <a:t>6</a:t>
             </a:fld>
             <a:endParaRPr lang="en-US"/>
           </a:p>
@@ -7886,7 +7888,7 @@
             <a:fld id="{82AABF77-E2E4-44CA-BA5C-65E132CF08D8}" type="slidenum">
               <a:rPr lang="en-US" smtClean="0"/>
               <a:pPr/>
-              <a:t>6</a:t>
+              <a:t>7</a:t>
             </a:fld>
             <a:endParaRPr lang="en-US" dirty="0"/>
           </a:p>
@@ -7971,7 +7973,7 @@
             <a:fld id="{82AABF77-E2E4-44CA-BA5C-65E132CF08D8}" type="slidenum">
               <a:rPr lang="en-US" smtClean="0"/>
               <a:pPr/>
-              <a:t>7</a:t>
+              <a:t>8</a:t>
             </a:fld>
             <a:endParaRPr lang="en-US" dirty="0"/>
           </a:p>
@@ -8196,10 +8198,34 @@
                 <a:tableStyleId>{5C22544A-7EE6-4342-B048-85BDC9FD1C3A}</a:tableStyleId>
               </a:tblPr>
               <a:tblGrid>
-                <a:gridCol w="2764105"/>
-                <a:gridCol w="2764105"/>
-                <a:gridCol w="2764105"/>
-                <a:gridCol w="2764105"/>
+                <a:gridCol w="2764105">
+                  <a:extLst>
+                    <a:ext uri="{9D8B030D-6E8A-4147-A177-3AD203B41FA5}">
+                      <a16:colId xmlns:a16="http://schemas.microsoft.com/office/drawing/2014/main" val="20000"/>
+                    </a:ext>
+                  </a:extLst>
+                </a:gridCol>
+                <a:gridCol w="2764105">
+                  <a:extLst>
+                    <a:ext uri="{9D8B030D-6E8A-4147-A177-3AD203B41FA5}">
+                      <a16:colId xmlns:a16="http://schemas.microsoft.com/office/drawing/2014/main" val="20001"/>
+                    </a:ext>
+                  </a:extLst>
+                </a:gridCol>
+                <a:gridCol w="2764105">
+                  <a:extLst>
+                    <a:ext uri="{9D8B030D-6E8A-4147-A177-3AD203B41FA5}">
+                      <a16:colId xmlns:a16="http://schemas.microsoft.com/office/drawing/2014/main" val="20002"/>
+                    </a:ext>
+                  </a:extLst>
+                </a:gridCol>
+                <a:gridCol w="2764105">
+                  <a:extLst>
+                    <a:ext uri="{9D8B030D-6E8A-4147-A177-3AD203B41FA5}">
+                      <a16:colId xmlns:a16="http://schemas.microsoft.com/office/drawing/2014/main" val="20003"/>
+                    </a:ext>
+                  </a:extLst>
+                </a:gridCol>
               </a:tblGrid>
               <a:tr h="644435">
                 <a:tc>
@@ -8374,6 +8400,11 @@
                     </a:lnBlToTr>
                   </a:tcPr>
                 </a:tc>
+                <a:extLst>
+                  <a:ext uri="{0D108BD9-81ED-4DB2-BD59-A6C34878D82A}">
+                    <a16:rowId xmlns:a16="http://schemas.microsoft.com/office/drawing/2014/main" val="10000"/>
+                  </a:ext>
+                </a:extLst>
               </a:tr>
               <a:tr h="1225319">
                 <a:tc>
@@ -8605,6 +8636,11 @@
                     </a:lnBlToTr>
                   </a:tcPr>
                 </a:tc>
+                <a:extLst>
+                  <a:ext uri="{0D108BD9-81ED-4DB2-BD59-A6C34878D82A}">
+                    <a16:rowId xmlns:a16="http://schemas.microsoft.com/office/drawing/2014/main" val="10001"/>
+                  </a:ext>
+                </a:extLst>
               </a:tr>
               <a:tr h="1225319">
                 <a:tc>
@@ -8855,6 +8891,11 @@
                     </a:lnBlToTr>
                   </a:tcPr>
                 </a:tc>
+                <a:extLst>
+                  <a:ext uri="{0D108BD9-81ED-4DB2-BD59-A6C34878D82A}">
+                    <a16:rowId xmlns:a16="http://schemas.microsoft.com/office/drawing/2014/main" val="10002"/>
+                  </a:ext>
+                </a:extLst>
               </a:tr>
               <a:tr h="1225319">
                 <a:tc>
@@ -9105,6 +9146,11 @@
                     </a:lnBlToTr>
                   </a:tcPr>
                 </a:tc>
+                <a:extLst>
+                  <a:ext uri="{0D108BD9-81ED-4DB2-BD59-A6C34878D82A}">
+                    <a16:rowId xmlns:a16="http://schemas.microsoft.com/office/drawing/2014/main" val="10003"/>
+                  </a:ext>
+                </a:extLst>
               </a:tr>
             </a:tbl>
           </a:graphicData>
@@ -11898,10 +11944,34 @@
                 <a:tableStyleId>{93296810-A885-4BE3-A3E7-6D5BEEA58F35}</a:tableStyleId>
               </a:tblPr>
               <a:tblGrid>
-                <a:gridCol w="2764105"/>
-                <a:gridCol w="2764105"/>
-                <a:gridCol w="2764105"/>
-                <a:gridCol w="2764105"/>
+                <a:gridCol w="2764105">
+                  <a:extLst>
+                    <a:ext uri="{9D8B030D-6E8A-4147-A177-3AD203B41FA5}">
+                      <a16:colId xmlns:a16="http://schemas.microsoft.com/office/drawing/2014/main" val="20000"/>
+                    </a:ext>
+                  </a:extLst>
+                </a:gridCol>
+                <a:gridCol w="2764105">
+                  <a:extLst>
+                    <a:ext uri="{9D8B030D-6E8A-4147-A177-3AD203B41FA5}">
+                      <a16:colId xmlns:a16="http://schemas.microsoft.com/office/drawing/2014/main" val="20001"/>
+                    </a:ext>
+                  </a:extLst>
+                </a:gridCol>
+                <a:gridCol w="2764105">
+                  <a:extLst>
+                    <a:ext uri="{9D8B030D-6E8A-4147-A177-3AD203B41FA5}">
+                      <a16:colId xmlns:a16="http://schemas.microsoft.com/office/drawing/2014/main" val="20002"/>
+                    </a:ext>
+                  </a:extLst>
+                </a:gridCol>
+                <a:gridCol w="2764105">
+                  <a:extLst>
+                    <a:ext uri="{9D8B030D-6E8A-4147-A177-3AD203B41FA5}">
+                      <a16:colId xmlns:a16="http://schemas.microsoft.com/office/drawing/2014/main" val="20003"/>
+                    </a:ext>
+                  </a:extLst>
+                </a:gridCol>
               </a:tblGrid>
               <a:tr h="644435">
                 <a:tc>
@@ -12060,6 +12130,11 @@
                     </a:lnBlToTr>
                   </a:tcPr>
                 </a:tc>
+                <a:extLst>
+                  <a:ext uri="{0D108BD9-81ED-4DB2-BD59-A6C34878D82A}">
+                    <a16:rowId xmlns:a16="http://schemas.microsoft.com/office/drawing/2014/main" val="10000"/>
+                  </a:ext>
+                </a:extLst>
               </a:tr>
               <a:tr h="1225319">
                 <a:tc>
@@ -12275,6 +12350,11 @@
                     </a:lnBlToTr>
                   </a:tcPr>
                 </a:tc>
+                <a:extLst>
+                  <a:ext uri="{0D108BD9-81ED-4DB2-BD59-A6C34878D82A}">
+                    <a16:rowId xmlns:a16="http://schemas.microsoft.com/office/drawing/2014/main" val="10001"/>
+                  </a:ext>
+                </a:extLst>
               </a:tr>
               <a:tr h="1225319">
                 <a:tc>
@@ -12509,6 +12589,11 @@
                     </a:lnBlToTr>
                   </a:tcPr>
                 </a:tc>
+                <a:extLst>
+                  <a:ext uri="{0D108BD9-81ED-4DB2-BD59-A6C34878D82A}">
+                    <a16:rowId xmlns:a16="http://schemas.microsoft.com/office/drawing/2014/main" val="10002"/>
+                  </a:ext>
+                </a:extLst>
               </a:tr>
               <a:tr h="1225319">
                 <a:tc>
@@ -12743,6 +12828,11 @@
                     </a:lnBlToTr>
                   </a:tcPr>
                 </a:tc>
+                <a:extLst>
+                  <a:ext uri="{0D108BD9-81ED-4DB2-BD59-A6C34878D82A}">
+                    <a16:rowId xmlns:a16="http://schemas.microsoft.com/office/drawing/2014/main" val="10003"/>
+                  </a:ext>
+                </a:extLst>
               </a:tr>
             </a:tbl>
           </a:graphicData>
@@ -13961,10 +14051,34 @@
                 <a:tableStyleId>{21E4AEA4-8DFA-4A89-87EB-49C32662AFE0}</a:tableStyleId>
               </a:tblPr>
               <a:tblGrid>
-                <a:gridCol w="2764105"/>
-                <a:gridCol w="2764105"/>
-                <a:gridCol w="2764105"/>
-                <a:gridCol w="2764105"/>
+                <a:gridCol w="2764105">
+                  <a:extLst>
+                    <a:ext uri="{9D8B030D-6E8A-4147-A177-3AD203B41FA5}">
+                      <a16:colId xmlns:a16="http://schemas.microsoft.com/office/drawing/2014/main" val="20000"/>
+                    </a:ext>
+                  </a:extLst>
+                </a:gridCol>
+                <a:gridCol w="2764105">
+                  <a:extLst>
+                    <a:ext uri="{9D8B030D-6E8A-4147-A177-3AD203B41FA5}">
+                      <a16:colId xmlns:a16="http://schemas.microsoft.com/office/drawing/2014/main" val="20001"/>
+                    </a:ext>
+                  </a:extLst>
+                </a:gridCol>
+                <a:gridCol w="2764105">
+                  <a:extLst>
+                    <a:ext uri="{9D8B030D-6E8A-4147-A177-3AD203B41FA5}">
+                      <a16:colId xmlns:a16="http://schemas.microsoft.com/office/drawing/2014/main" val="20002"/>
+                    </a:ext>
+                  </a:extLst>
+                </a:gridCol>
+                <a:gridCol w="2764105">
+                  <a:extLst>
+                    <a:ext uri="{9D8B030D-6E8A-4147-A177-3AD203B41FA5}">
+                      <a16:colId xmlns:a16="http://schemas.microsoft.com/office/drawing/2014/main" val="20003"/>
+                    </a:ext>
+                  </a:extLst>
+                </a:gridCol>
               </a:tblGrid>
               <a:tr h="644435">
                 <a:tc>
@@ -14135,6 +14249,11 @@
                     </a:solidFill>
                   </a:tcPr>
                 </a:tc>
+                <a:extLst>
+                  <a:ext uri="{0D108BD9-81ED-4DB2-BD59-A6C34878D82A}">
+                    <a16:rowId xmlns:a16="http://schemas.microsoft.com/office/drawing/2014/main" val="10000"/>
+                  </a:ext>
+                </a:extLst>
               </a:tr>
               <a:tr h="1225319">
                 <a:tc>
@@ -14362,6 +14481,11 @@
                     </a:solidFill>
                   </a:tcPr>
                 </a:tc>
+                <a:extLst>
+                  <a:ext uri="{0D108BD9-81ED-4DB2-BD59-A6C34878D82A}">
+                    <a16:rowId xmlns:a16="http://schemas.microsoft.com/office/drawing/2014/main" val="10001"/>
+                  </a:ext>
+                </a:extLst>
               </a:tr>
               <a:tr h="1225319">
                 <a:tc>
@@ -14616,6 +14740,11 @@
                     </a:solidFill>
                   </a:tcPr>
                 </a:tc>
+                <a:extLst>
+                  <a:ext uri="{0D108BD9-81ED-4DB2-BD59-A6C34878D82A}">
+                    <a16:rowId xmlns:a16="http://schemas.microsoft.com/office/drawing/2014/main" val="10002"/>
+                  </a:ext>
+                </a:extLst>
               </a:tr>
               <a:tr h="1225319">
                 <a:tc>
@@ -14862,6 +14991,11 @@
                     </a:solidFill>
                   </a:tcPr>
                 </a:tc>
+                <a:extLst>
+                  <a:ext uri="{0D108BD9-81ED-4DB2-BD59-A6C34878D82A}">
+                    <a16:rowId xmlns:a16="http://schemas.microsoft.com/office/drawing/2014/main" val="10003"/>
+                  </a:ext>
+                </a:extLst>
               </a:tr>
             </a:tbl>
           </a:graphicData>
@@ -16074,10 +16208,34 @@
                 <a:tableStyleId>{5C22544A-7EE6-4342-B048-85BDC9FD1C3A}</a:tableStyleId>
               </a:tblPr>
               <a:tblGrid>
-                <a:gridCol w="2764105"/>
-                <a:gridCol w="2764105"/>
-                <a:gridCol w="2764105"/>
-                <a:gridCol w="2764105"/>
+                <a:gridCol w="2764105">
+                  <a:extLst>
+                    <a:ext uri="{9D8B030D-6E8A-4147-A177-3AD203B41FA5}">
+                      <a16:colId xmlns:a16="http://schemas.microsoft.com/office/drawing/2014/main" val="20000"/>
+                    </a:ext>
+                  </a:extLst>
+                </a:gridCol>
+                <a:gridCol w="2764105">
+                  <a:extLst>
+                    <a:ext uri="{9D8B030D-6E8A-4147-A177-3AD203B41FA5}">
+                      <a16:colId xmlns:a16="http://schemas.microsoft.com/office/drawing/2014/main" val="20001"/>
+                    </a:ext>
+                  </a:extLst>
+                </a:gridCol>
+                <a:gridCol w="2764105">
+                  <a:extLst>
+                    <a:ext uri="{9D8B030D-6E8A-4147-A177-3AD203B41FA5}">
+                      <a16:colId xmlns:a16="http://schemas.microsoft.com/office/drawing/2014/main" val="20002"/>
+                    </a:ext>
+                  </a:extLst>
+                </a:gridCol>
+                <a:gridCol w="2764105">
+                  <a:extLst>
+                    <a:ext uri="{9D8B030D-6E8A-4147-A177-3AD203B41FA5}">
+                      <a16:colId xmlns:a16="http://schemas.microsoft.com/office/drawing/2014/main" val="20003"/>
+                    </a:ext>
+                  </a:extLst>
+                </a:gridCol>
               </a:tblGrid>
               <a:tr h="644435">
                 <a:tc>
@@ -16252,6 +16410,11 @@
                     </a:lnBlToTr>
                   </a:tcPr>
                 </a:tc>
+                <a:extLst>
+                  <a:ext uri="{0D108BD9-81ED-4DB2-BD59-A6C34878D82A}">
+                    <a16:rowId xmlns:a16="http://schemas.microsoft.com/office/drawing/2014/main" val="10000"/>
+                  </a:ext>
+                </a:extLst>
               </a:tr>
               <a:tr h="1225319">
                 <a:tc>
@@ -16483,6 +16646,11 @@
                     </a:lnBlToTr>
                   </a:tcPr>
                 </a:tc>
+                <a:extLst>
+                  <a:ext uri="{0D108BD9-81ED-4DB2-BD59-A6C34878D82A}">
+                    <a16:rowId xmlns:a16="http://schemas.microsoft.com/office/drawing/2014/main" val="10001"/>
+                  </a:ext>
+                </a:extLst>
               </a:tr>
               <a:tr h="1225319">
                 <a:tc>
@@ -16733,6 +16901,11 @@
                     </a:lnBlToTr>
                   </a:tcPr>
                 </a:tc>
+                <a:extLst>
+                  <a:ext uri="{0D108BD9-81ED-4DB2-BD59-A6C34878D82A}">
+                    <a16:rowId xmlns:a16="http://schemas.microsoft.com/office/drawing/2014/main" val="10002"/>
+                  </a:ext>
+                </a:extLst>
               </a:tr>
               <a:tr h="1225319">
                 <a:tc>
@@ -16983,6 +17156,11 @@
                     </a:lnBlToTr>
                   </a:tcPr>
                 </a:tc>
+                <a:extLst>
+                  <a:ext uri="{0D108BD9-81ED-4DB2-BD59-A6C34878D82A}">
+                    <a16:rowId xmlns:a16="http://schemas.microsoft.com/office/drawing/2014/main" val="10003"/>
+                  </a:ext>
+                </a:extLst>
               </a:tr>
             </a:tbl>
           </a:graphicData>
@@ -18084,10 +18262,34 @@
                 <a:tableStyleId>{5C22544A-7EE6-4342-B048-85BDC9FD1C3A}</a:tableStyleId>
               </a:tblPr>
               <a:tblGrid>
-                <a:gridCol w="2764105"/>
-                <a:gridCol w="2764105"/>
-                <a:gridCol w="2764105"/>
-                <a:gridCol w="2764105"/>
+                <a:gridCol w="2764105">
+                  <a:extLst>
+                    <a:ext uri="{9D8B030D-6E8A-4147-A177-3AD203B41FA5}">
+                      <a16:colId xmlns:a16="http://schemas.microsoft.com/office/drawing/2014/main" val="20000"/>
+                    </a:ext>
+                  </a:extLst>
+                </a:gridCol>
+                <a:gridCol w="2764105">
+                  <a:extLst>
+                    <a:ext uri="{9D8B030D-6E8A-4147-A177-3AD203B41FA5}">
+                      <a16:colId xmlns:a16="http://schemas.microsoft.com/office/drawing/2014/main" val="20001"/>
+                    </a:ext>
+                  </a:extLst>
+                </a:gridCol>
+                <a:gridCol w="2764105">
+                  <a:extLst>
+                    <a:ext uri="{9D8B030D-6E8A-4147-A177-3AD203B41FA5}">
+                      <a16:colId xmlns:a16="http://schemas.microsoft.com/office/drawing/2014/main" val="20002"/>
+                    </a:ext>
+                  </a:extLst>
+                </a:gridCol>
+                <a:gridCol w="2764105">
+                  <a:extLst>
+                    <a:ext uri="{9D8B030D-6E8A-4147-A177-3AD203B41FA5}">
+                      <a16:colId xmlns:a16="http://schemas.microsoft.com/office/drawing/2014/main" val="20003"/>
+                    </a:ext>
+                  </a:extLst>
+                </a:gridCol>
               </a:tblGrid>
               <a:tr h="644435">
                 <a:tc>
@@ -18262,6 +18464,11 @@
                     </a:lnBlToTr>
                   </a:tcPr>
                 </a:tc>
+                <a:extLst>
+                  <a:ext uri="{0D108BD9-81ED-4DB2-BD59-A6C34878D82A}">
+                    <a16:rowId xmlns:a16="http://schemas.microsoft.com/office/drawing/2014/main" val="10000"/>
+                  </a:ext>
+                </a:extLst>
               </a:tr>
               <a:tr h="1225319">
                 <a:tc>
@@ -18493,6 +18700,11 @@
                     </a:lnBlToTr>
                   </a:tcPr>
                 </a:tc>
+                <a:extLst>
+                  <a:ext uri="{0D108BD9-81ED-4DB2-BD59-A6C34878D82A}">
+                    <a16:rowId xmlns:a16="http://schemas.microsoft.com/office/drawing/2014/main" val="10001"/>
+                  </a:ext>
+                </a:extLst>
               </a:tr>
               <a:tr h="1225319">
                 <a:tc>
@@ -18743,6 +18955,11 @@
                     </a:lnBlToTr>
                   </a:tcPr>
                 </a:tc>
+                <a:extLst>
+                  <a:ext uri="{0D108BD9-81ED-4DB2-BD59-A6C34878D82A}">
+                    <a16:rowId xmlns:a16="http://schemas.microsoft.com/office/drawing/2014/main" val="10002"/>
+                  </a:ext>
+                </a:extLst>
               </a:tr>
               <a:tr h="1225319">
                 <a:tc>
@@ -18993,6 +19210,11 @@
                     </a:lnBlToTr>
                   </a:tcPr>
                 </a:tc>
+                <a:extLst>
+                  <a:ext uri="{0D108BD9-81ED-4DB2-BD59-A6C34878D82A}">
+                    <a16:rowId xmlns:a16="http://schemas.microsoft.com/office/drawing/2014/main" val="10003"/>
+                  </a:ext>
+                </a:extLst>
               </a:tr>
             </a:tbl>
           </a:graphicData>
@@ -20641,6 +20863,2868 @@
 </p:sldLayout>
 </file>
 
+<file path=ppt/slideLayouts/slideLayout60.xml><?xml version="1.0" encoding="utf-8"?>
+<p:sldLayout xmlns:a="http://schemas.openxmlformats.org/drawingml/2006/main" xmlns:r="http://schemas.openxmlformats.org/officeDocument/2006/relationships" xmlns:p="http://schemas.openxmlformats.org/presentationml/2006/main" type="title" preserve="1">
+  <p:cSld name="Title Slide">
+    <p:spTree>
+      <p:nvGrpSpPr>
+        <p:cNvPr id="1" name=""/>
+        <p:cNvGrpSpPr/>
+        <p:nvPr/>
+      </p:nvGrpSpPr>
+      <p:grpSpPr>
+        <a:xfrm>
+          <a:off x="0" y="0"/>
+          <a:ext cx="0" cy="0"/>
+          <a:chOff x="0" y="0"/>
+          <a:chExt cx="0" cy="0"/>
+        </a:xfrm>
+      </p:grpSpPr>
+      <p:sp>
+        <p:nvSpPr>
+          <p:cNvPr id="2" name="Title 1"/>
+          <p:cNvSpPr>
+            <a:spLocks noGrp="1"/>
+          </p:cNvSpPr>
+          <p:nvPr>
+            <p:ph type="ctrTitle"/>
+          </p:nvPr>
+        </p:nvSpPr>
+        <p:spPr>
+          <a:xfrm>
+            <a:off x="606175" y="1122363"/>
+            <a:ext cx="11034445" cy="2387600"/>
+          </a:xfrm>
+        </p:spPr>
+        <p:txBody>
+          <a:bodyPr anchor="b"/>
+          <a:lstStyle>
+            <a:lvl1pPr algn="l">
+              <a:defRPr sz="6000"/>
+            </a:lvl1pPr>
+          </a:lstStyle>
+          <a:p>
+            <a:r>
+              <a:rPr lang="en-US" dirty="0" smtClean="0"/>
+              <a:t>Click to edit Master title style</a:t>
+            </a:r>
+            <a:endParaRPr lang="en-US" dirty="0"/>
+          </a:p>
+        </p:txBody>
+      </p:sp>
+      <p:sp>
+        <p:nvSpPr>
+          <p:cNvPr id="3" name="Subtitle 2"/>
+          <p:cNvSpPr>
+            <a:spLocks noGrp="1"/>
+          </p:cNvSpPr>
+          <p:nvPr>
+            <p:ph type="subTitle" idx="1"/>
+          </p:nvPr>
+        </p:nvSpPr>
+        <p:spPr>
+          <a:xfrm>
+            <a:off x="606175" y="3602038"/>
+            <a:ext cx="11034445" cy="1655762"/>
+          </a:xfrm>
+        </p:spPr>
+        <p:txBody>
+          <a:bodyPr>
+            <a:normAutofit/>
+          </a:bodyPr>
+          <a:lstStyle>
+            <a:lvl1pPr marL="0" indent="0" algn="l">
+              <a:buNone/>
+              <a:defRPr sz="3600"/>
+            </a:lvl1pPr>
+            <a:lvl2pPr marL="457200" indent="0" algn="ctr">
+              <a:buNone/>
+              <a:defRPr sz="2000"/>
+            </a:lvl2pPr>
+            <a:lvl3pPr marL="914400" indent="0" algn="ctr">
+              <a:buNone/>
+              <a:defRPr sz="1800"/>
+            </a:lvl3pPr>
+            <a:lvl4pPr marL="1371600" indent="0" algn="ctr">
+              <a:buNone/>
+              <a:defRPr sz="1600"/>
+            </a:lvl4pPr>
+            <a:lvl5pPr marL="1828800" indent="0" algn="ctr">
+              <a:buNone/>
+              <a:defRPr sz="1600"/>
+            </a:lvl5pPr>
+            <a:lvl6pPr marL="2286000" indent="0" algn="ctr">
+              <a:buNone/>
+              <a:defRPr sz="1600"/>
+            </a:lvl6pPr>
+            <a:lvl7pPr marL="2743200" indent="0" algn="ctr">
+              <a:buNone/>
+              <a:defRPr sz="1600"/>
+            </a:lvl7pPr>
+            <a:lvl8pPr marL="3200400" indent="0" algn="ctr">
+              <a:buNone/>
+              <a:defRPr sz="1600"/>
+            </a:lvl8pPr>
+            <a:lvl9pPr marL="3657600" indent="0" algn="ctr">
+              <a:buNone/>
+              <a:defRPr sz="1600"/>
+            </a:lvl9pPr>
+          </a:lstStyle>
+          <a:p>
+            <a:r>
+              <a:rPr lang="en-US" dirty="0" smtClean="0"/>
+              <a:t>Click to edit Master subtitle style</a:t>
+            </a:r>
+            <a:endParaRPr lang="en-US" dirty="0"/>
+          </a:p>
+        </p:txBody>
+      </p:sp>
+    </p:spTree>
+    <p:extLst>
+      <p:ext uri="{BB962C8B-B14F-4D97-AF65-F5344CB8AC3E}">
+        <p14:creationId xmlns:p14="http://schemas.microsoft.com/office/powerpoint/2010/main" val="371499931"/>
+      </p:ext>
+    </p:extLst>
+  </p:cSld>
+  <p:clrMapOvr>
+    <a:masterClrMapping/>
+  </p:clrMapOvr>
+  <p:timing>
+    <p:tnLst>
+      <p:par>
+        <p:cTn id="1" dur="indefinite" restart="never" nodeType="tmRoot"/>
+      </p:par>
+    </p:tnLst>
+  </p:timing>
+</p:sldLayout>
+</file>
+
+<file path=ppt/slideLayouts/slideLayout61.xml><?xml version="1.0" encoding="utf-8"?>
+<p:sldLayout xmlns:a="http://schemas.openxmlformats.org/drawingml/2006/main" xmlns:r="http://schemas.openxmlformats.org/officeDocument/2006/relationships" xmlns:p="http://schemas.openxmlformats.org/presentationml/2006/main" type="obj" preserve="1">
+  <p:cSld name="Title and Content">
+    <p:spTree>
+      <p:nvGrpSpPr>
+        <p:cNvPr id="1" name=""/>
+        <p:cNvGrpSpPr/>
+        <p:nvPr/>
+      </p:nvGrpSpPr>
+      <p:grpSpPr>
+        <a:xfrm>
+          <a:off x="0" y="0"/>
+          <a:ext cx="0" cy="0"/>
+          <a:chOff x="0" y="0"/>
+          <a:chExt cx="0" cy="0"/>
+        </a:xfrm>
+      </p:grpSpPr>
+      <p:sp>
+        <p:nvSpPr>
+          <p:cNvPr id="2" name="Title 1"/>
+          <p:cNvSpPr>
+            <a:spLocks noGrp="1"/>
+          </p:cNvSpPr>
+          <p:nvPr>
+            <p:ph type="title"/>
+          </p:nvPr>
+        </p:nvSpPr>
+        <p:spPr/>
+        <p:txBody>
+          <a:bodyPr/>
+          <a:lstStyle/>
+          <a:p>
+            <a:r>
+              <a:rPr lang="en-US" smtClean="0"/>
+              <a:t>Click to edit Master title style</a:t>
+            </a:r>
+            <a:endParaRPr lang="en-US"/>
+          </a:p>
+        </p:txBody>
+      </p:sp>
+      <p:sp>
+        <p:nvSpPr>
+          <p:cNvPr id="3" name="Content Placeholder 2"/>
+          <p:cNvSpPr>
+            <a:spLocks noGrp="1"/>
+          </p:cNvSpPr>
+          <p:nvPr>
+            <p:ph idx="1"/>
+          </p:nvPr>
+        </p:nvSpPr>
+        <p:spPr/>
+        <p:txBody>
+          <a:bodyPr/>
+          <a:lstStyle/>
+          <a:p>
+            <a:pPr lvl="0"/>
+            <a:r>
+              <a:rPr lang="en-US" smtClean="0"/>
+              <a:t>Click to edit Master text styles</a:t>
+            </a:r>
+          </a:p>
+          <a:p>
+            <a:pPr lvl="1"/>
+            <a:r>
+              <a:rPr lang="en-US" smtClean="0"/>
+              <a:t>Second level</a:t>
+            </a:r>
+          </a:p>
+          <a:p>
+            <a:pPr lvl="2"/>
+            <a:r>
+              <a:rPr lang="en-US" smtClean="0"/>
+              <a:t>Third level</a:t>
+            </a:r>
+          </a:p>
+          <a:p>
+            <a:pPr lvl="3"/>
+            <a:r>
+              <a:rPr lang="en-US" smtClean="0"/>
+              <a:t>Fourth level</a:t>
+            </a:r>
+          </a:p>
+          <a:p>
+            <a:pPr lvl="4"/>
+            <a:r>
+              <a:rPr lang="en-US" smtClean="0"/>
+              <a:t>Fifth level</a:t>
+            </a:r>
+            <a:endParaRPr lang="en-US"/>
+          </a:p>
+        </p:txBody>
+      </p:sp>
+      <p:sp>
+        <p:nvSpPr>
+          <p:cNvPr id="6" name="Slide Number Placeholder 5"/>
+          <p:cNvSpPr>
+            <a:spLocks noGrp="1"/>
+          </p:cNvSpPr>
+          <p:nvPr>
+            <p:ph type="sldNum" sz="quarter" idx="12"/>
+          </p:nvPr>
+        </p:nvSpPr>
+        <p:spPr>
+          <a:xfrm>
+            <a:off x="8897420" y="6256216"/>
+            <a:ext cx="2743200" cy="365125"/>
+          </a:xfrm>
+          <a:prstGeom prst="rect">
+            <a:avLst/>
+          </a:prstGeom>
+        </p:spPr>
+        <p:txBody>
+          <a:bodyPr/>
+          <a:lstStyle/>
+          <a:p>
+            <a:pPr marL="0" marR="0" lvl="0" indent="0" algn="r" defTabSz="914400" rtl="0" eaLnBrk="1" fontAlgn="auto" latinLnBrk="0" hangingPunct="1">
+              <a:lnSpc>
+                <a:spcPct val="100000"/>
+              </a:lnSpc>
+              <a:spcBef>
+                <a:spcPts val="0"/>
+              </a:spcBef>
+              <a:spcAft>
+                <a:spcPts val="0"/>
+              </a:spcAft>
+              <a:buClrTx/>
+              <a:buSzTx/>
+              <a:buFontTx/>
+              <a:buNone/>
+              <a:tabLst/>
+              <a:defRPr/>
+            </a:pPr>
+            <a:fld id="{0A164282-434E-41D4-9582-783D542A7B68}" type="slidenum">
+              <a:rPr kumimoji="0" lang="en-US" sz="2000" b="0" i="0" u="none" strike="noStrike" kern="1200" cap="none" spc="0" normalizeH="0" baseline="0" noProof="0" smtClean="0">
+                <a:ln>
+                  <a:noFill/>
+                </a:ln>
+                <a:solidFill>
+                  <a:srgbClr val="289FD7"/>
+                </a:solidFill>
+                <a:effectLst/>
+                <a:uLnTx/>
+                <a:uFillTx/>
+                <a:latin typeface="Segoe UI Light"/>
+                <a:ea typeface="+mn-ea"/>
+                <a:cs typeface="+mn-cs"/>
+              </a:rPr>
+              <a:pPr marL="0" marR="0" lvl="0" indent="0" algn="r" defTabSz="914400" rtl="0" eaLnBrk="1" fontAlgn="auto" latinLnBrk="0" hangingPunct="1">
+                <a:lnSpc>
+                  <a:spcPct val="100000"/>
+                </a:lnSpc>
+                <a:spcBef>
+                  <a:spcPts val="0"/>
+                </a:spcBef>
+                <a:spcAft>
+                  <a:spcPts val="0"/>
+                </a:spcAft>
+                <a:buClrTx/>
+                <a:buSzTx/>
+                <a:buFontTx/>
+                <a:buNone/>
+                <a:tabLst/>
+                <a:defRPr/>
+              </a:pPr>
+              <a:t>‹#›</a:t>
+            </a:fld>
+            <a:endParaRPr kumimoji="0" lang="en-US" sz="2000" b="0" i="0" u="none" strike="noStrike" kern="1200" cap="none" spc="0" normalizeH="0" baseline="0" noProof="0">
+              <a:ln>
+                <a:noFill/>
+              </a:ln>
+              <a:solidFill>
+                <a:srgbClr val="289FD7"/>
+              </a:solidFill>
+              <a:effectLst/>
+              <a:uLnTx/>
+              <a:uFillTx/>
+              <a:latin typeface="Segoe UI Light"/>
+              <a:ea typeface="+mn-ea"/>
+              <a:cs typeface="+mn-cs"/>
+            </a:endParaRPr>
+          </a:p>
+        </p:txBody>
+      </p:sp>
+    </p:spTree>
+    <p:extLst>
+      <p:ext uri="{BB962C8B-B14F-4D97-AF65-F5344CB8AC3E}">
+        <p14:creationId xmlns:p14="http://schemas.microsoft.com/office/powerpoint/2010/main" val="3407989439"/>
+      </p:ext>
+    </p:extLst>
+  </p:cSld>
+  <p:clrMapOvr>
+    <a:masterClrMapping/>
+  </p:clrMapOvr>
+  <p:timing>
+    <p:tnLst>
+      <p:par>
+        <p:cTn id="1" dur="indefinite" restart="never" nodeType="tmRoot"/>
+      </p:par>
+    </p:tnLst>
+  </p:timing>
+</p:sldLayout>
+</file>
+
+<file path=ppt/slideLayouts/slideLayout62.xml><?xml version="1.0" encoding="utf-8"?>
+<p:sldLayout xmlns:a="http://schemas.openxmlformats.org/drawingml/2006/main" xmlns:r="http://schemas.openxmlformats.org/officeDocument/2006/relationships" xmlns:p="http://schemas.openxmlformats.org/presentationml/2006/main" preserve="1" userDrawn="1">
+  <p:cSld name="1_Title and Content">
+    <p:spTree>
+      <p:nvGrpSpPr>
+        <p:cNvPr id="1" name=""/>
+        <p:cNvGrpSpPr/>
+        <p:nvPr/>
+      </p:nvGrpSpPr>
+      <p:grpSpPr>
+        <a:xfrm>
+          <a:off x="0" y="0"/>
+          <a:ext cx="0" cy="0"/>
+          <a:chOff x="0" y="0"/>
+          <a:chExt cx="0" cy="0"/>
+        </a:xfrm>
+      </p:grpSpPr>
+      <p:sp>
+        <p:nvSpPr>
+          <p:cNvPr id="2" name="Title 1"/>
+          <p:cNvSpPr>
+            <a:spLocks noGrp="1"/>
+          </p:cNvSpPr>
+          <p:nvPr>
+            <p:ph type="title"/>
+          </p:nvPr>
+        </p:nvSpPr>
+        <p:spPr/>
+        <p:txBody>
+          <a:bodyPr/>
+          <a:lstStyle/>
+          <a:p>
+            <a:r>
+              <a:rPr lang="en-US" smtClean="0"/>
+              <a:t>Click to edit Master title style</a:t>
+            </a:r>
+            <a:endParaRPr lang="en-US"/>
+          </a:p>
+        </p:txBody>
+      </p:sp>
+      <p:sp>
+        <p:nvSpPr>
+          <p:cNvPr id="3" name="Content Placeholder 2"/>
+          <p:cNvSpPr>
+            <a:spLocks noGrp="1"/>
+          </p:cNvSpPr>
+          <p:nvPr>
+            <p:ph idx="1"/>
+          </p:nvPr>
+        </p:nvSpPr>
+        <p:spPr>
+          <a:xfrm>
+            <a:off x="560798" y="2111604"/>
+            <a:ext cx="11079822" cy="3980971"/>
+          </a:xfrm>
+        </p:spPr>
+        <p:txBody>
+          <a:bodyPr/>
+          <a:lstStyle/>
+          <a:p>
+            <a:pPr lvl="0"/>
+            <a:r>
+              <a:rPr lang="en-US" smtClean="0"/>
+              <a:t>Click to edit Master text styles</a:t>
+            </a:r>
+          </a:p>
+          <a:p>
+            <a:pPr lvl="1"/>
+            <a:r>
+              <a:rPr lang="en-US" smtClean="0"/>
+              <a:t>Second level</a:t>
+            </a:r>
+          </a:p>
+          <a:p>
+            <a:pPr lvl="2"/>
+            <a:r>
+              <a:rPr lang="en-US" smtClean="0"/>
+              <a:t>Third level</a:t>
+            </a:r>
+          </a:p>
+          <a:p>
+            <a:pPr lvl="3"/>
+            <a:r>
+              <a:rPr lang="en-US" smtClean="0"/>
+              <a:t>Fourth level</a:t>
+            </a:r>
+          </a:p>
+          <a:p>
+            <a:pPr lvl="4"/>
+            <a:r>
+              <a:rPr lang="en-US" smtClean="0"/>
+              <a:t>Fifth level</a:t>
+            </a:r>
+            <a:endParaRPr lang="en-US"/>
+          </a:p>
+        </p:txBody>
+      </p:sp>
+      <p:sp>
+        <p:nvSpPr>
+          <p:cNvPr id="6" name="Slide Number Placeholder 5"/>
+          <p:cNvSpPr>
+            <a:spLocks noGrp="1"/>
+          </p:cNvSpPr>
+          <p:nvPr>
+            <p:ph type="sldNum" sz="quarter" idx="12"/>
+          </p:nvPr>
+        </p:nvSpPr>
+        <p:spPr>
+          <a:xfrm>
+            <a:off x="8897420" y="6256216"/>
+            <a:ext cx="2743200" cy="365125"/>
+          </a:xfrm>
+          <a:prstGeom prst="rect">
+            <a:avLst/>
+          </a:prstGeom>
+        </p:spPr>
+        <p:txBody>
+          <a:bodyPr/>
+          <a:lstStyle/>
+          <a:p>
+            <a:pPr marL="0" marR="0" lvl="0" indent="0" algn="r" defTabSz="914400" rtl="0" eaLnBrk="1" fontAlgn="auto" latinLnBrk="0" hangingPunct="1">
+              <a:lnSpc>
+                <a:spcPct val="100000"/>
+              </a:lnSpc>
+              <a:spcBef>
+                <a:spcPts val="0"/>
+              </a:spcBef>
+              <a:spcAft>
+                <a:spcPts val="0"/>
+              </a:spcAft>
+              <a:buClrTx/>
+              <a:buSzTx/>
+              <a:buFontTx/>
+              <a:buNone/>
+              <a:tabLst/>
+              <a:defRPr/>
+            </a:pPr>
+            <a:fld id="{0A164282-434E-41D4-9582-783D542A7B68}" type="slidenum">
+              <a:rPr kumimoji="0" lang="en-US" sz="2000" b="0" i="0" u="none" strike="noStrike" kern="1200" cap="none" spc="0" normalizeH="0" baseline="0" noProof="0" smtClean="0">
+                <a:ln>
+                  <a:noFill/>
+                </a:ln>
+                <a:solidFill>
+                  <a:srgbClr val="289FD7"/>
+                </a:solidFill>
+                <a:effectLst/>
+                <a:uLnTx/>
+                <a:uFillTx/>
+                <a:latin typeface="Segoe UI Light"/>
+                <a:ea typeface="+mn-ea"/>
+                <a:cs typeface="+mn-cs"/>
+              </a:rPr>
+              <a:pPr marL="0" marR="0" lvl="0" indent="0" algn="r" defTabSz="914400" rtl="0" eaLnBrk="1" fontAlgn="auto" latinLnBrk="0" hangingPunct="1">
+                <a:lnSpc>
+                  <a:spcPct val="100000"/>
+                </a:lnSpc>
+                <a:spcBef>
+                  <a:spcPts val="0"/>
+                </a:spcBef>
+                <a:spcAft>
+                  <a:spcPts val="0"/>
+                </a:spcAft>
+                <a:buClrTx/>
+                <a:buSzTx/>
+                <a:buFontTx/>
+                <a:buNone/>
+                <a:tabLst/>
+                <a:defRPr/>
+              </a:pPr>
+              <a:t>‹#›</a:t>
+            </a:fld>
+            <a:endParaRPr kumimoji="0" lang="en-US" sz="2000" b="0" i="0" u="none" strike="noStrike" kern="1200" cap="none" spc="0" normalizeH="0" baseline="0" noProof="0">
+              <a:ln>
+                <a:noFill/>
+              </a:ln>
+              <a:solidFill>
+                <a:srgbClr val="289FD7"/>
+              </a:solidFill>
+              <a:effectLst/>
+              <a:uLnTx/>
+              <a:uFillTx/>
+              <a:latin typeface="Segoe UI Light"/>
+              <a:ea typeface="+mn-ea"/>
+              <a:cs typeface="+mn-cs"/>
+            </a:endParaRPr>
+          </a:p>
+        </p:txBody>
+      </p:sp>
+      <p:sp>
+        <p:nvSpPr>
+          <p:cNvPr id="5" name="Text Placeholder 4"/>
+          <p:cNvSpPr>
+            <a:spLocks noGrp="1"/>
+          </p:cNvSpPr>
+          <p:nvPr>
+            <p:ph type="body" sz="quarter" idx="13" hasCustomPrompt="1"/>
+          </p:nvPr>
+        </p:nvSpPr>
+        <p:spPr>
+          <a:xfrm>
+            <a:off x="560388" y="1534096"/>
+            <a:ext cx="11080750" cy="437594"/>
+          </a:xfrm>
+        </p:spPr>
+        <p:txBody>
+          <a:bodyPr>
+            <a:normAutofit/>
+          </a:bodyPr>
+          <a:lstStyle>
+            <a:lvl1pPr marL="0" indent="0">
+              <a:buFontTx/>
+              <a:buNone/>
+              <a:defRPr sz="2000" cap="all" baseline="0"/>
+            </a:lvl1pPr>
+            <a:lvl5pPr>
+              <a:defRPr/>
+            </a:lvl5pPr>
+          </a:lstStyle>
+          <a:p>
+            <a:pPr lvl="0"/>
+            <a:r>
+              <a:rPr lang="en-US" dirty="0" smtClean="0"/>
+              <a:t>Secondary refining headline</a:t>
+            </a:r>
+            <a:endParaRPr lang="en-US" dirty="0"/>
+          </a:p>
+        </p:txBody>
+      </p:sp>
+    </p:spTree>
+    <p:extLst>
+      <p:ext uri="{BB962C8B-B14F-4D97-AF65-F5344CB8AC3E}">
+        <p14:creationId xmlns:p14="http://schemas.microsoft.com/office/powerpoint/2010/main" val="3091782928"/>
+      </p:ext>
+    </p:extLst>
+  </p:cSld>
+  <p:clrMapOvr>
+    <a:masterClrMapping/>
+  </p:clrMapOvr>
+  <p:timing>
+    <p:tnLst>
+      <p:par>
+        <p:cTn id="1" dur="indefinite" restart="never" nodeType="tmRoot"/>
+      </p:par>
+    </p:tnLst>
+  </p:timing>
+</p:sldLayout>
+</file>
+
+<file path=ppt/slideLayouts/slideLayout63.xml><?xml version="1.0" encoding="utf-8"?>
+<p:sldLayout xmlns:a="http://schemas.openxmlformats.org/drawingml/2006/main" xmlns:r="http://schemas.openxmlformats.org/officeDocument/2006/relationships" xmlns:p="http://schemas.openxmlformats.org/presentationml/2006/main" type="titleOnly" preserve="1">
+  <p:cSld name="Title Only">
+    <p:spTree>
+      <p:nvGrpSpPr>
+        <p:cNvPr id="1" name=""/>
+        <p:cNvGrpSpPr/>
+        <p:nvPr/>
+      </p:nvGrpSpPr>
+      <p:grpSpPr>
+        <a:xfrm>
+          <a:off x="0" y="0"/>
+          <a:ext cx="0" cy="0"/>
+          <a:chOff x="0" y="0"/>
+          <a:chExt cx="0" cy="0"/>
+        </a:xfrm>
+      </p:grpSpPr>
+      <p:sp>
+        <p:nvSpPr>
+          <p:cNvPr id="2" name="Title 1"/>
+          <p:cNvSpPr>
+            <a:spLocks noGrp="1"/>
+          </p:cNvSpPr>
+          <p:nvPr>
+            <p:ph type="title"/>
+          </p:nvPr>
+        </p:nvSpPr>
+        <p:spPr/>
+        <p:txBody>
+          <a:bodyPr/>
+          <a:lstStyle/>
+          <a:p>
+            <a:r>
+              <a:rPr lang="en-US" smtClean="0"/>
+              <a:t>Click to edit Master title style</a:t>
+            </a:r>
+            <a:endParaRPr lang="en-US"/>
+          </a:p>
+        </p:txBody>
+      </p:sp>
+      <p:sp>
+        <p:nvSpPr>
+          <p:cNvPr id="5" name="Slide Number Placeholder 4"/>
+          <p:cNvSpPr>
+            <a:spLocks noGrp="1"/>
+          </p:cNvSpPr>
+          <p:nvPr>
+            <p:ph type="sldNum" sz="quarter" idx="12"/>
+          </p:nvPr>
+        </p:nvSpPr>
+        <p:spPr>
+          <a:xfrm>
+            <a:off x="8897420" y="6256216"/>
+            <a:ext cx="2743200" cy="365125"/>
+          </a:xfrm>
+          <a:prstGeom prst="rect">
+            <a:avLst/>
+          </a:prstGeom>
+        </p:spPr>
+        <p:txBody>
+          <a:bodyPr/>
+          <a:lstStyle/>
+          <a:p>
+            <a:pPr marL="0" marR="0" lvl="0" indent="0" algn="r" defTabSz="914400" rtl="0" eaLnBrk="1" fontAlgn="auto" latinLnBrk="0" hangingPunct="1">
+              <a:lnSpc>
+                <a:spcPct val="100000"/>
+              </a:lnSpc>
+              <a:spcBef>
+                <a:spcPts val="0"/>
+              </a:spcBef>
+              <a:spcAft>
+                <a:spcPts val="0"/>
+              </a:spcAft>
+              <a:buClrTx/>
+              <a:buSzTx/>
+              <a:buFontTx/>
+              <a:buNone/>
+              <a:tabLst/>
+              <a:defRPr/>
+            </a:pPr>
+            <a:fld id="{0A164282-434E-41D4-9582-783D542A7B68}" type="slidenum">
+              <a:rPr kumimoji="0" lang="en-US" sz="2000" b="0" i="0" u="none" strike="noStrike" kern="1200" cap="none" spc="0" normalizeH="0" baseline="0" noProof="0" smtClean="0">
+                <a:ln>
+                  <a:noFill/>
+                </a:ln>
+                <a:solidFill>
+                  <a:srgbClr val="289FD7"/>
+                </a:solidFill>
+                <a:effectLst/>
+                <a:uLnTx/>
+                <a:uFillTx/>
+                <a:latin typeface="Segoe UI Light"/>
+                <a:ea typeface="+mn-ea"/>
+                <a:cs typeface="+mn-cs"/>
+              </a:rPr>
+              <a:pPr marL="0" marR="0" lvl="0" indent="0" algn="r" defTabSz="914400" rtl="0" eaLnBrk="1" fontAlgn="auto" latinLnBrk="0" hangingPunct="1">
+                <a:lnSpc>
+                  <a:spcPct val="100000"/>
+                </a:lnSpc>
+                <a:spcBef>
+                  <a:spcPts val="0"/>
+                </a:spcBef>
+                <a:spcAft>
+                  <a:spcPts val="0"/>
+                </a:spcAft>
+                <a:buClrTx/>
+                <a:buSzTx/>
+                <a:buFontTx/>
+                <a:buNone/>
+                <a:tabLst/>
+                <a:defRPr/>
+              </a:pPr>
+              <a:t>‹#›</a:t>
+            </a:fld>
+            <a:endParaRPr kumimoji="0" lang="en-US" sz="2000" b="0" i="0" u="none" strike="noStrike" kern="1200" cap="none" spc="0" normalizeH="0" baseline="0" noProof="0">
+              <a:ln>
+                <a:noFill/>
+              </a:ln>
+              <a:solidFill>
+                <a:srgbClr val="289FD7"/>
+              </a:solidFill>
+              <a:effectLst/>
+              <a:uLnTx/>
+              <a:uFillTx/>
+              <a:latin typeface="Segoe UI Light"/>
+              <a:ea typeface="+mn-ea"/>
+              <a:cs typeface="+mn-cs"/>
+            </a:endParaRPr>
+          </a:p>
+        </p:txBody>
+      </p:sp>
+    </p:spTree>
+    <p:extLst>
+      <p:ext uri="{BB962C8B-B14F-4D97-AF65-F5344CB8AC3E}">
+        <p14:creationId xmlns:p14="http://schemas.microsoft.com/office/powerpoint/2010/main" val="3127916710"/>
+      </p:ext>
+    </p:extLst>
+  </p:cSld>
+  <p:clrMapOvr>
+    <a:masterClrMapping/>
+  </p:clrMapOvr>
+  <p:timing>
+    <p:tnLst>
+      <p:par>
+        <p:cTn id="1" dur="indefinite" restart="never" nodeType="tmRoot"/>
+      </p:par>
+    </p:tnLst>
+  </p:timing>
+</p:sldLayout>
+</file>
+
+<file path=ppt/slideLayouts/slideLayout64.xml><?xml version="1.0" encoding="utf-8"?>
+<p:sldLayout xmlns:a="http://schemas.openxmlformats.org/drawingml/2006/main" xmlns:r="http://schemas.openxmlformats.org/officeDocument/2006/relationships" xmlns:p="http://schemas.openxmlformats.org/presentationml/2006/main" preserve="1" userDrawn="1">
+  <p:cSld name="1_Title Only">
+    <p:spTree>
+      <p:nvGrpSpPr>
+        <p:cNvPr id="1" name=""/>
+        <p:cNvGrpSpPr/>
+        <p:nvPr/>
+      </p:nvGrpSpPr>
+      <p:grpSpPr>
+        <a:xfrm>
+          <a:off x="0" y="0"/>
+          <a:ext cx="0" cy="0"/>
+          <a:chOff x="0" y="0"/>
+          <a:chExt cx="0" cy="0"/>
+        </a:xfrm>
+      </p:grpSpPr>
+      <p:sp>
+        <p:nvSpPr>
+          <p:cNvPr id="2" name="Title 1"/>
+          <p:cNvSpPr>
+            <a:spLocks noGrp="1"/>
+          </p:cNvSpPr>
+          <p:nvPr>
+            <p:ph type="title"/>
+          </p:nvPr>
+        </p:nvSpPr>
+        <p:spPr>
+          <a:xfrm>
+            <a:off x="560798" y="416497"/>
+            <a:ext cx="11079822" cy="922110"/>
+          </a:xfrm>
+        </p:spPr>
+        <p:txBody>
+          <a:bodyPr>
+            <a:normAutofit/>
+          </a:bodyPr>
+          <a:lstStyle>
+            <a:lvl1pPr>
+              <a:defRPr sz="4400"/>
+            </a:lvl1pPr>
+          </a:lstStyle>
+          <a:p>
+            <a:r>
+              <a:rPr lang="en-US" smtClean="0"/>
+              <a:t>Click to edit Master title style</a:t>
+            </a:r>
+            <a:endParaRPr lang="en-US"/>
+          </a:p>
+        </p:txBody>
+      </p:sp>
+      <p:sp>
+        <p:nvSpPr>
+          <p:cNvPr id="5" name="Slide Number Placeholder 4"/>
+          <p:cNvSpPr>
+            <a:spLocks noGrp="1"/>
+          </p:cNvSpPr>
+          <p:nvPr>
+            <p:ph type="sldNum" sz="quarter" idx="12"/>
+          </p:nvPr>
+        </p:nvSpPr>
+        <p:spPr>
+          <a:xfrm>
+            <a:off x="8897420" y="6256216"/>
+            <a:ext cx="2743200" cy="365125"/>
+          </a:xfrm>
+          <a:prstGeom prst="rect">
+            <a:avLst/>
+          </a:prstGeom>
+        </p:spPr>
+        <p:txBody>
+          <a:bodyPr/>
+          <a:lstStyle/>
+          <a:p>
+            <a:pPr marL="0" marR="0" lvl="0" indent="0" algn="r" defTabSz="914400" rtl="0" eaLnBrk="1" fontAlgn="auto" latinLnBrk="0" hangingPunct="1">
+              <a:lnSpc>
+                <a:spcPct val="100000"/>
+              </a:lnSpc>
+              <a:spcBef>
+                <a:spcPts val="0"/>
+              </a:spcBef>
+              <a:spcAft>
+                <a:spcPts val="0"/>
+              </a:spcAft>
+              <a:buClrTx/>
+              <a:buSzTx/>
+              <a:buFontTx/>
+              <a:buNone/>
+              <a:tabLst/>
+              <a:defRPr/>
+            </a:pPr>
+            <a:fld id="{0A164282-434E-41D4-9582-783D542A7B68}" type="slidenum">
+              <a:rPr kumimoji="0" lang="en-US" sz="2000" b="0" i="0" u="none" strike="noStrike" kern="1200" cap="none" spc="0" normalizeH="0" baseline="0" noProof="0" smtClean="0">
+                <a:ln>
+                  <a:noFill/>
+                </a:ln>
+                <a:solidFill>
+                  <a:srgbClr val="289FD7"/>
+                </a:solidFill>
+                <a:effectLst/>
+                <a:uLnTx/>
+                <a:uFillTx/>
+                <a:latin typeface="Segoe UI Light"/>
+                <a:ea typeface="+mn-ea"/>
+                <a:cs typeface="+mn-cs"/>
+              </a:rPr>
+              <a:pPr marL="0" marR="0" lvl="0" indent="0" algn="r" defTabSz="914400" rtl="0" eaLnBrk="1" fontAlgn="auto" latinLnBrk="0" hangingPunct="1">
+                <a:lnSpc>
+                  <a:spcPct val="100000"/>
+                </a:lnSpc>
+                <a:spcBef>
+                  <a:spcPts val="0"/>
+                </a:spcBef>
+                <a:spcAft>
+                  <a:spcPts val="0"/>
+                </a:spcAft>
+                <a:buClrTx/>
+                <a:buSzTx/>
+                <a:buFontTx/>
+                <a:buNone/>
+                <a:tabLst/>
+                <a:defRPr/>
+              </a:pPr>
+              <a:t>‹#›</a:t>
+            </a:fld>
+            <a:endParaRPr kumimoji="0" lang="en-US" sz="2000" b="0" i="0" u="none" strike="noStrike" kern="1200" cap="none" spc="0" normalizeH="0" baseline="0" noProof="0">
+              <a:ln>
+                <a:noFill/>
+              </a:ln>
+              <a:solidFill>
+                <a:srgbClr val="289FD7"/>
+              </a:solidFill>
+              <a:effectLst/>
+              <a:uLnTx/>
+              <a:uFillTx/>
+              <a:latin typeface="Segoe UI Light"/>
+              <a:ea typeface="+mn-ea"/>
+              <a:cs typeface="+mn-cs"/>
+            </a:endParaRPr>
+          </a:p>
+        </p:txBody>
+      </p:sp>
+      <p:graphicFrame>
+        <p:nvGraphicFramePr>
+          <p:cNvPr id="6" name="Table 5"/>
+          <p:cNvGraphicFramePr>
+            <a:graphicFrameLocks noGrp="1"/>
+          </p:cNvGraphicFramePr>
+          <p:nvPr userDrawn="1">
+            <p:extLst/>
+          </p:nvPr>
+        </p:nvGraphicFramePr>
+        <p:xfrm>
+          <a:off x="584200" y="1476596"/>
+          <a:ext cx="11056420" cy="4320392"/>
+        </p:xfrm>
+        <a:graphic>
+          <a:graphicData uri="http://schemas.openxmlformats.org/drawingml/2006/table">
+            <a:tbl>
+              <a:tblPr firstRow="1" bandRow="1">
+                <a:tableStyleId>{5C22544A-7EE6-4342-B048-85BDC9FD1C3A}</a:tableStyleId>
+              </a:tblPr>
+              <a:tblGrid>
+                <a:gridCol w="2764105">
+                  <a:extLst>
+                    <a:ext uri="{9D8B030D-6E8A-4147-A177-3AD203B41FA5}">
+                      <a16:colId xmlns:a16="http://schemas.microsoft.com/office/drawing/2014/main" val="20000"/>
+                    </a:ext>
+                  </a:extLst>
+                </a:gridCol>
+                <a:gridCol w="2764105">
+                  <a:extLst>
+                    <a:ext uri="{9D8B030D-6E8A-4147-A177-3AD203B41FA5}">
+                      <a16:colId xmlns:a16="http://schemas.microsoft.com/office/drawing/2014/main" val="20001"/>
+                    </a:ext>
+                  </a:extLst>
+                </a:gridCol>
+                <a:gridCol w="2764105">
+                  <a:extLst>
+                    <a:ext uri="{9D8B030D-6E8A-4147-A177-3AD203B41FA5}">
+                      <a16:colId xmlns:a16="http://schemas.microsoft.com/office/drawing/2014/main" val="20002"/>
+                    </a:ext>
+                  </a:extLst>
+                </a:gridCol>
+                <a:gridCol w="2764105">
+                  <a:extLst>
+                    <a:ext uri="{9D8B030D-6E8A-4147-A177-3AD203B41FA5}">
+                      <a16:colId xmlns:a16="http://schemas.microsoft.com/office/drawing/2014/main" val="20003"/>
+                    </a:ext>
+                  </a:extLst>
+                </a:gridCol>
+              </a:tblGrid>
+              <a:tr h="644435">
+                <a:tc>
+                  <a:txBody>
+                    <a:bodyPr/>
+                    <a:lstStyle/>
+                    <a:p>
+                      <a:r>
+                        <a:rPr lang="en-US" sz="2000" dirty="0" smtClean="0">
+                          <a:solidFill>
+                            <a:schemeClr val="bg1"/>
+                          </a:solidFill>
+                        </a:rPr>
+                        <a:t>Heading</a:t>
+                      </a:r>
+                      <a:endParaRPr lang="en-US" sz="2000" dirty="0">
+                        <a:solidFill>
+                          <a:schemeClr val="bg1"/>
+                        </a:solidFill>
+                      </a:endParaRPr>
+                    </a:p>
+                  </a:txBody>
+                  <a:tcPr marL="137160" marR="137160" marT="137160" marB="137160" anchor="ctr">
+                    <a:lnL w="12700" cmpd="sng">
+                      <a:noFill/>
+                    </a:lnL>
+                    <a:lnR w="12700" cmpd="sng">
+                      <a:noFill/>
+                    </a:lnR>
+                    <a:lnT w="12700" cmpd="sng">
+                      <a:noFill/>
+                    </a:lnT>
+                    <a:lnB w="38100" cmpd="sng">
+                      <a:noFill/>
+                    </a:lnB>
+                    <a:lnTlToBr w="12700" cmpd="sng">
+                      <a:noFill/>
+                      <a:prstDash val="solid"/>
+                    </a:lnTlToBr>
+                    <a:lnBlToTr w="12700" cmpd="sng">
+                      <a:noFill/>
+                      <a:prstDash val="solid"/>
+                    </a:lnBlToTr>
+                  </a:tcPr>
+                </a:tc>
+                <a:tc>
+                  <a:txBody>
+                    <a:bodyPr/>
+                    <a:lstStyle/>
+                    <a:p>
+                      <a:r>
+                        <a:rPr lang="en-US" sz="2000" dirty="0" smtClean="0">
+                          <a:solidFill>
+                            <a:schemeClr val="bg1"/>
+                          </a:solidFill>
+                        </a:rPr>
+                        <a:t>Heading</a:t>
+                      </a:r>
+                      <a:endParaRPr lang="en-US" sz="2000" dirty="0">
+                        <a:solidFill>
+                          <a:schemeClr val="bg1"/>
+                        </a:solidFill>
+                      </a:endParaRPr>
+                    </a:p>
+                  </a:txBody>
+                  <a:tcPr marL="137160" marR="137160" marT="137160" marB="137160" anchor="ctr">
+                    <a:lnL w="12700" cmpd="sng">
+                      <a:noFill/>
+                    </a:lnL>
+                    <a:lnR w="12700" cmpd="sng">
+                      <a:noFill/>
+                    </a:lnR>
+                    <a:lnT w="12700" cmpd="sng">
+                      <a:noFill/>
+                    </a:lnT>
+                    <a:lnB w="38100" cmpd="sng">
+                      <a:noFill/>
+                    </a:lnB>
+                    <a:lnTlToBr w="12700" cmpd="sng">
+                      <a:noFill/>
+                      <a:prstDash val="solid"/>
+                    </a:lnTlToBr>
+                    <a:lnBlToTr w="12700" cmpd="sng">
+                      <a:noFill/>
+                      <a:prstDash val="solid"/>
+                    </a:lnBlToTr>
+                  </a:tcPr>
+                </a:tc>
+                <a:tc>
+                  <a:txBody>
+                    <a:bodyPr/>
+                    <a:lstStyle/>
+                    <a:p>
+                      <a:r>
+                        <a:rPr lang="en-US" sz="2000" dirty="0" smtClean="0">
+                          <a:solidFill>
+                            <a:schemeClr val="bg1"/>
+                          </a:solidFill>
+                        </a:rPr>
+                        <a:t>Heading</a:t>
+                      </a:r>
+                      <a:endParaRPr lang="en-US" sz="2000" dirty="0">
+                        <a:solidFill>
+                          <a:schemeClr val="bg1"/>
+                        </a:solidFill>
+                      </a:endParaRPr>
+                    </a:p>
+                  </a:txBody>
+                  <a:tcPr marL="137160" marR="137160" marT="137160" marB="137160" anchor="ctr">
+                    <a:lnL w="12700" cmpd="sng">
+                      <a:noFill/>
+                    </a:lnL>
+                    <a:lnR w="12700" cmpd="sng">
+                      <a:noFill/>
+                    </a:lnR>
+                    <a:lnT w="12700" cmpd="sng">
+                      <a:noFill/>
+                    </a:lnT>
+                    <a:lnB w="38100" cmpd="sng">
+                      <a:noFill/>
+                    </a:lnB>
+                    <a:lnTlToBr w="12700" cmpd="sng">
+                      <a:noFill/>
+                      <a:prstDash val="solid"/>
+                    </a:lnTlToBr>
+                    <a:lnBlToTr w="12700" cmpd="sng">
+                      <a:noFill/>
+                      <a:prstDash val="solid"/>
+                    </a:lnBlToTr>
+                  </a:tcPr>
+                </a:tc>
+                <a:tc>
+                  <a:txBody>
+                    <a:bodyPr/>
+                    <a:lstStyle/>
+                    <a:p>
+                      <a:r>
+                        <a:rPr lang="en-US" sz="2000" dirty="0" smtClean="0">
+                          <a:solidFill>
+                            <a:schemeClr val="bg1"/>
+                          </a:solidFill>
+                        </a:rPr>
+                        <a:t>Heading</a:t>
+                      </a:r>
+                      <a:endParaRPr lang="en-US" sz="2000" dirty="0">
+                        <a:solidFill>
+                          <a:schemeClr val="bg1"/>
+                        </a:solidFill>
+                      </a:endParaRPr>
+                    </a:p>
+                  </a:txBody>
+                  <a:tcPr marL="137160" marR="137160" marT="137160" marB="137160" anchor="ctr">
+                    <a:lnL w="12700" cmpd="sng">
+                      <a:noFill/>
+                    </a:lnL>
+                    <a:lnR w="12700" cmpd="sng">
+                      <a:noFill/>
+                    </a:lnR>
+                    <a:lnT w="12700" cmpd="sng">
+                      <a:noFill/>
+                    </a:lnT>
+                    <a:lnB w="38100" cmpd="sng">
+                      <a:noFill/>
+                    </a:lnB>
+                    <a:lnTlToBr w="12700" cmpd="sng">
+                      <a:noFill/>
+                      <a:prstDash val="solid"/>
+                    </a:lnTlToBr>
+                    <a:lnBlToTr w="12700" cmpd="sng">
+                      <a:noFill/>
+                      <a:prstDash val="solid"/>
+                    </a:lnBlToTr>
+                  </a:tcPr>
+                </a:tc>
+                <a:extLst>
+                  <a:ext uri="{0D108BD9-81ED-4DB2-BD59-A6C34878D82A}">
+                    <a16:rowId xmlns:a16="http://schemas.microsoft.com/office/drawing/2014/main" val="10000"/>
+                  </a:ext>
+                </a:extLst>
+              </a:tr>
+              <a:tr h="1225319">
+                <a:tc>
+                  <a:txBody>
+                    <a:bodyPr/>
+                    <a:lstStyle/>
+                    <a:p>
+                      <a:r>
+                        <a:rPr lang="en-US" sz="1600" dirty="0" smtClean="0">
+                          <a:solidFill>
+                            <a:srgbClr val="3C454F"/>
+                          </a:solidFill>
+                        </a:rPr>
+                        <a:t>Content</a:t>
+                      </a:r>
+                      <a:endParaRPr lang="en-US" sz="1600" dirty="0">
+                        <a:solidFill>
+                          <a:srgbClr val="3C454F"/>
+                        </a:solidFill>
+                      </a:endParaRPr>
+                    </a:p>
+                  </a:txBody>
+                  <a:tcPr marL="137160" marR="137160" marT="137160" marB="137160">
+                    <a:lnL w="12700" cmpd="sng">
+                      <a:noFill/>
+                    </a:lnL>
+                    <a:lnR w="12700" cmpd="sng">
+                      <a:noFill/>
+                    </a:lnR>
+                    <a:lnT w="38100" cmpd="sng">
+                      <a:noFill/>
+                    </a:lnT>
+                    <a:lnB w="12700" cmpd="sng">
+                      <a:noFill/>
+                    </a:lnB>
+                    <a:lnTlToBr w="12700" cmpd="sng">
+                      <a:noFill/>
+                      <a:prstDash val="solid"/>
+                    </a:lnTlToBr>
+                    <a:lnBlToTr w="12700" cmpd="sng">
+                      <a:noFill/>
+                      <a:prstDash val="solid"/>
+                    </a:lnBlToTr>
+                  </a:tcPr>
+                </a:tc>
+                <a:tc>
+                  <a:txBody>
+                    <a:bodyPr/>
+                    <a:lstStyle/>
+                    <a:p>
+                      <a:pPr marL="0" marR="0" indent="0" algn="l" defTabSz="914400" rtl="0" eaLnBrk="1" fontAlgn="auto" latinLnBrk="0" hangingPunct="1">
+                        <a:lnSpc>
+                          <a:spcPct val="100000"/>
+                        </a:lnSpc>
+                        <a:spcBef>
+                          <a:spcPts val="0"/>
+                        </a:spcBef>
+                        <a:spcAft>
+                          <a:spcPts val="0"/>
+                        </a:spcAft>
+                        <a:buClrTx/>
+                        <a:buSzTx/>
+                        <a:buFontTx/>
+                        <a:buNone/>
+                        <a:tabLst/>
+                        <a:defRPr/>
+                      </a:pPr>
+                      <a:r>
+                        <a:rPr lang="en-US" sz="1600" dirty="0" smtClean="0">
+                          <a:solidFill>
+                            <a:srgbClr val="3C454F"/>
+                          </a:solidFill>
+                        </a:rPr>
+                        <a:t>Content</a:t>
+                      </a:r>
+                    </a:p>
+                    <a:p>
+                      <a:endParaRPr lang="en-US" sz="1600" dirty="0">
+                        <a:solidFill>
+                          <a:srgbClr val="3C454F"/>
+                        </a:solidFill>
+                      </a:endParaRPr>
+                    </a:p>
+                  </a:txBody>
+                  <a:tcPr marL="137160" marR="137160" marT="137160" marB="137160">
+                    <a:lnL w="12700" cmpd="sng">
+                      <a:noFill/>
+                    </a:lnL>
+                    <a:lnR w="12700" cmpd="sng">
+                      <a:noFill/>
+                    </a:lnR>
+                    <a:lnT w="38100" cmpd="sng">
+                      <a:noFill/>
+                    </a:lnT>
+                    <a:lnB w="12700" cmpd="sng">
+                      <a:noFill/>
+                    </a:lnB>
+                    <a:lnTlToBr w="12700" cmpd="sng">
+                      <a:noFill/>
+                      <a:prstDash val="solid"/>
+                    </a:lnTlToBr>
+                    <a:lnBlToTr w="12700" cmpd="sng">
+                      <a:noFill/>
+                      <a:prstDash val="solid"/>
+                    </a:lnBlToTr>
+                  </a:tcPr>
+                </a:tc>
+                <a:tc>
+                  <a:txBody>
+                    <a:bodyPr/>
+                    <a:lstStyle/>
+                    <a:p>
+                      <a:pPr marL="0" marR="0" indent="0" algn="l" defTabSz="914400" rtl="0" eaLnBrk="1" fontAlgn="auto" latinLnBrk="0" hangingPunct="1">
+                        <a:lnSpc>
+                          <a:spcPct val="100000"/>
+                        </a:lnSpc>
+                        <a:spcBef>
+                          <a:spcPts val="0"/>
+                        </a:spcBef>
+                        <a:spcAft>
+                          <a:spcPts val="0"/>
+                        </a:spcAft>
+                        <a:buClrTx/>
+                        <a:buSzTx/>
+                        <a:buFontTx/>
+                        <a:buNone/>
+                        <a:tabLst/>
+                        <a:defRPr/>
+                      </a:pPr>
+                      <a:r>
+                        <a:rPr lang="en-US" sz="1600" dirty="0" smtClean="0">
+                          <a:solidFill>
+                            <a:srgbClr val="3C454F"/>
+                          </a:solidFill>
+                        </a:rPr>
+                        <a:t>Content</a:t>
+                      </a:r>
+                    </a:p>
+                    <a:p>
+                      <a:endParaRPr lang="en-US" sz="1600" dirty="0">
+                        <a:solidFill>
+                          <a:srgbClr val="3C454F"/>
+                        </a:solidFill>
+                      </a:endParaRPr>
+                    </a:p>
+                  </a:txBody>
+                  <a:tcPr marL="137160" marR="137160" marT="137160" marB="137160">
+                    <a:lnL w="12700" cmpd="sng">
+                      <a:noFill/>
+                    </a:lnL>
+                    <a:lnR w="12700" cmpd="sng">
+                      <a:noFill/>
+                    </a:lnR>
+                    <a:lnT w="38100" cmpd="sng">
+                      <a:noFill/>
+                    </a:lnT>
+                    <a:lnB w="12700" cmpd="sng">
+                      <a:noFill/>
+                    </a:lnB>
+                    <a:lnTlToBr w="12700" cmpd="sng">
+                      <a:noFill/>
+                      <a:prstDash val="solid"/>
+                    </a:lnTlToBr>
+                    <a:lnBlToTr w="12700" cmpd="sng">
+                      <a:noFill/>
+                      <a:prstDash val="solid"/>
+                    </a:lnBlToTr>
+                  </a:tcPr>
+                </a:tc>
+                <a:tc>
+                  <a:txBody>
+                    <a:bodyPr/>
+                    <a:lstStyle/>
+                    <a:p>
+                      <a:pPr marL="0" marR="0" indent="0" algn="l" defTabSz="914400" rtl="0" eaLnBrk="1" fontAlgn="auto" latinLnBrk="0" hangingPunct="1">
+                        <a:lnSpc>
+                          <a:spcPct val="100000"/>
+                        </a:lnSpc>
+                        <a:spcBef>
+                          <a:spcPts val="0"/>
+                        </a:spcBef>
+                        <a:spcAft>
+                          <a:spcPts val="0"/>
+                        </a:spcAft>
+                        <a:buClrTx/>
+                        <a:buSzTx/>
+                        <a:buFontTx/>
+                        <a:buNone/>
+                        <a:tabLst/>
+                        <a:defRPr/>
+                      </a:pPr>
+                      <a:r>
+                        <a:rPr lang="en-US" sz="1600" dirty="0" smtClean="0">
+                          <a:solidFill>
+                            <a:srgbClr val="3C454F"/>
+                          </a:solidFill>
+                        </a:rPr>
+                        <a:t>Content</a:t>
+                      </a:r>
+                    </a:p>
+                    <a:p>
+                      <a:endParaRPr lang="en-US" sz="1600" dirty="0">
+                        <a:solidFill>
+                          <a:srgbClr val="3C454F"/>
+                        </a:solidFill>
+                      </a:endParaRPr>
+                    </a:p>
+                  </a:txBody>
+                  <a:tcPr marL="137160" marR="137160" marT="137160" marB="137160">
+                    <a:lnL w="12700" cmpd="sng">
+                      <a:noFill/>
+                    </a:lnL>
+                    <a:lnR w="12700" cmpd="sng">
+                      <a:noFill/>
+                    </a:lnR>
+                    <a:lnT w="38100" cmpd="sng">
+                      <a:noFill/>
+                    </a:lnT>
+                    <a:lnB w="12700" cmpd="sng">
+                      <a:noFill/>
+                    </a:lnB>
+                    <a:lnTlToBr w="12700" cmpd="sng">
+                      <a:noFill/>
+                      <a:prstDash val="solid"/>
+                    </a:lnTlToBr>
+                    <a:lnBlToTr w="12700" cmpd="sng">
+                      <a:noFill/>
+                      <a:prstDash val="solid"/>
+                    </a:lnBlToTr>
+                  </a:tcPr>
+                </a:tc>
+                <a:extLst>
+                  <a:ext uri="{0D108BD9-81ED-4DB2-BD59-A6C34878D82A}">
+                    <a16:rowId xmlns:a16="http://schemas.microsoft.com/office/drawing/2014/main" val="10001"/>
+                  </a:ext>
+                </a:extLst>
+              </a:tr>
+              <a:tr h="1225319">
+                <a:tc>
+                  <a:txBody>
+                    <a:bodyPr/>
+                    <a:lstStyle/>
+                    <a:p>
+                      <a:pPr marL="0" marR="0" indent="0" algn="l" defTabSz="914400" rtl="0" eaLnBrk="1" fontAlgn="auto" latinLnBrk="0" hangingPunct="1">
+                        <a:lnSpc>
+                          <a:spcPct val="100000"/>
+                        </a:lnSpc>
+                        <a:spcBef>
+                          <a:spcPts val="0"/>
+                        </a:spcBef>
+                        <a:spcAft>
+                          <a:spcPts val="0"/>
+                        </a:spcAft>
+                        <a:buClrTx/>
+                        <a:buSzTx/>
+                        <a:buFontTx/>
+                        <a:buNone/>
+                        <a:tabLst/>
+                        <a:defRPr/>
+                      </a:pPr>
+                      <a:r>
+                        <a:rPr lang="en-US" sz="1600" dirty="0" smtClean="0">
+                          <a:solidFill>
+                            <a:srgbClr val="3C454F"/>
+                          </a:solidFill>
+                        </a:rPr>
+                        <a:t>Content</a:t>
+                      </a:r>
+                    </a:p>
+                    <a:p>
+                      <a:endParaRPr lang="en-US" sz="1600" dirty="0">
+                        <a:solidFill>
+                          <a:srgbClr val="3C454F"/>
+                        </a:solidFill>
+                      </a:endParaRPr>
+                    </a:p>
+                  </a:txBody>
+                  <a:tcPr marL="137160" marR="137160" marT="137160" marB="137160">
+                    <a:lnL w="12700" cmpd="sng">
+                      <a:noFill/>
+                    </a:lnL>
+                    <a:lnR w="12700" cmpd="sng">
+                      <a:noFill/>
+                    </a:lnR>
+                    <a:lnT w="12700" cmpd="sng">
+                      <a:noFill/>
+                    </a:lnT>
+                    <a:lnB w="12700" cmpd="sng">
+                      <a:noFill/>
+                    </a:lnB>
+                    <a:lnTlToBr w="12700" cmpd="sng">
+                      <a:noFill/>
+                      <a:prstDash val="solid"/>
+                    </a:lnTlToBr>
+                    <a:lnBlToTr w="12700" cmpd="sng">
+                      <a:noFill/>
+                      <a:prstDash val="solid"/>
+                    </a:lnBlToTr>
+                  </a:tcPr>
+                </a:tc>
+                <a:tc>
+                  <a:txBody>
+                    <a:bodyPr/>
+                    <a:lstStyle/>
+                    <a:p>
+                      <a:pPr marL="0" marR="0" indent="0" algn="l" defTabSz="914400" rtl="0" eaLnBrk="1" fontAlgn="auto" latinLnBrk="0" hangingPunct="1">
+                        <a:lnSpc>
+                          <a:spcPct val="100000"/>
+                        </a:lnSpc>
+                        <a:spcBef>
+                          <a:spcPts val="0"/>
+                        </a:spcBef>
+                        <a:spcAft>
+                          <a:spcPts val="0"/>
+                        </a:spcAft>
+                        <a:buClrTx/>
+                        <a:buSzTx/>
+                        <a:buFontTx/>
+                        <a:buNone/>
+                        <a:tabLst/>
+                        <a:defRPr/>
+                      </a:pPr>
+                      <a:r>
+                        <a:rPr lang="en-US" sz="1600" dirty="0" smtClean="0">
+                          <a:solidFill>
+                            <a:srgbClr val="3C454F"/>
+                          </a:solidFill>
+                        </a:rPr>
+                        <a:t>Content</a:t>
+                      </a:r>
+                    </a:p>
+                    <a:p>
+                      <a:endParaRPr lang="en-US" sz="1600" dirty="0">
+                        <a:solidFill>
+                          <a:srgbClr val="3C454F"/>
+                        </a:solidFill>
+                      </a:endParaRPr>
+                    </a:p>
+                  </a:txBody>
+                  <a:tcPr marL="137160" marR="137160" marT="137160" marB="137160">
+                    <a:lnL w="12700" cmpd="sng">
+                      <a:noFill/>
+                    </a:lnL>
+                    <a:lnR w="12700" cmpd="sng">
+                      <a:noFill/>
+                    </a:lnR>
+                    <a:lnT w="12700" cmpd="sng">
+                      <a:noFill/>
+                    </a:lnT>
+                    <a:lnB w="12700" cmpd="sng">
+                      <a:noFill/>
+                    </a:lnB>
+                    <a:lnTlToBr w="12700" cmpd="sng">
+                      <a:noFill/>
+                      <a:prstDash val="solid"/>
+                    </a:lnTlToBr>
+                    <a:lnBlToTr w="12700" cmpd="sng">
+                      <a:noFill/>
+                      <a:prstDash val="solid"/>
+                    </a:lnBlToTr>
+                  </a:tcPr>
+                </a:tc>
+                <a:tc>
+                  <a:txBody>
+                    <a:bodyPr/>
+                    <a:lstStyle/>
+                    <a:p>
+                      <a:pPr marL="0" marR="0" indent="0" algn="l" defTabSz="914400" rtl="0" eaLnBrk="1" fontAlgn="auto" latinLnBrk="0" hangingPunct="1">
+                        <a:lnSpc>
+                          <a:spcPct val="100000"/>
+                        </a:lnSpc>
+                        <a:spcBef>
+                          <a:spcPts val="0"/>
+                        </a:spcBef>
+                        <a:spcAft>
+                          <a:spcPts val="0"/>
+                        </a:spcAft>
+                        <a:buClrTx/>
+                        <a:buSzTx/>
+                        <a:buFontTx/>
+                        <a:buNone/>
+                        <a:tabLst/>
+                        <a:defRPr/>
+                      </a:pPr>
+                      <a:r>
+                        <a:rPr lang="en-US" sz="1600" dirty="0" smtClean="0">
+                          <a:solidFill>
+                            <a:srgbClr val="3C454F"/>
+                          </a:solidFill>
+                        </a:rPr>
+                        <a:t>Content</a:t>
+                      </a:r>
+                    </a:p>
+                    <a:p>
+                      <a:endParaRPr lang="en-US" sz="1600" dirty="0">
+                        <a:solidFill>
+                          <a:srgbClr val="3C454F"/>
+                        </a:solidFill>
+                      </a:endParaRPr>
+                    </a:p>
+                  </a:txBody>
+                  <a:tcPr marL="137160" marR="137160" marT="137160" marB="137160">
+                    <a:lnL w="12700" cmpd="sng">
+                      <a:noFill/>
+                    </a:lnL>
+                    <a:lnR w="12700" cmpd="sng">
+                      <a:noFill/>
+                    </a:lnR>
+                    <a:lnT w="12700" cmpd="sng">
+                      <a:noFill/>
+                    </a:lnT>
+                    <a:lnB w="12700" cmpd="sng">
+                      <a:noFill/>
+                    </a:lnB>
+                    <a:lnTlToBr w="12700" cmpd="sng">
+                      <a:noFill/>
+                      <a:prstDash val="solid"/>
+                    </a:lnTlToBr>
+                    <a:lnBlToTr w="12700" cmpd="sng">
+                      <a:noFill/>
+                      <a:prstDash val="solid"/>
+                    </a:lnBlToTr>
+                  </a:tcPr>
+                </a:tc>
+                <a:tc>
+                  <a:txBody>
+                    <a:bodyPr/>
+                    <a:lstStyle/>
+                    <a:p>
+                      <a:pPr marL="0" marR="0" indent="0" algn="l" defTabSz="914400" rtl="0" eaLnBrk="1" fontAlgn="auto" latinLnBrk="0" hangingPunct="1">
+                        <a:lnSpc>
+                          <a:spcPct val="100000"/>
+                        </a:lnSpc>
+                        <a:spcBef>
+                          <a:spcPts val="0"/>
+                        </a:spcBef>
+                        <a:spcAft>
+                          <a:spcPts val="0"/>
+                        </a:spcAft>
+                        <a:buClrTx/>
+                        <a:buSzTx/>
+                        <a:buFontTx/>
+                        <a:buNone/>
+                        <a:tabLst/>
+                        <a:defRPr/>
+                      </a:pPr>
+                      <a:r>
+                        <a:rPr lang="en-US" sz="1600" dirty="0" smtClean="0">
+                          <a:solidFill>
+                            <a:srgbClr val="3C454F"/>
+                          </a:solidFill>
+                        </a:rPr>
+                        <a:t>Content</a:t>
+                      </a:r>
+                    </a:p>
+                    <a:p>
+                      <a:endParaRPr lang="en-US" sz="1600" dirty="0">
+                        <a:solidFill>
+                          <a:srgbClr val="3C454F"/>
+                        </a:solidFill>
+                      </a:endParaRPr>
+                    </a:p>
+                  </a:txBody>
+                  <a:tcPr marL="137160" marR="137160" marT="137160" marB="137160">
+                    <a:lnL w="12700" cmpd="sng">
+                      <a:noFill/>
+                    </a:lnL>
+                    <a:lnR w="12700" cmpd="sng">
+                      <a:noFill/>
+                    </a:lnR>
+                    <a:lnT w="12700" cmpd="sng">
+                      <a:noFill/>
+                    </a:lnT>
+                    <a:lnB w="12700" cmpd="sng">
+                      <a:noFill/>
+                    </a:lnB>
+                    <a:lnTlToBr w="12700" cmpd="sng">
+                      <a:noFill/>
+                      <a:prstDash val="solid"/>
+                    </a:lnTlToBr>
+                    <a:lnBlToTr w="12700" cmpd="sng">
+                      <a:noFill/>
+                      <a:prstDash val="solid"/>
+                    </a:lnBlToTr>
+                  </a:tcPr>
+                </a:tc>
+                <a:extLst>
+                  <a:ext uri="{0D108BD9-81ED-4DB2-BD59-A6C34878D82A}">
+                    <a16:rowId xmlns:a16="http://schemas.microsoft.com/office/drawing/2014/main" val="10002"/>
+                  </a:ext>
+                </a:extLst>
+              </a:tr>
+              <a:tr h="1225319">
+                <a:tc>
+                  <a:txBody>
+                    <a:bodyPr/>
+                    <a:lstStyle/>
+                    <a:p>
+                      <a:pPr marL="0" marR="0" indent="0" algn="l" defTabSz="914400" rtl="0" eaLnBrk="1" fontAlgn="auto" latinLnBrk="0" hangingPunct="1">
+                        <a:lnSpc>
+                          <a:spcPct val="100000"/>
+                        </a:lnSpc>
+                        <a:spcBef>
+                          <a:spcPts val="0"/>
+                        </a:spcBef>
+                        <a:spcAft>
+                          <a:spcPts val="0"/>
+                        </a:spcAft>
+                        <a:buClrTx/>
+                        <a:buSzTx/>
+                        <a:buFontTx/>
+                        <a:buNone/>
+                        <a:tabLst/>
+                        <a:defRPr/>
+                      </a:pPr>
+                      <a:r>
+                        <a:rPr lang="en-US" sz="1600" dirty="0" smtClean="0">
+                          <a:solidFill>
+                            <a:srgbClr val="3C454F"/>
+                          </a:solidFill>
+                        </a:rPr>
+                        <a:t>Content</a:t>
+                      </a:r>
+                    </a:p>
+                    <a:p>
+                      <a:endParaRPr lang="en-US" sz="1600" dirty="0">
+                        <a:solidFill>
+                          <a:srgbClr val="3C454F"/>
+                        </a:solidFill>
+                      </a:endParaRPr>
+                    </a:p>
+                  </a:txBody>
+                  <a:tcPr marL="137160" marR="137160" marT="137160" marB="137160">
+                    <a:lnL w="12700" cmpd="sng">
+                      <a:noFill/>
+                    </a:lnL>
+                    <a:lnR w="12700" cmpd="sng">
+                      <a:noFill/>
+                    </a:lnR>
+                    <a:lnT w="12700" cmpd="sng">
+                      <a:noFill/>
+                    </a:lnT>
+                    <a:lnB w="12700" cmpd="sng">
+                      <a:noFill/>
+                    </a:lnB>
+                    <a:lnTlToBr w="12700" cmpd="sng">
+                      <a:noFill/>
+                      <a:prstDash val="solid"/>
+                    </a:lnTlToBr>
+                    <a:lnBlToTr w="12700" cmpd="sng">
+                      <a:noFill/>
+                      <a:prstDash val="solid"/>
+                    </a:lnBlToTr>
+                  </a:tcPr>
+                </a:tc>
+                <a:tc>
+                  <a:txBody>
+                    <a:bodyPr/>
+                    <a:lstStyle/>
+                    <a:p>
+                      <a:pPr marL="0" marR="0" indent="0" algn="l" defTabSz="914400" rtl="0" eaLnBrk="1" fontAlgn="auto" latinLnBrk="0" hangingPunct="1">
+                        <a:lnSpc>
+                          <a:spcPct val="100000"/>
+                        </a:lnSpc>
+                        <a:spcBef>
+                          <a:spcPts val="0"/>
+                        </a:spcBef>
+                        <a:spcAft>
+                          <a:spcPts val="0"/>
+                        </a:spcAft>
+                        <a:buClrTx/>
+                        <a:buSzTx/>
+                        <a:buFontTx/>
+                        <a:buNone/>
+                        <a:tabLst/>
+                        <a:defRPr/>
+                      </a:pPr>
+                      <a:r>
+                        <a:rPr lang="en-US" sz="1600" dirty="0" smtClean="0">
+                          <a:solidFill>
+                            <a:srgbClr val="3C454F"/>
+                          </a:solidFill>
+                        </a:rPr>
+                        <a:t>Content</a:t>
+                      </a:r>
+                    </a:p>
+                    <a:p>
+                      <a:endParaRPr lang="en-US" sz="1600" dirty="0">
+                        <a:solidFill>
+                          <a:srgbClr val="3C454F"/>
+                        </a:solidFill>
+                      </a:endParaRPr>
+                    </a:p>
+                  </a:txBody>
+                  <a:tcPr marL="137160" marR="137160" marT="137160" marB="137160">
+                    <a:lnL w="12700" cmpd="sng">
+                      <a:noFill/>
+                    </a:lnL>
+                    <a:lnR w="12700" cmpd="sng">
+                      <a:noFill/>
+                    </a:lnR>
+                    <a:lnT w="12700" cmpd="sng">
+                      <a:noFill/>
+                    </a:lnT>
+                    <a:lnB w="12700" cmpd="sng">
+                      <a:noFill/>
+                    </a:lnB>
+                    <a:lnTlToBr w="12700" cmpd="sng">
+                      <a:noFill/>
+                      <a:prstDash val="solid"/>
+                    </a:lnTlToBr>
+                    <a:lnBlToTr w="12700" cmpd="sng">
+                      <a:noFill/>
+                      <a:prstDash val="solid"/>
+                    </a:lnBlToTr>
+                  </a:tcPr>
+                </a:tc>
+                <a:tc>
+                  <a:txBody>
+                    <a:bodyPr/>
+                    <a:lstStyle/>
+                    <a:p>
+                      <a:pPr marL="0" marR="0" indent="0" algn="l" defTabSz="914400" rtl="0" eaLnBrk="1" fontAlgn="auto" latinLnBrk="0" hangingPunct="1">
+                        <a:lnSpc>
+                          <a:spcPct val="100000"/>
+                        </a:lnSpc>
+                        <a:spcBef>
+                          <a:spcPts val="0"/>
+                        </a:spcBef>
+                        <a:spcAft>
+                          <a:spcPts val="0"/>
+                        </a:spcAft>
+                        <a:buClrTx/>
+                        <a:buSzTx/>
+                        <a:buFontTx/>
+                        <a:buNone/>
+                        <a:tabLst/>
+                        <a:defRPr/>
+                      </a:pPr>
+                      <a:r>
+                        <a:rPr lang="en-US" sz="1600" dirty="0" smtClean="0">
+                          <a:solidFill>
+                            <a:srgbClr val="3C454F"/>
+                          </a:solidFill>
+                        </a:rPr>
+                        <a:t>Content</a:t>
+                      </a:r>
+                    </a:p>
+                    <a:p>
+                      <a:endParaRPr lang="en-US" sz="1600" dirty="0">
+                        <a:solidFill>
+                          <a:srgbClr val="3C454F"/>
+                        </a:solidFill>
+                      </a:endParaRPr>
+                    </a:p>
+                  </a:txBody>
+                  <a:tcPr marL="137160" marR="137160" marT="137160" marB="137160">
+                    <a:lnL w="12700" cmpd="sng">
+                      <a:noFill/>
+                    </a:lnL>
+                    <a:lnR w="12700" cmpd="sng">
+                      <a:noFill/>
+                    </a:lnR>
+                    <a:lnT w="12700" cmpd="sng">
+                      <a:noFill/>
+                    </a:lnT>
+                    <a:lnB w="12700" cmpd="sng">
+                      <a:noFill/>
+                    </a:lnB>
+                    <a:lnTlToBr w="12700" cmpd="sng">
+                      <a:noFill/>
+                      <a:prstDash val="solid"/>
+                    </a:lnTlToBr>
+                    <a:lnBlToTr w="12700" cmpd="sng">
+                      <a:noFill/>
+                      <a:prstDash val="solid"/>
+                    </a:lnBlToTr>
+                  </a:tcPr>
+                </a:tc>
+                <a:tc>
+                  <a:txBody>
+                    <a:bodyPr/>
+                    <a:lstStyle/>
+                    <a:p>
+                      <a:pPr marL="0" marR="0" indent="0" algn="l" defTabSz="914400" rtl="0" eaLnBrk="1" fontAlgn="auto" latinLnBrk="0" hangingPunct="1">
+                        <a:lnSpc>
+                          <a:spcPct val="100000"/>
+                        </a:lnSpc>
+                        <a:spcBef>
+                          <a:spcPts val="0"/>
+                        </a:spcBef>
+                        <a:spcAft>
+                          <a:spcPts val="0"/>
+                        </a:spcAft>
+                        <a:buClrTx/>
+                        <a:buSzTx/>
+                        <a:buFontTx/>
+                        <a:buNone/>
+                        <a:tabLst/>
+                        <a:defRPr/>
+                      </a:pPr>
+                      <a:r>
+                        <a:rPr lang="en-US" sz="1600" dirty="0" smtClean="0">
+                          <a:solidFill>
+                            <a:srgbClr val="3C454F"/>
+                          </a:solidFill>
+                        </a:rPr>
+                        <a:t>Content</a:t>
+                      </a:r>
+                    </a:p>
+                    <a:p>
+                      <a:endParaRPr lang="en-US" sz="1600" dirty="0">
+                        <a:solidFill>
+                          <a:srgbClr val="3C454F"/>
+                        </a:solidFill>
+                      </a:endParaRPr>
+                    </a:p>
+                  </a:txBody>
+                  <a:tcPr marL="137160" marR="137160" marT="137160" marB="137160">
+                    <a:lnL w="12700" cmpd="sng">
+                      <a:noFill/>
+                    </a:lnL>
+                    <a:lnR w="12700" cmpd="sng">
+                      <a:noFill/>
+                    </a:lnR>
+                    <a:lnT w="12700" cmpd="sng">
+                      <a:noFill/>
+                    </a:lnT>
+                    <a:lnB w="12700" cmpd="sng">
+                      <a:noFill/>
+                    </a:lnB>
+                    <a:lnTlToBr w="12700" cmpd="sng">
+                      <a:noFill/>
+                      <a:prstDash val="solid"/>
+                    </a:lnTlToBr>
+                    <a:lnBlToTr w="12700" cmpd="sng">
+                      <a:noFill/>
+                      <a:prstDash val="solid"/>
+                    </a:lnBlToTr>
+                  </a:tcPr>
+                </a:tc>
+                <a:extLst>
+                  <a:ext uri="{0D108BD9-81ED-4DB2-BD59-A6C34878D82A}">
+                    <a16:rowId xmlns:a16="http://schemas.microsoft.com/office/drawing/2014/main" val="10003"/>
+                  </a:ext>
+                </a:extLst>
+              </a:tr>
+            </a:tbl>
+          </a:graphicData>
+        </a:graphic>
+      </p:graphicFrame>
+    </p:spTree>
+    <p:extLst>
+      <p:ext uri="{BB962C8B-B14F-4D97-AF65-F5344CB8AC3E}">
+        <p14:creationId xmlns:p14="http://schemas.microsoft.com/office/powerpoint/2010/main" val="3657401066"/>
+      </p:ext>
+    </p:extLst>
+  </p:cSld>
+  <p:clrMapOvr>
+    <a:masterClrMapping/>
+  </p:clrMapOvr>
+  <p:timing>
+    <p:tnLst>
+      <p:par>
+        <p:cTn id="1" dur="indefinite" restart="never" nodeType="tmRoot"/>
+      </p:par>
+    </p:tnLst>
+  </p:timing>
+</p:sldLayout>
+</file>
+
+<file path=ppt/slideLayouts/slideLayout65.xml><?xml version="1.0" encoding="utf-8"?>
+<p:sldLayout xmlns:a="http://schemas.openxmlformats.org/drawingml/2006/main" xmlns:r="http://schemas.openxmlformats.org/officeDocument/2006/relationships" xmlns:p="http://schemas.openxmlformats.org/presentationml/2006/main" type="blank" preserve="1">
+  <p:cSld name="Blank">
+    <p:spTree>
+      <p:nvGrpSpPr>
+        <p:cNvPr id="1" name=""/>
+        <p:cNvGrpSpPr/>
+        <p:nvPr/>
+      </p:nvGrpSpPr>
+      <p:grpSpPr>
+        <a:xfrm>
+          <a:off x="0" y="0"/>
+          <a:ext cx="0" cy="0"/>
+          <a:chOff x="0" y="0"/>
+          <a:chExt cx="0" cy="0"/>
+        </a:xfrm>
+      </p:grpSpPr>
+      <p:sp>
+        <p:nvSpPr>
+          <p:cNvPr id="4" name="Slide Number Placeholder 3"/>
+          <p:cNvSpPr>
+            <a:spLocks noGrp="1"/>
+          </p:cNvSpPr>
+          <p:nvPr>
+            <p:ph type="sldNum" sz="quarter" idx="12"/>
+          </p:nvPr>
+        </p:nvSpPr>
+        <p:spPr>
+          <a:xfrm>
+            <a:off x="8903414" y="6256216"/>
+            <a:ext cx="2743200" cy="365125"/>
+          </a:xfrm>
+          <a:prstGeom prst="rect">
+            <a:avLst/>
+          </a:prstGeom>
+        </p:spPr>
+        <p:txBody>
+          <a:bodyPr/>
+          <a:lstStyle/>
+          <a:p>
+            <a:pPr marL="0" marR="0" lvl="0" indent="0" algn="r" defTabSz="914400" rtl="0" eaLnBrk="1" fontAlgn="auto" latinLnBrk="0" hangingPunct="1">
+              <a:lnSpc>
+                <a:spcPct val="100000"/>
+              </a:lnSpc>
+              <a:spcBef>
+                <a:spcPts val="0"/>
+              </a:spcBef>
+              <a:spcAft>
+                <a:spcPts val="0"/>
+              </a:spcAft>
+              <a:buClrTx/>
+              <a:buSzTx/>
+              <a:buFontTx/>
+              <a:buNone/>
+              <a:tabLst/>
+              <a:defRPr/>
+            </a:pPr>
+            <a:fld id="{0A164282-434E-41D4-9582-783D542A7B68}" type="slidenum">
+              <a:rPr kumimoji="0" lang="en-US" sz="2000" b="0" i="0" u="none" strike="noStrike" kern="1200" cap="none" spc="0" normalizeH="0" baseline="0" noProof="0" smtClean="0">
+                <a:ln>
+                  <a:noFill/>
+                </a:ln>
+                <a:solidFill>
+                  <a:srgbClr val="289FD7"/>
+                </a:solidFill>
+                <a:effectLst/>
+                <a:uLnTx/>
+                <a:uFillTx/>
+                <a:latin typeface="Segoe UI Light"/>
+                <a:ea typeface="+mn-ea"/>
+                <a:cs typeface="+mn-cs"/>
+              </a:rPr>
+              <a:pPr marL="0" marR="0" lvl="0" indent="0" algn="r" defTabSz="914400" rtl="0" eaLnBrk="1" fontAlgn="auto" latinLnBrk="0" hangingPunct="1">
+                <a:lnSpc>
+                  <a:spcPct val="100000"/>
+                </a:lnSpc>
+                <a:spcBef>
+                  <a:spcPts val="0"/>
+                </a:spcBef>
+                <a:spcAft>
+                  <a:spcPts val="0"/>
+                </a:spcAft>
+                <a:buClrTx/>
+                <a:buSzTx/>
+                <a:buFontTx/>
+                <a:buNone/>
+                <a:tabLst/>
+                <a:defRPr/>
+              </a:pPr>
+              <a:t>‹#›</a:t>
+            </a:fld>
+            <a:endParaRPr kumimoji="0" lang="en-US" sz="2000" b="0" i="0" u="none" strike="noStrike" kern="1200" cap="none" spc="0" normalizeH="0" baseline="0" noProof="0">
+              <a:ln>
+                <a:noFill/>
+              </a:ln>
+              <a:solidFill>
+                <a:srgbClr val="289FD7"/>
+              </a:solidFill>
+              <a:effectLst/>
+              <a:uLnTx/>
+              <a:uFillTx/>
+              <a:latin typeface="Segoe UI Light"/>
+              <a:ea typeface="+mn-ea"/>
+              <a:cs typeface="+mn-cs"/>
+            </a:endParaRPr>
+          </a:p>
+        </p:txBody>
+      </p:sp>
+    </p:spTree>
+    <p:extLst>
+      <p:ext uri="{BB962C8B-B14F-4D97-AF65-F5344CB8AC3E}">
+        <p14:creationId xmlns:p14="http://schemas.microsoft.com/office/powerpoint/2010/main" val="2910468818"/>
+      </p:ext>
+    </p:extLst>
+  </p:cSld>
+  <p:clrMapOvr>
+    <a:masterClrMapping/>
+  </p:clrMapOvr>
+  <p:timing>
+    <p:tnLst>
+      <p:par>
+        <p:cTn id="1" dur="indefinite" restart="never" nodeType="tmRoot"/>
+      </p:par>
+    </p:tnLst>
+  </p:timing>
+</p:sldLayout>
+</file>
+
+<file path=ppt/slideLayouts/slideLayout66.xml><?xml version="1.0" encoding="utf-8"?>
+<p:sldLayout xmlns:a="http://schemas.openxmlformats.org/drawingml/2006/main" xmlns:r="http://schemas.openxmlformats.org/officeDocument/2006/relationships" xmlns:p="http://schemas.openxmlformats.org/presentationml/2006/main" type="blank" preserve="1">
+  <p:cSld name="1_Blank">
+    <p:spTree>
+      <p:nvGrpSpPr>
+        <p:cNvPr id="1" name=""/>
+        <p:cNvGrpSpPr/>
+        <p:nvPr/>
+      </p:nvGrpSpPr>
+      <p:grpSpPr>
+        <a:xfrm>
+          <a:off x="0" y="0"/>
+          <a:ext cx="0" cy="0"/>
+          <a:chOff x="0" y="0"/>
+          <a:chExt cx="0" cy="0"/>
+        </a:xfrm>
+      </p:grpSpPr>
+    </p:spTree>
+    <p:extLst>
+      <p:ext uri="{BB962C8B-B14F-4D97-AF65-F5344CB8AC3E}">
+        <p14:creationId xmlns:p14="http://schemas.microsoft.com/office/powerpoint/2010/main" val="132447375"/>
+      </p:ext>
+    </p:extLst>
+  </p:cSld>
+  <p:clrMapOvr>
+    <a:masterClrMapping/>
+  </p:clrMapOvr>
+  <p:timing>
+    <p:tnLst>
+      <p:par>
+        <p:cTn id="1" dur="indefinite" restart="never" nodeType="tmRoot"/>
+      </p:par>
+    </p:tnLst>
+  </p:timing>
+</p:sldLayout>
+</file>
+
+<file path=ppt/slideLayouts/slideLayout67.xml><?xml version="1.0" encoding="utf-8"?>
+<p:sldLayout xmlns:a="http://schemas.openxmlformats.org/drawingml/2006/main" xmlns:r="http://schemas.openxmlformats.org/officeDocument/2006/relationships" xmlns:p="http://schemas.openxmlformats.org/presentationml/2006/main" type="objTx" preserve="1">
+  <p:cSld name="Content with Caption">
+    <p:spTree>
+      <p:nvGrpSpPr>
+        <p:cNvPr id="1" name=""/>
+        <p:cNvGrpSpPr/>
+        <p:nvPr/>
+      </p:nvGrpSpPr>
+      <p:grpSpPr>
+        <a:xfrm>
+          <a:off x="0" y="0"/>
+          <a:ext cx="0" cy="0"/>
+          <a:chOff x="0" y="0"/>
+          <a:chExt cx="0" cy="0"/>
+        </a:xfrm>
+      </p:grpSpPr>
+      <p:sp>
+        <p:nvSpPr>
+          <p:cNvPr id="2" name="Title 1"/>
+          <p:cNvSpPr>
+            <a:spLocks noGrp="1"/>
+          </p:cNvSpPr>
+          <p:nvPr>
+            <p:ph type="title"/>
+          </p:nvPr>
+        </p:nvSpPr>
+        <p:spPr>
+          <a:xfrm>
+            <a:off x="560798" y="457199"/>
+            <a:ext cx="4211227" cy="1936679"/>
+          </a:xfrm>
+        </p:spPr>
+        <p:txBody>
+          <a:bodyPr anchor="b">
+            <a:noAutofit/>
+          </a:bodyPr>
+          <a:lstStyle>
+            <a:lvl1pPr>
+              <a:defRPr sz="4000"/>
+            </a:lvl1pPr>
+          </a:lstStyle>
+          <a:p>
+            <a:r>
+              <a:rPr lang="en-US" smtClean="0"/>
+              <a:t>Click to edit Master title style</a:t>
+            </a:r>
+            <a:endParaRPr lang="en-US"/>
+          </a:p>
+        </p:txBody>
+      </p:sp>
+      <p:sp>
+        <p:nvSpPr>
+          <p:cNvPr id="3" name="Content Placeholder 2"/>
+          <p:cNvSpPr>
+            <a:spLocks noGrp="1"/>
+          </p:cNvSpPr>
+          <p:nvPr>
+            <p:ph idx="1"/>
+          </p:nvPr>
+        </p:nvSpPr>
+        <p:spPr>
+          <a:xfrm>
+            <a:off x="5183188" y="987425"/>
+            <a:ext cx="6457432" cy="4873625"/>
+          </a:xfrm>
+        </p:spPr>
+        <p:txBody>
+          <a:bodyPr/>
+          <a:lstStyle>
+            <a:lvl1pPr>
+              <a:defRPr sz="3200">
+                <a:latin typeface="+mj-lt"/>
+              </a:defRPr>
+            </a:lvl1pPr>
+            <a:lvl2pPr>
+              <a:defRPr sz="2800">
+                <a:latin typeface="+mj-lt"/>
+              </a:defRPr>
+            </a:lvl2pPr>
+            <a:lvl3pPr>
+              <a:defRPr sz="2400">
+                <a:latin typeface="+mj-lt"/>
+              </a:defRPr>
+            </a:lvl3pPr>
+            <a:lvl4pPr>
+              <a:defRPr sz="2000">
+                <a:latin typeface="+mj-lt"/>
+              </a:defRPr>
+            </a:lvl4pPr>
+            <a:lvl5pPr>
+              <a:defRPr sz="2000">
+                <a:latin typeface="+mj-lt"/>
+              </a:defRPr>
+            </a:lvl5pPr>
+            <a:lvl6pPr>
+              <a:defRPr sz="2000"/>
+            </a:lvl6pPr>
+            <a:lvl7pPr>
+              <a:defRPr sz="2000"/>
+            </a:lvl7pPr>
+            <a:lvl8pPr>
+              <a:defRPr sz="2000"/>
+            </a:lvl8pPr>
+            <a:lvl9pPr>
+              <a:defRPr sz="2000"/>
+            </a:lvl9pPr>
+          </a:lstStyle>
+          <a:p>
+            <a:pPr lvl="0"/>
+            <a:r>
+              <a:rPr lang="en-US" smtClean="0"/>
+              <a:t>Click to edit Master text styles</a:t>
+            </a:r>
+          </a:p>
+          <a:p>
+            <a:pPr lvl="1"/>
+            <a:r>
+              <a:rPr lang="en-US" smtClean="0"/>
+              <a:t>Second level</a:t>
+            </a:r>
+          </a:p>
+          <a:p>
+            <a:pPr lvl="2"/>
+            <a:r>
+              <a:rPr lang="en-US" smtClean="0"/>
+              <a:t>Third level</a:t>
+            </a:r>
+          </a:p>
+          <a:p>
+            <a:pPr lvl="3"/>
+            <a:r>
+              <a:rPr lang="en-US" smtClean="0"/>
+              <a:t>Fourth level</a:t>
+            </a:r>
+          </a:p>
+          <a:p>
+            <a:pPr lvl="4"/>
+            <a:r>
+              <a:rPr lang="en-US" smtClean="0"/>
+              <a:t>Fifth level</a:t>
+            </a:r>
+            <a:endParaRPr lang="en-US"/>
+          </a:p>
+        </p:txBody>
+      </p:sp>
+      <p:sp>
+        <p:nvSpPr>
+          <p:cNvPr id="4" name="Text Placeholder 3"/>
+          <p:cNvSpPr>
+            <a:spLocks noGrp="1"/>
+          </p:cNvSpPr>
+          <p:nvPr>
+            <p:ph type="body" sz="half" idx="2"/>
+          </p:nvPr>
+        </p:nvSpPr>
+        <p:spPr>
+          <a:xfrm>
+            <a:off x="560798" y="2604070"/>
+            <a:ext cx="4211227" cy="3264917"/>
+          </a:xfrm>
+        </p:spPr>
+        <p:txBody>
+          <a:bodyPr>
+            <a:normAutofit/>
+          </a:bodyPr>
+          <a:lstStyle>
+            <a:lvl1pPr marL="0" indent="0">
+              <a:buNone/>
+              <a:defRPr sz="2000"/>
+            </a:lvl1pPr>
+            <a:lvl2pPr marL="457200" indent="0">
+              <a:buNone/>
+              <a:defRPr sz="1400"/>
+            </a:lvl2pPr>
+            <a:lvl3pPr marL="914400" indent="0">
+              <a:buNone/>
+              <a:defRPr sz="1200"/>
+            </a:lvl3pPr>
+            <a:lvl4pPr marL="1371600" indent="0">
+              <a:buNone/>
+              <a:defRPr sz="1000"/>
+            </a:lvl4pPr>
+            <a:lvl5pPr marL="1828800" indent="0">
+              <a:buNone/>
+              <a:defRPr sz="1000"/>
+            </a:lvl5pPr>
+            <a:lvl6pPr marL="2286000" indent="0">
+              <a:buNone/>
+              <a:defRPr sz="1000"/>
+            </a:lvl6pPr>
+            <a:lvl7pPr marL="2743200" indent="0">
+              <a:buNone/>
+              <a:defRPr sz="1000"/>
+            </a:lvl7pPr>
+            <a:lvl8pPr marL="3200400" indent="0">
+              <a:buNone/>
+              <a:defRPr sz="1000"/>
+            </a:lvl8pPr>
+            <a:lvl9pPr marL="3657600" indent="0">
+              <a:buNone/>
+              <a:defRPr sz="1000"/>
+            </a:lvl9pPr>
+          </a:lstStyle>
+          <a:p>
+            <a:pPr lvl="0"/>
+            <a:r>
+              <a:rPr lang="en-US" dirty="0" smtClean="0"/>
+              <a:t>Click to edit Master text styles</a:t>
+            </a:r>
+          </a:p>
+        </p:txBody>
+      </p:sp>
+      <p:sp>
+        <p:nvSpPr>
+          <p:cNvPr id="7" name="Slide Number Placeholder 6"/>
+          <p:cNvSpPr>
+            <a:spLocks noGrp="1"/>
+          </p:cNvSpPr>
+          <p:nvPr>
+            <p:ph type="sldNum" sz="quarter" idx="12"/>
+          </p:nvPr>
+        </p:nvSpPr>
+        <p:spPr>
+          <a:xfrm>
+            <a:off x="8897420" y="6256216"/>
+            <a:ext cx="2743200" cy="365125"/>
+          </a:xfrm>
+          <a:prstGeom prst="rect">
+            <a:avLst/>
+          </a:prstGeom>
+        </p:spPr>
+        <p:txBody>
+          <a:bodyPr/>
+          <a:lstStyle/>
+          <a:p>
+            <a:pPr marL="0" marR="0" lvl="0" indent="0" algn="r" defTabSz="914400" rtl="0" eaLnBrk="1" fontAlgn="auto" latinLnBrk="0" hangingPunct="1">
+              <a:lnSpc>
+                <a:spcPct val="100000"/>
+              </a:lnSpc>
+              <a:spcBef>
+                <a:spcPts val="0"/>
+              </a:spcBef>
+              <a:spcAft>
+                <a:spcPts val="0"/>
+              </a:spcAft>
+              <a:buClrTx/>
+              <a:buSzTx/>
+              <a:buFontTx/>
+              <a:buNone/>
+              <a:tabLst/>
+              <a:defRPr/>
+            </a:pPr>
+            <a:fld id="{0A164282-434E-41D4-9582-783D542A7B68}" type="slidenum">
+              <a:rPr kumimoji="0" lang="en-US" sz="2000" b="0" i="0" u="none" strike="noStrike" kern="1200" cap="none" spc="0" normalizeH="0" baseline="0" noProof="0" smtClean="0">
+                <a:ln>
+                  <a:noFill/>
+                </a:ln>
+                <a:solidFill>
+                  <a:srgbClr val="289FD7"/>
+                </a:solidFill>
+                <a:effectLst/>
+                <a:uLnTx/>
+                <a:uFillTx/>
+                <a:latin typeface="Segoe UI Light"/>
+                <a:ea typeface="+mn-ea"/>
+                <a:cs typeface="+mn-cs"/>
+              </a:rPr>
+              <a:pPr marL="0" marR="0" lvl="0" indent="0" algn="r" defTabSz="914400" rtl="0" eaLnBrk="1" fontAlgn="auto" latinLnBrk="0" hangingPunct="1">
+                <a:lnSpc>
+                  <a:spcPct val="100000"/>
+                </a:lnSpc>
+                <a:spcBef>
+                  <a:spcPts val="0"/>
+                </a:spcBef>
+                <a:spcAft>
+                  <a:spcPts val="0"/>
+                </a:spcAft>
+                <a:buClrTx/>
+                <a:buSzTx/>
+                <a:buFontTx/>
+                <a:buNone/>
+                <a:tabLst/>
+                <a:defRPr/>
+              </a:pPr>
+              <a:t>‹#›</a:t>
+            </a:fld>
+            <a:endParaRPr kumimoji="0" lang="en-US" sz="2000" b="0" i="0" u="none" strike="noStrike" kern="1200" cap="none" spc="0" normalizeH="0" baseline="0" noProof="0">
+              <a:ln>
+                <a:noFill/>
+              </a:ln>
+              <a:solidFill>
+                <a:srgbClr val="289FD7"/>
+              </a:solidFill>
+              <a:effectLst/>
+              <a:uLnTx/>
+              <a:uFillTx/>
+              <a:latin typeface="Segoe UI Light"/>
+              <a:ea typeface="+mn-ea"/>
+              <a:cs typeface="+mn-cs"/>
+            </a:endParaRPr>
+          </a:p>
+        </p:txBody>
+      </p:sp>
+    </p:spTree>
+    <p:extLst>
+      <p:ext uri="{BB962C8B-B14F-4D97-AF65-F5344CB8AC3E}">
+        <p14:creationId xmlns:p14="http://schemas.microsoft.com/office/powerpoint/2010/main" val="1713165678"/>
+      </p:ext>
+    </p:extLst>
+  </p:cSld>
+  <p:clrMapOvr>
+    <a:masterClrMapping/>
+  </p:clrMapOvr>
+  <p:timing>
+    <p:tnLst>
+      <p:par>
+        <p:cTn id="1" dur="indefinite" restart="never" nodeType="tmRoot"/>
+      </p:par>
+    </p:tnLst>
+  </p:timing>
+</p:sldLayout>
+</file>
+
+<file path=ppt/slideLayouts/slideLayout68.xml><?xml version="1.0" encoding="utf-8"?>
+<p:sldLayout xmlns:a="http://schemas.openxmlformats.org/drawingml/2006/main" xmlns:r="http://schemas.openxmlformats.org/officeDocument/2006/relationships" xmlns:p="http://schemas.openxmlformats.org/presentationml/2006/main" userDrawn="1">
+  <p:cSld name="1_Logo on Background">
+    <p:bg>
+      <p:bgPr>
+        <a:solidFill>
+          <a:schemeClr val="tx2">
+            <a:lumMod val="50000"/>
+          </a:schemeClr>
+        </a:solidFill>
+        <a:effectLst/>
+      </p:bgPr>
+    </p:bg>
+    <p:spTree>
+      <p:nvGrpSpPr>
+        <p:cNvPr id="1" name=""/>
+        <p:cNvGrpSpPr/>
+        <p:nvPr/>
+      </p:nvGrpSpPr>
+      <p:grpSpPr>
+        <a:xfrm>
+          <a:off x="0" y="0"/>
+          <a:ext cx="0" cy="0"/>
+          <a:chOff x="0" y="0"/>
+          <a:chExt cx="0" cy="0"/>
+        </a:xfrm>
+      </p:grpSpPr>
+      <p:sp>
+        <p:nvSpPr>
+          <p:cNvPr id="3" name="Text Box 3"/>
+          <p:cNvSpPr txBox="1">
+            <a:spLocks noChangeArrowheads="1"/>
+          </p:cNvSpPr>
+          <p:nvPr userDrawn="1"/>
+        </p:nvSpPr>
+        <p:spPr bwMode="blackWhite">
+          <a:xfrm>
+            <a:off x="450202" y="5503176"/>
+            <a:ext cx="8639369" cy="711824"/>
+          </a:xfrm>
+          <a:prstGeom prst="rect">
+            <a:avLst/>
+          </a:prstGeom>
+          <a:noFill/>
+          <a:ln w="12700">
+            <a:noFill/>
+            <a:miter lim="800000"/>
+            <a:headEnd type="none" w="sm" len="sm"/>
+            <a:tailEnd type="none" w="sm" len="sm"/>
+          </a:ln>
+          <a:effectLst/>
+        </p:spPr>
+        <p:txBody>
+          <a:bodyPr vert="horz" wrap="square" lIns="179285" tIns="143428" rIns="179285" bIns="143428" numCol="1" anchor="t" anchorCtr="0" compatLnSpc="1">
+            <a:prstTxWarp prst="textNoShape">
+              <a:avLst/>
+            </a:prstTxWarp>
+            <a:spAutoFit/>
+          </a:bodyPr>
+          <a:lstStyle/>
+          <a:p>
+            <a:pPr marL="0" marR="0" lvl="0" indent="0" algn="l" defTabSz="913924" rtl="0" eaLnBrk="0" fontAlgn="auto" latinLnBrk="0" hangingPunct="0">
+              <a:lnSpc>
+                <a:spcPct val="100000"/>
+              </a:lnSpc>
+              <a:spcBef>
+                <a:spcPts val="0"/>
+              </a:spcBef>
+              <a:spcAft>
+                <a:spcPts val="0"/>
+              </a:spcAft>
+              <a:buClrTx/>
+              <a:buSzTx/>
+              <a:buFontTx/>
+              <a:buNone/>
+              <a:tabLst/>
+              <a:defRPr/>
+            </a:pPr>
+            <a:r>
+              <a:rPr kumimoji="0" lang="en-US" sz="686" b="0" i="0" u="none" strike="noStrike" kern="1200" cap="none" spc="0" normalizeH="0" baseline="0" noProof="0" dirty="0">
+                <a:ln>
+                  <a:noFill/>
+                </a:ln>
+                <a:gradFill>
+                  <a:gsLst>
+                    <a:gs pos="0">
+                      <a:srgbClr val="FFFFFF"/>
+                    </a:gs>
+                    <a:gs pos="100000">
+                      <a:srgbClr val="FFFFFF"/>
+                    </a:gs>
+                  </a:gsLst>
+                  <a:lin ang="5400000" scaled="0"/>
+                </a:gradFill>
+                <a:effectLst/>
+                <a:uLnTx/>
+                <a:uFillTx/>
+                <a:latin typeface="Segoe UI"/>
+                <a:ea typeface="+mn-ea"/>
+                <a:cs typeface="Segoe UI" pitchFamily="34" charset="0"/>
+              </a:rPr>
+              <a:t>© 2012 Microsoft Corporation. All rights reserved. Microsoft, </a:t>
+            </a:r>
+            <a:r>
+              <a:rPr kumimoji="0" lang="en-US" sz="686" b="0" i="0" u="none" strike="noStrike" kern="1200" cap="none" spc="0" normalizeH="0" baseline="0" noProof="0" dirty="0" smtClean="0">
+                <a:ln>
+                  <a:noFill/>
+                </a:ln>
+                <a:gradFill>
+                  <a:gsLst>
+                    <a:gs pos="0">
+                      <a:srgbClr val="FFFFFF"/>
+                    </a:gs>
+                    <a:gs pos="100000">
+                      <a:srgbClr val="FFFFFF"/>
+                    </a:gs>
+                  </a:gsLst>
+                  <a:lin ang="5400000" scaled="0"/>
+                </a:gradFill>
+                <a:effectLst/>
+                <a:uLnTx/>
+                <a:uFillTx/>
+                <a:latin typeface="Segoe UI"/>
+                <a:ea typeface="+mn-ea"/>
+                <a:cs typeface="Segoe UI" pitchFamily="34" charset="0"/>
+              </a:rPr>
+              <a:t>Microsoft, Microsoft </a:t>
+            </a:r>
+            <a:r>
+              <a:rPr kumimoji="0" lang="en-US" sz="686" b="0" i="0" u="none" strike="noStrike" kern="1200" cap="none" spc="0" normalizeH="0" baseline="0" noProof="0" dirty="0">
+                <a:ln>
+                  <a:noFill/>
+                </a:ln>
+                <a:gradFill>
+                  <a:gsLst>
+                    <a:gs pos="0">
+                      <a:srgbClr val="FFFFFF"/>
+                    </a:gs>
+                    <a:gs pos="100000">
+                      <a:srgbClr val="FFFFFF"/>
+                    </a:gs>
+                  </a:gsLst>
+                  <a:lin ang="5400000" scaled="0"/>
+                </a:gradFill>
+                <a:effectLst/>
+                <a:uLnTx/>
+                <a:uFillTx/>
+                <a:latin typeface="Segoe UI"/>
+                <a:ea typeface="+mn-ea"/>
+                <a:cs typeface="Segoe UI" pitchFamily="34" charset="0"/>
+              </a:rPr>
+              <a:t>Vista and other product names are or may be registered trademarks and/or trademarks in the U.S. and/or other countries.</a:t>
+            </a:r>
+          </a:p>
+          <a:p>
+            <a:pPr marL="0" marR="0" lvl="0" indent="0" algn="l" defTabSz="913924" rtl="0" eaLnBrk="0" fontAlgn="auto" latinLnBrk="0" hangingPunct="0">
+              <a:lnSpc>
+                <a:spcPct val="100000"/>
+              </a:lnSpc>
+              <a:spcBef>
+                <a:spcPts val="0"/>
+              </a:spcBef>
+              <a:spcAft>
+                <a:spcPts val="0"/>
+              </a:spcAft>
+              <a:buClrTx/>
+              <a:buSzTx/>
+              <a:buFontTx/>
+              <a:buNone/>
+              <a:tabLst/>
+              <a:defRPr/>
+            </a:pPr>
+            <a:r>
+              <a:rPr kumimoji="0" lang="en-US" sz="686" b="0" i="0" u="none" strike="noStrike" kern="1200" cap="none" spc="0" normalizeH="0" baseline="0" noProof="0" dirty="0">
+                <a:ln>
+                  <a:noFill/>
+                </a:ln>
+                <a:gradFill>
+                  <a:gsLst>
+                    <a:gs pos="0">
+                      <a:srgbClr val="FFFFFF"/>
+                    </a:gs>
+                    <a:gs pos="100000">
+                      <a:srgbClr val="FFFFFF"/>
+                    </a:gs>
+                  </a:gsLst>
+                  <a:lin ang="5400000" scaled="0"/>
+                </a:gradFill>
+                <a:effectLst/>
+                <a:uLnTx/>
+                <a:uFillTx/>
+                <a:latin typeface="Segoe UI"/>
+                <a:ea typeface="+mn-ea"/>
+                <a:cs typeface="Segoe UI" pitchFamily="34" charset="0"/>
+              </a:rPr>
+              <a:t>The information herein is for informational purposes only and represents the current view of Microsoft Corporation as of the date of this presentation.  Because Microsoft must respond to changing market conditions, it should not be interpreted to be a commitment on the part of Microsoft, and Microsoft cannot guarantee the accuracy of any information provided after the date of this presentation.  MICROSOFT MAKES NO WARRANTIES, EXPRESS, IMPLIED OR STATUTORY, AS TO THE INFORMATION IN THIS PRESENTATION.</a:t>
+            </a:r>
+          </a:p>
+        </p:txBody>
+      </p:sp>
+      <p:pic>
+        <p:nvPicPr>
+          <p:cNvPr id="4" name="Picture 3"/>
+          <p:cNvPicPr>
+            <a:picLocks noChangeAspect="1"/>
+          </p:cNvPicPr>
+          <p:nvPr userDrawn="1"/>
+        </p:nvPicPr>
+        <p:blipFill>
+          <a:blip r:embed="rId2" cstate="print">
+            <a:extLst>
+              <a:ext uri="{28A0092B-C50C-407E-A947-70E740481C1C}">
+                <a14:useLocalDpi xmlns:a14="http://schemas.microsoft.com/office/drawing/2010/main" val="0"/>
+              </a:ext>
+            </a:extLst>
+          </a:blip>
+          <a:stretch>
+            <a:fillRect/>
+          </a:stretch>
+        </p:blipFill>
+        <p:spPr bwMode="invGray">
+          <a:xfrm>
+            <a:off x="667916" y="4562112"/>
+            <a:ext cx="3223861" cy="690695"/>
+          </a:xfrm>
+          <a:prstGeom prst="rect">
+            <a:avLst/>
+          </a:prstGeom>
+        </p:spPr>
+      </p:pic>
+    </p:spTree>
+    <p:extLst>
+      <p:ext uri="{BB962C8B-B14F-4D97-AF65-F5344CB8AC3E}">
+        <p14:creationId xmlns:p14="http://schemas.microsoft.com/office/powerpoint/2010/main" val="1773788766"/>
+      </p:ext>
+    </p:extLst>
+  </p:cSld>
+  <p:clrMapOvr>
+    <a:masterClrMapping/>
+  </p:clrMapOvr>
+  <mc:AlternateContent xmlns:mc="http://schemas.openxmlformats.org/markup-compatibility/2006" xmlns:p14="http://schemas.microsoft.com/office/powerpoint/2010/main">
+    <mc:Choice Requires="p14">
+      <p:transition spd="med" p14:dur="700">
+        <p:fade/>
+      </p:transition>
+    </mc:Choice>
+    <mc:Fallback xmlns="">
+      <p:transition spd="med">
+        <p:fade/>
+      </p:transition>
+    </mc:Fallback>
+  </mc:AlternateContent>
+  <p:timing>
+    <p:tnLst>
+      <p:par>
+        <p:cTn id="1" dur="indefinite" restart="never" nodeType="tmRoot"/>
+      </p:par>
+    </p:tnLst>
+  </p:timing>
+</p:sldLayout>
+</file>
+
+<file path=ppt/slideLayouts/slideLayout69.xml><?xml version="1.0" encoding="utf-8"?>
+<p:sldLayout xmlns:a="http://schemas.openxmlformats.org/drawingml/2006/main" xmlns:r="http://schemas.openxmlformats.org/officeDocument/2006/relationships" xmlns:p="http://schemas.openxmlformats.org/presentationml/2006/main" userDrawn="1">
+  <p:cSld name="2_Title and Content">
+    <p:spTree>
+      <p:nvGrpSpPr>
+        <p:cNvPr id="1" name=""/>
+        <p:cNvGrpSpPr/>
+        <p:nvPr/>
+      </p:nvGrpSpPr>
+      <p:grpSpPr>
+        <a:xfrm>
+          <a:off x="0" y="0"/>
+          <a:ext cx="0" cy="0"/>
+          <a:chOff x="0" y="0"/>
+          <a:chExt cx="0" cy="0"/>
+        </a:xfrm>
+      </p:grpSpPr>
+      <p:sp>
+        <p:nvSpPr>
+          <p:cNvPr id="2" name="Title 1"/>
+          <p:cNvSpPr>
+            <a:spLocks noGrp="1"/>
+          </p:cNvSpPr>
+          <p:nvPr>
+            <p:ph type="title"/>
+          </p:nvPr>
+        </p:nvSpPr>
+        <p:spPr>
+          <a:xfrm>
+            <a:off x="519248" y="228601"/>
+            <a:ext cx="11151917" cy="747897"/>
+          </a:xfrm>
+        </p:spPr>
+        <p:txBody>
+          <a:bodyPr/>
+          <a:lstStyle>
+            <a:lvl1pPr>
+              <a:defRPr sz="5400"/>
+            </a:lvl1pPr>
+          </a:lstStyle>
+          <a:p>
+            <a:r>
+              <a:rPr lang="en-US" smtClean="0"/>
+              <a:t>Click to edit Master title style</a:t>
+            </a:r>
+            <a:endParaRPr lang="en-US" dirty="0"/>
+          </a:p>
+        </p:txBody>
+      </p:sp>
+      <p:sp>
+        <p:nvSpPr>
+          <p:cNvPr id="5" name="Text Placeholder 4"/>
+          <p:cNvSpPr>
+            <a:spLocks noGrp="1"/>
+          </p:cNvSpPr>
+          <p:nvPr>
+            <p:ph type="body" sz="quarter" idx="10"/>
+          </p:nvPr>
+        </p:nvSpPr>
+        <p:spPr>
+          <a:xfrm>
+            <a:off x="519248" y="1447800"/>
+            <a:ext cx="11151917" cy="946413"/>
+          </a:xfrm>
+        </p:spPr>
+        <p:txBody>
+          <a:bodyPr/>
+          <a:lstStyle>
+            <a:lvl1pPr marL="3175" indent="0">
+              <a:spcBef>
+                <a:spcPts val="0"/>
+              </a:spcBef>
+              <a:spcAft>
+                <a:spcPts val="900"/>
+              </a:spcAft>
+              <a:buSzPct val="80000"/>
+              <a:buFont typeface="Arial" pitchFamily="34" charset="0"/>
+              <a:buNone/>
+              <a:defRPr sz="4000" spc="-100" baseline="0">
+                <a:gradFill>
+                  <a:gsLst>
+                    <a:gs pos="0">
+                      <a:srgbClr val="595959"/>
+                    </a:gs>
+                    <a:gs pos="86000">
+                      <a:srgbClr val="595959"/>
+                    </a:gs>
+                  </a:gsLst>
+                  <a:lin ang="5400000" scaled="0"/>
+                </a:gradFill>
+                <a:latin typeface="Segoe UI Light" pitchFamily="34" charset="0"/>
+              </a:defRPr>
+            </a:lvl1pPr>
+            <a:lvl2pPr marL="3175" indent="0">
+              <a:spcBef>
+                <a:spcPts val="0"/>
+              </a:spcBef>
+              <a:buSzPct val="80000"/>
+              <a:buFont typeface="Arial" pitchFamily="34" charset="0"/>
+              <a:buNone/>
+              <a:defRPr sz="2000" spc="-50" baseline="0">
+                <a:gradFill>
+                  <a:gsLst>
+                    <a:gs pos="0">
+                      <a:srgbClr val="595959"/>
+                    </a:gs>
+                    <a:gs pos="86000">
+                      <a:srgbClr val="595959"/>
+                    </a:gs>
+                  </a:gsLst>
+                  <a:lin ang="5400000" scaled="0"/>
+                </a:gradFill>
+              </a:defRPr>
+            </a:lvl2pPr>
+            <a:lvl3pPr marL="1258888" indent="-403225">
+              <a:buSzPct val="80000"/>
+              <a:buFontTx/>
+              <a:buBlip>
+                <a:blip r:embed="rId2"/>
+              </a:buBlip>
+              <a:defRPr>
+                <a:gradFill>
+                  <a:gsLst>
+                    <a:gs pos="0">
+                      <a:schemeClr val="tx1">
+                        <a:lumMod val="90000"/>
+                        <a:lumOff val="10000"/>
+                      </a:schemeClr>
+                    </a:gs>
+                    <a:gs pos="86000">
+                      <a:schemeClr val="tx1">
+                        <a:lumMod val="90000"/>
+                        <a:lumOff val="10000"/>
+                      </a:schemeClr>
+                    </a:gs>
+                  </a:gsLst>
+                  <a:lin ang="5400000" scaled="0"/>
+                </a:gradFill>
+              </a:defRPr>
+            </a:lvl3pPr>
+            <a:lvl4pPr marL="1604963" indent="-346075">
+              <a:buSzPct val="80000"/>
+              <a:buFontTx/>
+              <a:buBlip>
+                <a:blip r:embed="rId2"/>
+              </a:buBlip>
+              <a:defRPr>
+                <a:gradFill>
+                  <a:gsLst>
+                    <a:gs pos="0">
+                      <a:schemeClr val="tx1">
+                        <a:lumMod val="90000"/>
+                        <a:lumOff val="10000"/>
+                      </a:schemeClr>
+                    </a:gs>
+                    <a:gs pos="86000">
+                      <a:schemeClr val="tx1">
+                        <a:lumMod val="90000"/>
+                        <a:lumOff val="10000"/>
+                      </a:schemeClr>
+                    </a:gs>
+                  </a:gsLst>
+                  <a:lin ang="5400000" scaled="0"/>
+                </a:gradFill>
+              </a:defRPr>
+            </a:lvl4pPr>
+            <a:lvl5pPr marL="1941513" indent="-336550">
+              <a:buSzPct val="80000"/>
+              <a:buFontTx/>
+              <a:buBlip>
+                <a:blip r:embed="rId2"/>
+              </a:buBlip>
+              <a:defRPr>
+                <a:gradFill>
+                  <a:gsLst>
+                    <a:gs pos="0">
+                      <a:schemeClr val="tx1">
+                        <a:lumMod val="90000"/>
+                        <a:lumOff val="10000"/>
+                      </a:schemeClr>
+                    </a:gs>
+                    <a:gs pos="86000">
+                      <a:schemeClr val="tx1">
+                        <a:lumMod val="90000"/>
+                        <a:lumOff val="10000"/>
+                      </a:schemeClr>
+                    </a:gs>
+                  </a:gsLst>
+                  <a:lin ang="5400000" scaled="0"/>
+                </a:gradFill>
+              </a:defRPr>
+            </a:lvl5pPr>
+          </a:lstStyle>
+          <a:p>
+            <a:pPr lvl="0"/>
+            <a:r>
+              <a:rPr lang="en-US" smtClean="0"/>
+              <a:t>Click to edit Master text styles</a:t>
+            </a:r>
+          </a:p>
+          <a:p>
+            <a:pPr lvl="1"/>
+            <a:r>
+              <a:rPr lang="en-US" smtClean="0"/>
+              <a:t>Second level</a:t>
+            </a:r>
+          </a:p>
+        </p:txBody>
+      </p:sp>
+    </p:spTree>
+    <p:extLst>
+      <p:ext uri="{BB962C8B-B14F-4D97-AF65-F5344CB8AC3E}">
+        <p14:creationId xmlns:p14="http://schemas.microsoft.com/office/powerpoint/2010/main" val="285555082"/>
+      </p:ext>
+    </p:extLst>
+  </p:cSld>
+  <p:clrMapOvr>
+    <a:masterClrMapping/>
+  </p:clrMapOvr>
+  <p:transition>
+    <p:fade/>
+  </p:transition>
+  <p:timing>
+    <p:tnLst>
+      <p:par>
+        <p:cTn id="1" dur="indefinite" restart="never" nodeType="tmRoot"/>
+      </p:par>
+    </p:tnLst>
+  </p:timing>
+</p:sldLayout>
+</file>
+
 <file path=ppt/slideLayouts/slideLayout7.xml><?xml version="1.0" encoding="utf-8"?>
 <p:sldLayout xmlns:a="http://schemas.openxmlformats.org/drawingml/2006/main" xmlns:r="http://schemas.openxmlformats.org/officeDocument/2006/relationships" xmlns:p="http://schemas.openxmlformats.org/presentationml/2006/main" type="obj" preserve="1">
   <p:cSld name="Title and Content">
@@ -20774,6 +23858,1612 @@
   <p:clrMapOvr>
     <a:masterClrMapping/>
   </p:clrMapOvr>
+  <p:timing>
+    <p:tnLst>
+      <p:par>
+        <p:cTn id="1" dur="indefinite" restart="never" nodeType="tmRoot"/>
+      </p:par>
+    </p:tnLst>
+  </p:timing>
+</p:sldLayout>
+</file>
+
+<file path=ppt/slideLayouts/slideLayout70.xml><?xml version="1.0" encoding="utf-8"?>
+<p:sldLayout xmlns:a="http://schemas.openxmlformats.org/drawingml/2006/main" xmlns:r="http://schemas.openxmlformats.org/officeDocument/2006/relationships" xmlns:p="http://schemas.openxmlformats.org/presentationml/2006/main" userDrawn="1">
+  <p:cSld name="3_Title and Content">
+    <p:spTree>
+      <p:nvGrpSpPr>
+        <p:cNvPr id="1" name=""/>
+        <p:cNvGrpSpPr/>
+        <p:nvPr/>
+      </p:nvGrpSpPr>
+      <p:grpSpPr>
+        <a:xfrm>
+          <a:off x="0" y="0"/>
+          <a:ext cx="0" cy="0"/>
+          <a:chOff x="0" y="0"/>
+          <a:chExt cx="0" cy="0"/>
+        </a:xfrm>
+      </p:grpSpPr>
+      <p:sp>
+        <p:nvSpPr>
+          <p:cNvPr id="2" name="Title 1"/>
+          <p:cNvSpPr>
+            <a:spLocks noGrp="1"/>
+          </p:cNvSpPr>
+          <p:nvPr>
+            <p:ph type="title"/>
+          </p:nvPr>
+        </p:nvSpPr>
+        <p:spPr>
+          <a:xfrm>
+            <a:off x="519248" y="228601"/>
+            <a:ext cx="11151917" cy="747897"/>
+          </a:xfrm>
+        </p:spPr>
+        <p:txBody>
+          <a:bodyPr/>
+          <a:lstStyle>
+            <a:lvl1pPr>
+              <a:defRPr sz="5400"/>
+            </a:lvl1pPr>
+          </a:lstStyle>
+          <a:p>
+            <a:r>
+              <a:rPr lang="en-US" smtClean="0"/>
+              <a:t>Click to edit Master title style</a:t>
+            </a:r>
+            <a:endParaRPr lang="en-US" dirty="0"/>
+          </a:p>
+        </p:txBody>
+      </p:sp>
+      <p:sp>
+        <p:nvSpPr>
+          <p:cNvPr id="5" name="Text Placeholder 4"/>
+          <p:cNvSpPr>
+            <a:spLocks noGrp="1"/>
+          </p:cNvSpPr>
+          <p:nvPr>
+            <p:ph type="body" sz="quarter" idx="10"/>
+          </p:nvPr>
+        </p:nvSpPr>
+        <p:spPr>
+          <a:xfrm>
+            <a:off x="519248" y="1447800"/>
+            <a:ext cx="11151917" cy="946413"/>
+          </a:xfrm>
+        </p:spPr>
+        <p:txBody>
+          <a:bodyPr/>
+          <a:lstStyle>
+            <a:lvl1pPr marL="3175" indent="0">
+              <a:spcBef>
+                <a:spcPts val="0"/>
+              </a:spcBef>
+              <a:spcAft>
+                <a:spcPts val="900"/>
+              </a:spcAft>
+              <a:buSzPct val="80000"/>
+              <a:buFont typeface="Arial" pitchFamily="34" charset="0"/>
+              <a:buNone/>
+              <a:defRPr sz="4000" spc="-100" baseline="0">
+                <a:gradFill>
+                  <a:gsLst>
+                    <a:gs pos="0">
+                      <a:srgbClr val="595959"/>
+                    </a:gs>
+                    <a:gs pos="86000">
+                      <a:srgbClr val="595959"/>
+                    </a:gs>
+                  </a:gsLst>
+                  <a:lin ang="5400000" scaled="0"/>
+                </a:gradFill>
+                <a:latin typeface="Segoe UI Light" pitchFamily="34" charset="0"/>
+              </a:defRPr>
+            </a:lvl1pPr>
+            <a:lvl2pPr marL="3175" indent="0">
+              <a:spcBef>
+                <a:spcPts val="0"/>
+              </a:spcBef>
+              <a:buSzPct val="80000"/>
+              <a:buFont typeface="Arial" pitchFamily="34" charset="0"/>
+              <a:buNone/>
+              <a:defRPr sz="2000" spc="-50" baseline="0">
+                <a:gradFill>
+                  <a:gsLst>
+                    <a:gs pos="0">
+                      <a:srgbClr val="595959"/>
+                    </a:gs>
+                    <a:gs pos="86000">
+                      <a:srgbClr val="595959"/>
+                    </a:gs>
+                  </a:gsLst>
+                  <a:lin ang="5400000" scaled="0"/>
+                </a:gradFill>
+              </a:defRPr>
+            </a:lvl2pPr>
+            <a:lvl3pPr marL="1258888" indent="-403225">
+              <a:buSzPct val="80000"/>
+              <a:buFontTx/>
+              <a:buBlip>
+                <a:blip r:embed="rId2"/>
+              </a:buBlip>
+              <a:defRPr>
+                <a:gradFill>
+                  <a:gsLst>
+                    <a:gs pos="0">
+                      <a:schemeClr val="tx1">
+                        <a:lumMod val="90000"/>
+                        <a:lumOff val="10000"/>
+                      </a:schemeClr>
+                    </a:gs>
+                    <a:gs pos="86000">
+                      <a:schemeClr val="tx1">
+                        <a:lumMod val="90000"/>
+                        <a:lumOff val="10000"/>
+                      </a:schemeClr>
+                    </a:gs>
+                  </a:gsLst>
+                  <a:lin ang="5400000" scaled="0"/>
+                </a:gradFill>
+              </a:defRPr>
+            </a:lvl3pPr>
+            <a:lvl4pPr marL="1604963" indent="-346075">
+              <a:buSzPct val="80000"/>
+              <a:buFontTx/>
+              <a:buBlip>
+                <a:blip r:embed="rId2"/>
+              </a:buBlip>
+              <a:defRPr>
+                <a:gradFill>
+                  <a:gsLst>
+                    <a:gs pos="0">
+                      <a:schemeClr val="tx1">
+                        <a:lumMod val="90000"/>
+                        <a:lumOff val="10000"/>
+                      </a:schemeClr>
+                    </a:gs>
+                    <a:gs pos="86000">
+                      <a:schemeClr val="tx1">
+                        <a:lumMod val="90000"/>
+                        <a:lumOff val="10000"/>
+                      </a:schemeClr>
+                    </a:gs>
+                  </a:gsLst>
+                  <a:lin ang="5400000" scaled="0"/>
+                </a:gradFill>
+              </a:defRPr>
+            </a:lvl4pPr>
+            <a:lvl5pPr marL="1941513" indent="-336550">
+              <a:buSzPct val="80000"/>
+              <a:buFontTx/>
+              <a:buBlip>
+                <a:blip r:embed="rId2"/>
+              </a:buBlip>
+              <a:defRPr>
+                <a:gradFill>
+                  <a:gsLst>
+                    <a:gs pos="0">
+                      <a:schemeClr val="tx1">
+                        <a:lumMod val="90000"/>
+                        <a:lumOff val="10000"/>
+                      </a:schemeClr>
+                    </a:gs>
+                    <a:gs pos="86000">
+                      <a:schemeClr val="tx1">
+                        <a:lumMod val="90000"/>
+                        <a:lumOff val="10000"/>
+                      </a:schemeClr>
+                    </a:gs>
+                  </a:gsLst>
+                  <a:lin ang="5400000" scaled="0"/>
+                </a:gradFill>
+              </a:defRPr>
+            </a:lvl5pPr>
+          </a:lstStyle>
+          <a:p>
+            <a:pPr lvl="0"/>
+            <a:r>
+              <a:rPr lang="en-US" smtClean="0"/>
+              <a:t>Click to edit Master text styles</a:t>
+            </a:r>
+          </a:p>
+          <a:p>
+            <a:pPr lvl="1"/>
+            <a:r>
+              <a:rPr lang="en-US" smtClean="0"/>
+              <a:t>Second level</a:t>
+            </a:r>
+          </a:p>
+        </p:txBody>
+      </p:sp>
+    </p:spTree>
+    <p:extLst>
+      <p:ext uri="{BB962C8B-B14F-4D97-AF65-F5344CB8AC3E}">
+        <p14:creationId xmlns:p14="http://schemas.microsoft.com/office/powerpoint/2010/main" val="1414581567"/>
+      </p:ext>
+    </p:extLst>
+  </p:cSld>
+  <p:clrMapOvr>
+    <a:masterClrMapping/>
+  </p:clrMapOvr>
+  <p:transition>
+    <p:fade/>
+  </p:transition>
+  <p:timing>
+    <p:tnLst>
+      <p:par>
+        <p:cTn id="1" dur="indefinite" restart="never" nodeType="tmRoot"/>
+      </p:par>
+    </p:tnLst>
+  </p:timing>
+</p:sldLayout>
+</file>
+
+<file path=ppt/slideLayouts/slideLayout71.xml><?xml version="1.0" encoding="utf-8"?>
+<p:sldLayout xmlns:a="http://schemas.openxmlformats.org/drawingml/2006/main" xmlns:r="http://schemas.openxmlformats.org/officeDocument/2006/relationships" xmlns:p="http://schemas.openxmlformats.org/presentationml/2006/main" userDrawn="1">
+  <p:cSld name="4_Title and Content">
+    <p:spTree>
+      <p:nvGrpSpPr>
+        <p:cNvPr id="1" name=""/>
+        <p:cNvGrpSpPr/>
+        <p:nvPr/>
+      </p:nvGrpSpPr>
+      <p:grpSpPr>
+        <a:xfrm>
+          <a:off x="0" y="0"/>
+          <a:ext cx="0" cy="0"/>
+          <a:chOff x="0" y="0"/>
+          <a:chExt cx="0" cy="0"/>
+        </a:xfrm>
+      </p:grpSpPr>
+      <p:sp>
+        <p:nvSpPr>
+          <p:cNvPr id="2" name="Title 1"/>
+          <p:cNvSpPr>
+            <a:spLocks noGrp="1"/>
+          </p:cNvSpPr>
+          <p:nvPr>
+            <p:ph type="title"/>
+          </p:nvPr>
+        </p:nvSpPr>
+        <p:spPr>
+          <a:xfrm>
+            <a:off x="519248" y="228601"/>
+            <a:ext cx="11151917" cy="747897"/>
+          </a:xfrm>
+        </p:spPr>
+        <p:txBody>
+          <a:bodyPr/>
+          <a:lstStyle>
+            <a:lvl1pPr>
+              <a:defRPr sz="5400"/>
+            </a:lvl1pPr>
+          </a:lstStyle>
+          <a:p>
+            <a:r>
+              <a:rPr lang="en-US" smtClean="0"/>
+              <a:t>Click to edit Master title style</a:t>
+            </a:r>
+            <a:endParaRPr lang="en-US" dirty="0"/>
+          </a:p>
+        </p:txBody>
+      </p:sp>
+      <p:sp>
+        <p:nvSpPr>
+          <p:cNvPr id="5" name="Text Placeholder 4"/>
+          <p:cNvSpPr>
+            <a:spLocks noGrp="1"/>
+          </p:cNvSpPr>
+          <p:nvPr>
+            <p:ph type="body" sz="quarter" idx="10"/>
+          </p:nvPr>
+        </p:nvSpPr>
+        <p:spPr>
+          <a:xfrm>
+            <a:off x="519248" y="1447800"/>
+            <a:ext cx="11151917" cy="946413"/>
+          </a:xfrm>
+        </p:spPr>
+        <p:txBody>
+          <a:bodyPr/>
+          <a:lstStyle>
+            <a:lvl1pPr marL="3175" indent="0">
+              <a:spcBef>
+                <a:spcPts val="0"/>
+              </a:spcBef>
+              <a:spcAft>
+                <a:spcPts val="900"/>
+              </a:spcAft>
+              <a:buSzPct val="80000"/>
+              <a:buFont typeface="Arial" pitchFamily="34" charset="0"/>
+              <a:buNone/>
+              <a:defRPr sz="4000" spc="-100" baseline="0">
+                <a:gradFill>
+                  <a:gsLst>
+                    <a:gs pos="0">
+                      <a:srgbClr val="595959"/>
+                    </a:gs>
+                    <a:gs pos="86000">
+                      <a:srgbClr val="595959"/>
+                    </a:gs>
+                  </a:gsLst>
+                  <a:lin ang="5400000" scaled="0"/>
+                </a:gradFill>
+                <a:latin typeface="Segoe UI Light" pitchFamily="34" charset="0"/>
+              </a:defRPr>
+            </a:lvl1pPr>
+            <a:lvl2pPr marL="3175" indent="0">
+              <a:spcBef>
+                <a:spcPts val="0"/>
+              </a:spcBef>
+              <a:buSzPct val="80000"/>
+              <a:buFont typeface="Arial" pitchFamily="34" charset="0"/>
+              <a:buNone/>
+              <a:defRPr sz="2000" spc="-50" baseline="0">
+                <a:gradFill>
+                  <a:gsLst>
+                    <a:gs pos="0">
+                      <a:srgbClr val="595959"/>
+                    </a:gs>
+                    <a:gs pos="86000">
+                      <a:srgbClr val="595959"/>
+                    </a:gs>
+                  </a:gsLst>
+                  <a:lin ang="5400000" scaled="0"/>
+                </a:gradFill>
+              </a:defRPr>
+            </a:lvl2pPr>
+            <a:lvl3pPr marL="1258888" indent="-403225">
+              <a:buSzPct val="80000"/>
+              <a:buFontTx/>
+              <a:buBlip>
+                <a:blip r:embed="rId2"/>
+              </a:buBlip>
+              <a:defRPr>
+                <a:gradFill>
+                  <a:gsLst>
+                    <a:gs pos="0">
+                      <a:schemeClr val="tx1">
+                        <a:lumMod val="90000"/>
+                        <a:lumOff val="10000"/>
+                      </a:schemeClr>
+                    </a:gs>
+                    <a:gs pos="86000">
+                      <a:schemeClr val="tx1">
+                        <a:lumMod val="90000"/>
+                        <a:lumOff val="10000"/>
+                      </a:schemeClr>
+                    </a:gs>
+                  </a:gsLst>
+                  <a:lin ang="5400000" scaled="0"/>
+                </a:gradFill>
+              </a:defRPr>
+            </a:lvl3pPr>
+            <a:lvl4pPr marL="1604963" indent="-346075">
+              <a:buSzPct val="80000"/>
+              <a:buFontTx/>
+              <a:buBlip>
+                <a:blip r:embed="rId2"/>
+              </a:buBlip>
+              <a:defRPr>
+                <a:gradFill>
+                  <a:gsLst>
+                    <a:gs pos="0">
+                      <a:schemeClr val="tx1">
+                        <a:lumMod val="90000"/>
+                        <a:lumOff val="10000"/>
+                      </a:schemeClr>
+                    </a:gs>
+                    <a:gs pos="86000">
+                      <a:schemeClr val="tx1">
+                        <a:lumMod val="90000"/>
+                        <a:lumOff val="10000"/>
+                      </a:schemeClr>
+                    </a:gs>
+                  </a:gsLst>
+                  <a:lin ang="5400000" scaled="0"/>
+                </a:gradFill>
+              </a:defRPr>
+            </a:lvl4pPr>
+            <a:lvl5pPr marL="1941513" indent="-336550">
+              <a:buSzPct val="80000"/>
+              <a:buFontTx/>
+              <a:buBlip>
+                <a:blip r:embed="rId2"/>
+              </a:buBlip>
+              <a:defRPr>
+                <a:gradFill>
+                  <a:gsLst>
+                    <a:gs pos="0">
+                      <a:schemeClr val="tx1">
+                        <a:lumMod val="90000"/>
+                        <a:lumOff val="10000"/>
+                      </a:schemeClr>
+                    </a:gs>
+                    <a:gs pos="86000">
+                      <a:schemeClr val="tx1">
+                        <a:lumMod val="90000"/>
+                        <a:lumOff val="10000"/>
+                      </a:schemeClr>
+                    </a:gs>
+                  </a:gsLst>
+                  <a:lin ang="5400000" scaled="0"/>
+                </a:gradFill>
+              </a:defRPr>
+            </a:lvl5pPr>
+          </a:lstStyle>
+          <a:p>
+            <a:pPr lvl="0"/>
+            <a:r>
+              <a:rPr lang="en-US" smtClean="0"/>
+              <a:t>Click to edit Master text styles</a:t>
+            </a:r>
+          </a:p>
+          <a:p>
+            <a:pPr lvl="1"/>
+            <a:r>
+              <a:rPr lang="en-US" smtClean="0"/>
+              <a:t>Second level</a:t>
+            </a:r>
+          </a:p>
+        </p:txBody>
+      </p:sp>
+    </p:spTree>
+    <p:extLst>
+      <p:ext uri="{BB962C8B-B14F-4D97-AF65-F5344CB8AC3E}">
+        <p14:creationId xmlns:p14="http://schemas.microsoft.com/office/powerpoint/2010/main" val="333858539"/>
+      </p:ext>
+    </p:extLst>
+  </p:cSld>
+  <p:clrMapOvr>
+    <a:masterClrMapping/>
+  </p:clrMapOvr>
+  <p:transition>
+    <p:fade/>
+  </p:transition>
+  <p:timing>
+    <p:tnLst>
+      <p:par>
+        <p:cTn id="1" dur="indefinite" restart="never" nodeType="tmRoot"/>
+      </p:par>
+    </p:tnLst>
+  </p:timing>
+</p:sldLayout>
+</file>
+
+<file path=ppt/slideLayouts/slideLayout72.xml><?xml version="1.0" encoding="utf-8"?>
+<p:sldLayout xmlns:a="http://schemas.openxmlformats.org/drawingml/2006/main" xmlns:r="http://schemas.openxmlformats.org/officeDocument/2006/relationships" xmlns:p="http://schemas.openxmlformats.org/presentationml/2006/main" userDrawn="1">
+  <p:cSld name="7_Title and Content">
+    <p:spTree>
+      <p:nvGrpSpPr>
+        <p:cNvPr id="1" name=""/>
+        <p:cNvGrpSpPr/>
+        <p:nvPr/>
+      </p:nvGrpSpPr>
+      <p:grpSpPr>
+        <a:xfrm>
+          <a:off x="0" y="0"/>
+          <a:ext cx="0" cy="0"/>
+          <a:chOff x="0" y="0"/>
+          <a:chExt cx="0" cy="0"/>
+        </a:xfrm>
+      </p:grpSpPr>
+      <p:sp>
+        <p:nvSpPr>
+          <p:cNvPr id="2" name="Title 1"/>
+          <p:cNvSpPr>
+            <a:spLocks noGrp="1"/>
+          </p:cNvSpPr>
+          <p:nvPr>
+            <p:ph type="title"/>
+          </p:nvPr>
+        </p:nvSpPr>
+        <p:spPr>
+          <a:xfrm>
+            <a:off x="519248" y="228601"/>
+            <a:ext cx="11151917" cy="747897"/>
+          </a:xfrm>
+        </p:spPr>
+        <p:txBody>
+          <a:bodyPr/>
+          <a:lstStyle>
+            <a:lvl1pPr>
+              <a:defRPr sz="5400"/>
+            </a:lvl1pPr>
+          </a:lstStyle>
+          <a:p>
+            <a:r>
+              <a:rPr lang="en-US" smtClean="0"/>
+              <a:t>Click to edit Master title style</a:t>
+            </a:r>
+            <a:endParaRPr lang="en-US" dirty="0"/>
+          </a:p>
+        </p:txBody>
+      </p:sp>
+      <p:sp>
+        <p:nvSpPr>
+          <p:cNvPr id="5" name="Text Placeholder 4"/>
+          <p:cNvSpPr>
+            <a:spLocks noGrp="1"/>
+          </p:cNvSpPr>
+          <p:nvPr>
+            <p:ph type="body" sz="quarter" idx="10"/>
+          </p:nvPr>
+        </p:nvSpPr>
+        <p:spPr>
+          <a:xfrm>
+            <a:off x="519248" y="1447800"/>
+            <a:ext cx="11151917" cy="946413"/>
+          </a:xfrm>
+        </p:spPr>
+        <p:txBody>
+          <a:bodyPr/>
+          <a:lstStyle>
+            <a:lvl1pPr marL="3175" indent="0">
+              <a:spcBef>
+                <a:spcPts val="0"/>
+              </a:spcBef>
+              <a:spcAft>
+                <a:spcPts val="900"/>
+              </a:spcAft>
+              <a:buSzPct val="80000"/>
+              <a:buFont typeface="Arial" pitchFamily="34" charset="0"/>
+              <a:buNone/>
+              <a:defRPr sz="4000" spc="-100" baseline="0">
+                <a:gradFill>
+                  <a:gsLst>
+                    <a:gs pos="0">
+                      <a:srgbClr val="595959"/>
+                    </a:gs>
+                    <a:gs pos="86000">
+                      <a:srgbClr val="595959"/>
+                    </a:gs>
+                  </a:gsLst>
+                  <a:lin ang="5400000" scaled="0"/>
+                </a:gradFill>
+                <a:latin typeface="Segoe UI Light" pitchFamily="34" charset="0"/>
+              </a:defRPr>
+            </a:lvl1pPr>
+            <a:lvl2pPr marL="3175" indent="0">
+              <a:spcBef>
+                <a:spcPts val="0"/>
+              </a:spcBef>
+              <a:buSzPct val="80000"/>
+              <a:buFont typeface="Arial" pitchFamily="34" charset="0"/>
+              <a:buNone/>
+              <a:defRPr sz="2000" spc="-50" baseline="0">
+                <a:gradFill>
+                  <a:gsLst>
+                    <a:gs pos="0">
+                      <a:srgbClr val="595959"/>
+                    </a:gs>
+                    <a:gs pos="86000">
+                      <a:srgbClr val="595959"/>
+                    </a:gs>
+                  </a:gsLst>
+                  <a:lin ang="5400000" scaled="0"/>
+                </a:gradFill>
+              </a:defRPr>
+            </a:lvl2pPr>
+            <a:lvl3pPr marL="1258888" indent="-403225">
+              <a:buSzPct val="80000"/>
+              <a:buFontTx/>
+              <a:buBlip>
+                <a:blip r:embed="rId2"/>
+              </a:buBlip>
+              <a:defRPr>
+                <a:gradFill>
+                  <a:gsLst>
+                    <a:gs pos="0">
+                      <a:schemeClr val="tx1">
+                        <a:lumMod val="90000"/>
+                        <a:lumOff val="10000"/>
+                      </a:schemeClr>
+                    </a:gs>
+                    <a:gs pos="86000">
+                      <a:schemeClr val="tx1">
+                        <a:lumMod val="90000"/>
+                        <a:lumOff val="10000"/>
+                      </a:schemeClr>
+                    </a:gs>
+                  </a:gsLst>
+                  <a:lin ang="5400000" scaled="0"/>
+                </a:gradFill>
+              </a:defRPr>
+            </a:lvl3pPr>
+            <a:lvl4pPr marL="1604963" indent="-346075">
+              <a:buSzPct val="80000"/>
+              <a:buFontTx/>
+              <a:buBlip>
+                <a:blip r:embed="rId2"/>
+              </a:buBlip>
+              <a:defRPr>
+                <a:gradFill>
+                  <a:gsLst>
+                    <a:gs pos="0">
+                      <a:schemeClr val="tx1">
+                        <a:lumMod val="90000"/>
+                        <a:lumOff val="10000"/>
+                      </a:schemeClr>
+                    </a:gs>
+                    <a:gs pos="86000">
+                      <a:schemeClr val="tx1">
+                        <a:lumMod val="90000"/>
+                        <a:lumOff val="10000"/>
+                      </a:schemeClr>
+                    </a:gs>
+                  </a:gsLst>
+                  <a:lin ang="5400000" scaled="0"/>
+                </a:gradFill>
+              </a:defRPr>
+            </a:lvl4pPr>
+            <a:lvl5pPr marL="1941513" indent="-336550">
+              <a:buSzPct val="80000"/>
+              <a:buFontTx/>
+              <a:buBlip>
+                <a:blip r:embed="rId2"/>
+              </a:buBlip>
+              <a:defRPr>
+                <a:gradFill>
+                  <a:gsLst>
+                    <a:gs pos="0">
+                      <a:schemeClr val="tx1">
+                        <a:lumMod val="90000"/>
+                        <a:lumOff val="10000"/>
+                      </a:schemeClr>
+                    </a:gs>
+                    <a:gs pos="86000">
+                      <a:schemeClr val="tx1">
+                        <a:lumMod val="90000"/>
+                        <a:lumOff val="10000"/>
+                      </a:schemeClr>
+                    </a:gs>
+                  </a:gsLst>
+                  <a:lin ang="5400000" scaled="0"/>
+                </a:gradFill>
+              </a:defRPr>
+            </a:lvl5pPr>
+          </a:lstStyle>
+          <a:p>
+            <a:pPr lvl="0"/>
+            <a:r>
+              <a:rPr lang="en-US" smtClean="0"/>
+              <a:t>Click to edit Master text styles</a:t>
+            </a:r>
+          </a:p>
+          <a:p>
+            <a:pPr lvl="1"/>
+            <a:r>
+              <a:rPr lang="en-US" smtClean="0"/>
+              <a:t>Second level</a:t>
+            </a:r>
+          </a:p>
+        </p:txBody>
+      </p:sp>
+    </p:spTree>
+    <p:extLst>
+      <p:ext uri="{BB962C8B-B14F-4D97-AF65-F5344CB8AC3E}">
+        <p14:creationId xmlns:p14="http://schemas.microsoft.com/office/powerpoint/2010/main" val="881496790"/>
+      </p:ext>
+    </p:extLst>
+  </p:cSld>
+  <p:clrMapOvr>
+    <a:masterClrMapping/>
+  </p:clrMapOvr>
+  <p:transition>
+    <p:fade/>
+  </p:transition>
+  <p:timing>
+    <p:tnLst>
+      <p:par>
+        <p:cTn id="1" dur="indefinite" restart="never" nodeType="tmRoot"/>
+      </p:par>
+    </p:tnLst>
+  </p:timing>
+</p:sldLayout>
+</file>
+
+<file path=ppt/slideLayouts/slideLayout73.xml><?xml version="1.0" encoding="utf-8"?>
+<p:sldLayout xmlns:a="http://schemas.openxmlformats.org/drawingml/2006/main" xmlns:r="http://schemas.openxmlformats.org/officeDocument/2006/relationships" xmlns:p="http://schemas.openxmlformats.org/presentationml/2006/main" showMasterSp="0" userDrawn="1">
+  <p:cSld name="1_Demo, Video etc. &quot;special&quot; slides">
+    <p:bg>
+      <p:bgPr>
+        <a:solidFill>
+          <a:schemeClr val="accent1">
+            <a:alpha val="99000"/>
+          </a:schemeClr>
+        </a:solidFill>
+        <a:effectLst/>
+      </p:bgPr>
+    </p:bg>
+    <p:spTree>
+      <p:nvGrpSpPr>
+        <p:cNvPr id="1" name=""/>
+        <p:cNvGrpSpPr/>
+        <p:nvPr/>
+      </p:nvGrpSpPr>
+      <p:grpSpPr>
+        <a:xfrm>
+          <a:off x="0" y="0"/>
+          <a:ext cx="0" cy="0"/>
+          <a:chOff x="0" y="0"/>
+          <a:chExt cx="0" cy="0"/>
+        </a:xfrm>
+      </p:grpSpPr>
+      <p:sp>
+        <p:nvSpPr>
+          <p:cNvPr id="2" name="Title 1"/>
+          <p:cNvSpPr>
+            <a:spLocks noGrp="1"/>
+          </p:cNvSpPr>
+          <p:nvPr>
+            <p:ph type="ctrTitle"/>
+          </p:nvPr>
+        </p:nvSpPr>
+        <p:spPr>
+          <a:xfrm>
+            <a:off x="1889617" y="1447800"/>
+            <a:ext cx="4206383" cy="1523494"/>
+          </a:xfrm>
+        </p:spPr>
+        <p:txBody>
+          <a:bodyPr anchor="ctr" anchorCtr="0">
+            <a:noAutofit/>
+          </a:bodyPr>
+          <a:lstStyle>
+            <a:lvl1pPr>
+              <a:lnSpc>
+                <a:spcPct val="90000"/>
+              </a:lnSpc>
+              <a:defRPr sz="4800" baseline="0">
+                <a:solidFill>
+                  <a:schemeClr val="bg1">
+                    <a:alpha val="98000"/>
+                  </a:schemeClr>
+                </a:solidFill>
+              </a:defRPr>
+            </a:lvl1pPr>
+          </a:lstStyle>
+          <a:p>
+            <a:r>
+              <a:rPr lang="en-US" smtClean="0"/>
+              <a:t>Click to edit Master title style</a:t>
+            </a:r>
+            <a:endParaRPr lang="en-US" dirty="0"/>
+          </a:p>
+        </p:txBody>
+      </p:sp>
+      <p:sp>
+        <p:nvSpPr>
+          <p:cNvPr id="3" name="Subtitle 2"/>
+          <p:cNvSpPr>
+            <a:spLocks noGrp="1"/>
+          </p:cNvSpPr>
+          <p:nvPr>
+            <p:ph type="subTitle" idx="1"/>
+          </p:nvPr>
+        </p:nvSpPr>
+        <p:spPr>
+          <a:xfrm>
+            <a:off x="1889617" y="5630473"/>
+            <a:ext cx="4206384" cy="461665"/>
+          </a:xfrm>
+        </p:spPr>
+        <p:txBody>
+          <a:bodyPr>
+            <a:noAutofit/>
+          </a:bodyPr>
+          <a:lstStyle>
+            <a:lvl1pPr marL="0" indent="0" algn="l" defTabSz="914363" rtl="0" eaLnBrk="1" latinLnBrk="0" hangingPunct="1">
+              <a:lnSpc>
+                <a:spcPct val="90000"/>
+              </a:lnSpc>
+              <a:spcBef>
+                <a:spcPts val="0"/>
+              </a:spcBef>
+              <a:buSzPct val="80000"/>
+              <a:buFont typeface="Arial" pitchFamily="34" charset="0"/>
+              <a:buNone/>
+              <a:defRPr lang="en-US" sz="2400" kern="1200" dirty="0">
+                <a:solidFill>
+                  <a:schemeClr val="bg1">
+                    <a:alpha val="99000"/>
+                  </a:schemeClr>
+                </a:solidFill>
+                <a:latin typeface="+mn-lt"/>
+                <a:ea typeface="+mn-ea"/>
+                <a:cs typeface="+mn-cs"/>
+              </a:defRPr>
+            </a:lvl1pPr>
+            <a:lvl2pPr marL="457182" indent="0" algn="ctr">
+              <a:buNone/>
+              <a:defRPr>
+                <a:solidFill>
+                  <a:schemeClr val="tx1">
+                    <a:tint val="75000"/>
+                  </a:schemeClr>
+                </a:solidFill>
+              </a:defRPr>
+            </a:lvl2pPr>
+            <a:lvl3pPr marL="914363" indent="0" algn="ctr">
+              <a:buNone/>
+              <a:defRPr>
+                <a:solidFill>
+                  <a:schemeClr val="tx1">
+                    <a:tint val="75000"/>
+                  </a:schemeClr>
+                </a:solidFill>
+              </a:defRPr>
+            </a:lvl3pPr>
+            <a:lvl4pPr marL="1371545" indent="0" algn="ctr">
+              <a:buNone/>
+              <a:defRPr>
+                <a:solidFill>
+                  <a:schemeClr val="tx1">
+                    <a:tint val="75000"/>
+                  </a:schemeClr>
+                </a:solidFill>
+              </a:defRPr>
+            </a:lvl4pPr>
+            <a:lvl5pPr marL="1828727" indent="0" algn="ctr">
+              <a:buNone/>
+              <a:defRPr>
+                <a:solidFill>
+                  <a:schemeClr val="tx1">
+                    <a:tint val="75000"/>
+                  </a:schemeClr>
+                </a:solidFill>
+              </a:defRPr>
+            </a:lvl5pPr>
+            <a:lvl6pPr marL="2285909" indent="0" algn="ctr">
+              <a:buNone/>
+              <a:defRPr>
+                <a:solidFill>
+                  <a:schemeClr val="tx1">
+                    <a:tint val="75000"/>
+                  </a:schemeClr>
+                </a:solidFill>
+              </a:defRPr>
+            </a:lvl6pPr>
+            <a:lvl7pPr marL="2743090" indent="0" algn="ctr">
+              <a:buNone/>
+              <a:defRPr>
+                <a:solidFill>
+                  <a:schemeClr val="tx1">
+                    <a:tint val="75000"/>
+                  </a:schemeClr>
+                </a:solidFill>
+              </a:defRPr>
+            </a:lvl7pPr>
+            <a:lvl8pPr marL="3200272" indent="0" algn="ctr">
+              <a:buNone/>
+              <a:defRPr>
+                <a:solidFill>
+                  <a:schemeClr val="tx1">
+                    <a:tint val="75000"/>
+                  </a:schemeClr>
+                </a:solidFill>
+              </a:defRPr>
+            </a:lvl8pPr>
+            <a:lvl9pPr marL="3657454" indent="0" algn="ctr">
+              <a:buNone/>
+              <a:defRPr>
+                <a:solidFill>
+                  <a:schemeClr val="tx1">
+                    <a:tint val="75000"/>
+                  </a:schemeClr>
+                </a:solidFill>
+              </a:defRPr>
+            </a:lvl9pPr>
+          </a:lstStyle>
+          <a:p>
+            <a:r>
+              <a:rPr lang="en-US" smtClean="0"/>
+              <a:t>Click to edit Master subtitle style</a:t>
+            </a:r>
+            <a:endParaRPr lang="en-US" dirty="0"/>
+          </a:p>
+        </p:txBody>
+      </p:sp>
+      <p:sp>
+        <p:nvSpPr>
+          <p:cNvPr id="7" name="Text Placeholder 6"/>
+          <p:cNvSpPr>
+            <a:spLocks noGrp="1"/>
+          </p:cNvSpPr>
+          <p:nvPr>
+            <p:ph type="body" sz="quarter" idx="10" hasCustomPrompt="1"/>
+          </p:nvPr>
+        </p:nvSpPr>
+        <p:spPr>
+          <a:xfrm>
+            <a:off x="1889617" y="4160520"/>
+            <a:ext cx="8874849" cy="1274538"/>
+          </a:xfrm>
+        </p:spPr>
+        <p:txBody>
+          <a:bodyPr anchor="t" anchorCtr="0">
+            <a:noAutofit/>
+            <a:scene3d>
+              <a:camera prst="orthographicFront"/>
+              <a:lightRig rig="flat" dir="t"/>
+            </a:scene3d>
+            <a:sp3d>
+              <a:contourClr>
+                <a:schemeClr val="bg2"/>
+              </a:contourClr>
+            </a:sp3d>
+          </a:bodyPr>
+          <a:lstStyle>
+            <a:lvl1pPr marL="0" indent="0" algn="l">
+              <a:buFont typeface="Arial" pitchFamily="34" charset="0"/>
+              <a:buNone/>
+              <a:defRPr kumimoji="0" lang="en-US" sz="6600" b="0" i="0" u="none" strike="noStrike" kern="1200" cap="none" spc="-642" normalizeH="0" baseline="0" noProof="0" dirty="0" smtClean="0">
+                <a:ln w="11430"/>
+                <a:solidFill>
+                  <a:schemeClr val="accent1">
+                    <a:lumMod val="40000"/>
+                    <a:lumOff val="60000"/>
+                    <a:alpha val="99000"/>
+                  </a:schemeClr>
+                </a:solidFill>
+                <a:effectLst/>
+                <a:uLnTx/>
+                <a:uFillTx/>
+                <a:latin typeface="Segoe UI Light" pitchFamily="34" charset="0"/>
+                <a:ea typeface="+mn-ea"/>
+                <a:cs typeface="+mn-cs"/>
+              </a:defRPr>
+            </a:lvl1pPr>
+          </a:lstStyle>
+          <a:p>
+            <a:pPr lvl="0"/>
+            <a:r>
+              <a:rPr lang="en-US" dirty="0" smtClean="0"/>
+              <a:t>click to…</a:t>
+            </a:r>
+          </a:p>
+        </p:txBody>
+      </p:sp>
+      <p:grpSp>
+        <p:nvGrpSpPr>
+          <p:cNvPr id="9" name="Group 8"/>
+          <p:cNvGrpSpPr/>
+          <p:nvPr userDrawn="1"/>
+        </p:nvGrpSpPr>
+        <p:grpSpPr>
+          <a:xfrm>
+            <a:off x="7715394" y="2136047"/>
+            <a:ext cx="3500039" cy="2114058"/>
+            <a:chOff x="1411369" y="3975421"/>
+            <a:chExt cx="1714604" cy="1035908"/>
+          </a:xfrm>
+        </p:grpSpPr>
+        <p:sp>
+          <p:nvSpPr>
+            <p:cNvPr id="12" name="Freeform 6"/>
+            <p:cNvSpPr>
+              <a:spLocks/>
+            </p:cNvSpPr>
+            <p:nvPr userDrawn="1"/>
+          </p:nvSpPr>
+          <p:spPr bwMode="auto">
+            <a:xfrm>
+              <a:off x="1900471" y="3975421"/>
+              <a:ext cx="1225502" cy="656717"/>
+            </a:xfrm>
+            <a:custGeom>
+              <a:avLst/>
+              <a:gdLst>
+                <a:gd name="T0" fmla="*/ 138 w 189"/>
+                <a:gd name="T1" fmla="*/ 0 h 101"/>
+                <a:gd name="T2" fmla="*/ 94 w 189"/>
+                <a:gd name="T3" fmla="*/ 26 h 101"/>
+                <a:gd name="T4" fmla="*/ 75 w 189"/>
+                <a:gd name="T5" fmla="*/ 21 h 101"/>
+                <a:gd name="T6" fmla="*/ 40 w 189"/>
+                <a:gd name="T7" fmla="*/ 42 h 101"/>
+                <a:gd name="T8" fmla="*/ 29 w 189"/>
+                <a:gd name="T9" fmla="*/ 40 h 101"/>
+                <a:gd name="T10" fmla="*/ 0 w 189"/>
+                <a:gd name="T11" fmla="*/ 64 h 101"/>
+                <a:gd name="T12" fmla="*/ 11 w 189"/>
+                <a:gd name="T13" fmla="*/ 62 h 101"/>
+                <a:gd name="T14" fmla="*/ 30 w 189"/>
+                <a:gd name="T15" fmla="*/ 66 h 101"/>
+                <a:gd name="T16" fmla="*/ 82 w 189"/>
+                <a:gd name="T17" fmla="*/ 39 h 101"/>
+                <a:gd name="T18" fmla="*/ 145 w 189"/>
+                <a:gd name="T19" fmla="*/ 101 h 101"/>
+                <a:gd name="T20" fmla="*/ 189 w 189"/>
+                <a:gd name="T21" fmla="*/ 51 h 101"/>
+                <a:gd name="T22" fmla="*/ 138 w 189"/>
+                <a:gd name="T23" fmla="*/ 0 h 101"/>
+              </a:gdLst>
+              <a:ahLst/>
+              <a:cxnLst>
+                <a:cxn ang="0">
+                  <a:pos x="T0" y="T1"/>
+                </a:cxn>
+                <a:cxn ang="0">
+                  <a:pos x="T2" y="T3"/>
+                </a:cxn>
+                <a:cxn ang="0">
+                  <a:pos x="T4" y="T5"/>
+                </a:cxn>
+                <a:cxn ang="0">
+                  <a:pos x="T6" y="T7"/>
+                </a:cxn>
+                <a:cxn ang="0">
+                  <a:pos x="T8" y="T9"/>
+                </a:cxn>
+                <a:cxn ang="0">
+                  <a:pos x="T10" y="T11"/>
+                </a:cxn>
+                <a:cxn ang="0">
+                  <a:pos x="T12" y="T13"/>
+                </a:cxn>
+                <a:cxn ang="0">
+                  <a:pos x="T14" y="T15"/>
+                </a:cxn>
+                <a:cxn ang="0">
+                  <a:pos x="T16" y="T17"/>
+                </a:cxn>
+                <a:cxn ang="0">
+                  <a:pos x="T18" y="T19"/>
+                </a:cxn>
+                <a:cxn ang="0">
+                  <a:pos x="T20" y="T21"/>
+                </a:cxn>
+                <a:cxn ang="0">
+                  <a:pos x="T22" y="T23"/>
+                </a:cxn>
+              </a:cxnLst>
+              <a:rect l="0" t="0" r="r" b="b"/>
+              <a:pathLst>
+                <a:path w="189" h="101">
+                  <a:moveTo>
+                    <a:pt x="138" y="0"/>
+                  </a:moveTo>
+                  <a:cubicBezTo>
+                    <a:pt x="119" y="0"/>
+                    <a:pt x="103" y="10"/>
+                    <a:pt x="94" y="26"/>
+                  </a:cubicBezTo>
+                  <a:cubicBezTo>
+                    <a:pt x="89" y="23"/>
+                    <a:pt x="82" y="21"/>
+                    <a:pt x="75" y="21"/>
+                  </a:cubicBezTo>
+                  <a:cubicBezTo>
+                    <a:pt x="60" y="21"/>
+                    <a:pt x="46" y="30"/>
+                    <a:pt x="40" y="42"/>
+                  </a:cubicBezTo>
+                  <a:cubicBezTo>
+                    <a:pt x="36" y="41"/>
+                    <a:pt x="33" y="40"/>
+                    <a:pt x="29" y="40"/>
+                  </a:cubicBezTo>
+                  <a:cubicBezTo>
+                    <a:pt x="15" y="40"/>
+                    <a:pt x="3" y="50"/>
+                    <a:pt x="0" y="64"/>
+                  </a:cubicBezTo>
+                  <a:cubicBezTo>
+                    <a:pt x="3" y="63"/>
+                    <a:pt x="7" y="62"/>
+                    <a:pt x="11" y="62"/>
+                  </a:cubicBezTo>
+                  <a:cubicBezTo>
+                    <a:pt x="17" y="62"/>
+                    <a:pt x="24" y="64"/>
+                    <a:pt x="30" y="66"/>
+                  </a:cubicBezTo>
+                  <a:cubicBezTo>
+                    <a:pt x="42" y="49"/>
+                    <a:pt x="61" y="39"/>
+                    <a:pt x="82" y="39"/>
+                  </a:cubicBezTo>
+                  <a:cubicBezTo>
+                    <a:pt x="117" y="39"/>
+                    <a:pt x="145" y="67"/>
+                    <a:pt x="145" y="101"/>
+                  </a:cubicBezTo>
+                  <a:cubicBezTo>
+                    <a:pt x="170" y="98"/>
+                    <a:pt x="189" y="77"/>
+                    <a:pt x="189" y="51"/>
+                  </a:cubicBezTo>
+                  <a:cubicBezTo>
+                    <a:pt x="189" y="22"/>
+                    <a:pt x="167" y="0"/>
+                    <a:pt x="138" y="0"/>
+                  </a:cubicBezTo>
+                  <a:close/>
+                </a:path>
+              </a:pathLst>
+            </a:custGeom>
+            <a:solidFill>
+              <a:schemeClr val="bg1"/>
+            </a:solidFill>
+            <a:ln>
+              <a:noFill/>
+            </a:ln>
+          </p:spPr>
+          <p:txBody>
+            <a:bodyPr vert="horz" wrap="square" lIns="91440" tIns="45720" rIns="91440" bIns="45720" numCol="1" anchor="t" anchorCtr="0" compatLnSpc="1">
+              <a:prstTxWarp prst="textNoShape">
+                <a:avLst/>
+              </a:prstTxWarp>
+            </a:bodyPr>
+            <a:lstStyle/>
+            <a:p>
+              <a:pPr marL="0" marR="0" lvl="0" indent="0" algn="l" defTabSz="914400" rtl="0" eaLnBrk="1" fontAlgn="auto" latinLnBrk="0" hangingPunct="1">
+                <a:lnSpc>
+                  <a:spcPct val="100000"/>
+                </a:lnSpc>
+                <a:spcBef>
+                  <a:spcPts val="0"/>
+                </a:spcBef>
+                <a:spcAft>
+                  <a:spcPts val="0"/>
+                </a:spcAft>
+                <a:buClrTx/>
+                <a:buSzTx/>
+                <a:buFontTx/>
+                <a:buNone/>
+                <a:tabLst/>
+                <a:defRPr/>
+              </a:pPr>
+              <a:endParaRPr kumimoji="0" lang="en-US" sz="1800" b="0" i="0" u="none" strike="noStrike" kern="1200" cap="none" spc="0" normalizeH="0" baseline="0" noProof="0">
+                <a:ln>
+                  <a:noFill/>
+                </a:ln>
+                <a:solidFill>
+                  <a:srgbClr val="00B0F0"/>
+                </a:solidFill>
+                <a:effectLst/>
+                <a:uLnTx/>
+                <a:uFillTx/>
+                <a:latin typeface="Segoe UI"/>
+                <a:ea typeface="+mn-ea"/>
+                <a:cs typeface="+mn-cs"/>
+              </a:endParaRPr>
+            </a:p>
+          </p:txBody>
+        </p:sp>
+        <p:sp>
+          <p:nvSpPr>
+            <p:cNvPr id="15" name="Freeform 7"/>
+            <p:cNvSpPr>
+              <a:spLocks/>
+            </p:cNvSpPr>
+            <p:nvPr userDrawn="1"/>
+          </p:nvSpPr>
+          <p:spPr bwMode="auto">
+            <a:xfrm>
+              <a:off x="1411369" y="4269433"/>
+              <a:ext cx="1390368" cy="741896"/>
+            </a:xfrm>
+            <a:custGeom>
+              <a:avLst/>
+              <a:gdLst>
+                <a:gd name="T0" fmla="*/ 157 w 214"/>
+                <a:gd name="T1" fmla="*/ 0 h 114"/>
+                <a:gd name="T2" fmla="*/ 107 w 214"/>
+                <a:gd name="T3" fmla="*/ 29 h 114"/>
+                <a:gd name="T4" fmla="*/ 86 w 214"/>
+                <a:gd name="T5" fmla="*/ 23 h 114"/>
+                <a:gd name="T6" fmla="*/ 46 w 214"/>
+                <a:gd name="T7" fmla="*/ 48 h 114"/>
+                <a:gd name="T8" fmla="*/ 34 w 214"/>
+                <a:gd name="T9" fmla="*/ 45 h 114"/>
+                <a:gd name="T10" fmla="*/ 0 w 214"/>
+                <a:gd name="T11" fmla="*/ 80 h 114"/>
+                <a:gd name="T12" fmla="*/ 34 w 214"/>
+                <a:gd name="T13" fmla="*/ 114 h 114"/>
+                <a:gd name="T14" fmla="*/ 86 w 214"/>
+                <a:gd name="T15" fmla="*/ 114 h 114"/>
+                <a:gd name="T16" fmla="*/ 157 w 214"/>
+                <a:gd name="T17" fmla="*/ 114 h 114"/>
+                <a:gd name="T18" fmla="*/ 214 w 214"/>
+                <a:gd name="T19" fmla="*/ 57 h 114"/>
+                <a:gd name="T20" fmla="*/ 157 w 214"/>
+                <a:gd name="T21" fmla="*/ 0 h 114"/>
+              </a:gdLst>
+              <a:ahLst/>
+              <a:cxnLst>
+                <a:cxn ang="0">
+                  <a:pos x="T0" y="T1"/>
+                </a:cxn>
+                <a:cxn ang="0">
+                  <a:pos x="T2" y="T3"/>
+                </a:cxn>
+                <a:cxn ang="0">
+                  <a:pos x="T4" y="T5"/>
+                </a:cxn>
+                <a:cxn ang="0">
+                  <a:pos x="T6" y="T7"/>
+                </a:cxn>
+                <a:cxn ang="0">
+                  <a:pos x="T8" y="T9"/>
+                </a:cxn>
+                <a:cxn ang="0">
+                  <a:pos x="T10" y="T11"/>
+                </a:cxn>
+                <a:cxn ang="0">
+                  <a:pos x="T12" y="T13"/>
+                </a:cxn>
+                <a:cxn ang="0">
+                  <a:pos x="T14" y="T15"/>
+                </a:cxn>
+                <a:cxn ang="0">
+                  <a:pos x="T16" y="T17"/>
+                </a:cxn>
+                <a:cxn ang="0">
+                  <a:pos x="T18" y="T19"/>
+                </a:cxn>
+                <a:cxn ang="0">
+                  <a:pos x="T20" y="T21"/>
+                </a:cxn>
+              </a:cxnLst>
+              <a:rect l="0" t="0" r="r" b="b"/>
+              <a:pathLst>
+                <a:path w="214" h="114">
+                  <a:moveTo>
+                    <a:pt x="157" y="0"/>
+                  </a:moveTo>
+                  <a:cubicBezTo>
+                    <a:pt x="136" y="0"/>
+                    <a:pt x="117" y="11"/>
+                    <a:pt x="107" y="29"/>
+                  </a:cubicBezTo>
+                  <a:cubicBezTo>
+                    <a:pt x="101" y="25"/>
+                    <a:pt x="94" y="23"/>
+                    <a:pt x="86" y="23"/>
+                  </a:cubicBezTo>
+                  <a:cubicBezTo>
+                    <a:pt x="69" y="23"/>
+                    <a:pt x="54" y="33"/>
+                    <a:pt x="46" y="48"/>
+                  </a:cubicBezTo>
+                  <a:cubicBezTo>
+                    <a:pt x="42" y="46"/>
+                    <a:pt x="38" y="45"/>
+                    <a:pt x="34" y="45"/>
+                  </a:cubicBezTo>
+                  <a:cubicBezTo>
+                    <a:pt x="15" y="45"/>
+                    <a:pt x="0" y="61"/>
+                    <a:pt x="0" y="80"/>
+                  </a:cubicBezTo>
+                  <a:cubicBezTo>
+                    <a:pt x="0" y="99"/>
+                    <a:pt x="15" y="114"/>
+                    <a:pt x="34" y="114"/>
+                  </a:cubicBezTo>
+                  <a:cubicBezTo>
+                    <a:pt x="86" y="114"/>
+                    <a:pt x="86" y="114"/>
+                    <a:pt x="86" y="114"/>
+                  </a:cubicBezTo>
+                  <a:cubicBezTo>
+                    <a:pt x="157" y="114"/>
+                    <a:pt x="157" y="114"/>
+                    <a:pt x="157" y="114"/>
+                  </a:cubicBezTo>
+                  <a:cubicBezTo>
+                    <a:pt x="189" y="114"/>
+                    <a:pt x="214" y="89"/>
+                    <a:pt x="214" y="57"/>
+                  </a:cubicBezTo>
+                  <a:cubicBezTo>
+                    <a:pt x="214" y="25"/>
+                    <a:pt x="189" y="0"/>
+                    <a:pt x="157" y="0"/>
+                  </a:cubicBezTo>
+                  <a:close/>
+                </a:path>
+              </a:pathLst>
+            </a:custGeom>
+            <a:solidFill>
+              <a:schemeClr val="bg1"/>
+            </a:solidFill>
+            <a:ln>
+              <a:noFill/>
+            </a:ln>
+          </p:spPr>
+          <p:txBody>
+            <a:bodyPr vert="horz" wrap="square" lIns="91440" tIns="45720" rIns="91440" bIns="45720" numCol="1" anchor="t" anchorCtr="0" compatLnSpc="1">
+              <a:prstTxWarp prst="textNoShape">
+                <a:avLst/>
+              </a:prstTxWarp>
+            </a:bodyPr>
+            <a:lstStyle/>
+            <a:p>
+              <a:pPr marL="0" marR="0" lvl="0" indent="0" algn="l" defTabSz="914400" rtl="0" eaLnBrk="1" fontAlgn="auto" latinLnBrk="0" hangingPunct="1">
+                <a:lnSpc>
+                  <a:spcPct val="100000"/>
+                </a:lnSpc>
+                <a:spcBef>
+                  <a:spcPts val="0"/>
+                </a:spcBef>
+                <a:spcAft>
+                  <a:spcPts val="0"/>
+                </a:spcAft>
+                <a:buClrTx/>
+                <a:buSzTx/>
+                <a:buFontTx/>
+                <a:buNone/>
+                <a:tabLst/>
+                <a:defRPr/>
+              </a:pPr>
+              <a:endParaRPr kumimoji="0" lang="en-US" sz="1800" b="0" i="0" u="none" strike="noStrike" kern="1200" cap="none" spc="0" normalizeH="0" baseline="0" noProof="0">
+                <a:ln>
+                  <a:noFill/>
+                </a:ln>
+                <a:solidFill>
+                  <a:srgbClr val="00B0F0"/>
+                </a:solidFill>
+                <a:effectLst/>
+                <a:uLnTx/>
+                <a:uFillTx/>
+                <a:latin typeface="Segoe UI"/>
+                <a:ea typeface="+mn-ea"/>
+                <a:cs typeface="+mn-cs"/>
+              </a:endParaRPr>
+            </a:p>
+          </p:txBody>
+        </p:sp>
+      </p:grpSp>
+    </p:spTree>
+    <p:extLst>
+      <p:ext uri="{BB962C8B-B14F-4D97-AF65-F5344CB8AC3E}">
+        <p14:creationId xmlns:p14="http://schemas.microsoft.com/office/powerpoint/2010/main" val="3754980235"/>
+      </p:ext>
+    </p:extLst>
+  </p:cSld>
+  <p:clrMapOvr>
+    <a:masterClrMapping/>
+  </p:clrMapOvr>
+  <p:transition>
+    <p:fade/>
+  </p:transition>
+  <p:timing>
+    <p:tnLst>
+      <p:par>
+        <p:cTn id="1" dur="indefinite" restart="never" nodeType="tmRoot"/>
+      </p:par>
+    </p:tnLst>
+  </p:timing>
+</p:sldLayout>
+</file>
+
+<file path=ppt/slideLayouts/slideLayout74.xml><?xml version="1.0" encoding="utf-8"?>
+<p:sldLayout xmlns:a="http://schemas.openxmlformats.org/drawingml/2006/main" xmlns:r="http://schemas.openxmlformats.org/officeDocument/2006/relationships" xmlns:p="http://schemas.openxmlformats.org/presentationml/2006/main" userDrawn="1">
+  <p:cSld name="11_Title and Content">
+    <p:spTree>
+      <p:nvGrpSpPr>
+        <p:cNvPr id="1" name=""/>
+        <p:cNvGrpSpPr/>
+        <p:nvPr/>
+      </p:nvGrpSpPr>
+      <p:grpSpPr>
+        <a:xfrm>
+          <a:off x="0" y="0"/>
+          <a:ext cx="0" cy="0"/>
+          <a:chOff x="0" y="0"/>
+          <a:chExt cx="0" cy="0"/>
+        </a:xfrm>
+      </p:grpSpPr>
+      <p:sp>
+        <p:nvSpPr>
+          <p:cNvPr id="2" name="Title 1"/>
+          <p:cNvSpPr>
+            <a:spLocks noGrp="1"/>
+          </p:cNvSpPr>
+          <p:nvPr>
+            <p:ph type="title"/>
+          </p:nvPr>
+        </p:nvSpPr>
+        <p:spPr>
+          <a:xfrm>
+            <a:off x="519248" y="228601"/>
+            <a:ext cx="11151917" cy="747897"/>
+          </a:xfrm>
+        </p:spPr>
+        <p:txBody>
+          <a:bodyPr/>
+          <a:lstStyle>
+            <a:lvl1pPr>
+              <a:defRPr sz="5400"/>
+            </a:lvl1pPr>
+          </a:lstStyle>
+          <a:p>
+            <a:r>
+              <a:rPr lang="en-US" smtClean="0"/>
+              <a:t>Click to edit Master title style</a:t>
+            </a:r>
+            <a:endParaRPr lang="en-US" dirty="0"/>
+          </a:p>
+        </p:txBody>
+      </p:sp>
+      <p:sp>
+        <p:nvSpPr>
+          <p:cNvPr id="5" name="Text Placeholder 4"/>
+          <p:cNvSpPr>
+            <a:spLocks noGrp="1"/>
+          </p:cNvSpPr>
+          <p:nvPr>
+            <p:ph type="body" sz="quarter" idx="10"/>
+          </p:nvPr>
+        </p:nvSpPr>
+        <p:spPr>
+          <a:xfrm>
+            <a:off x="519248" y="1447800"/>
+            <a:ext cx="11151917" cy="946413"/>
+          </a:xfrm>
+        </p:spPr>
+        <p:txBody>
+          <a:bodyPr/>
+          <a:lstStyle>
+            <a:lvl1pPr marL="3175" indent="0">
+              <a:spcBef>
+                <a:spcPts val="0"/>
+              </a:spcBef>
+              <a:spcAft>
+                <a:spcPts val="900"/>
+              </a:spcAft>
+              <a:buSzPct val="80000"/>
+              <a:buFont typeface="Arial" pitchFamily="34" charset="0"/>
+              <a:buNone/>
+              <a:defRPr sz="4000" spc="-100" baseline="0">
+                <a:gradFill>
+                  <a:gsLst>
+                    <a:gs pos="0">
+                      <a:srgbClr val="595959"/>
+                    </a:gs>
+                    <a:gs pos="86000">
+                      <a:srgbClr val="595959"/>
+                    </a:gs>
+                  </a:gsLst>
+                  <a:lin ang="5400000" scaled="0"/>
+                </a:gradFill>
+                <a:latin typeface="Segoe UI Light" pitchFamily="34" charset="0"/>
+              </a:defRPr>
+            </a:lvl1pPr>
+            <a:lvl2pPr marL="3175" indent="0">
+              <a:spcBef>
+                <a:spcPts val="0"/>
+              </a:spcBef>
+              <a:buSzPct val="80000"/>
+              <a:buFont typeface="Arial" pitchFamily="34" charset="0"/>
+              <a:buNone/>
+              <a:defRPr sz="2000" spc="-50" baseline="0">
+                <a:gradFill>
+                  <a:gsLst>
+                    <a:gs pos="0">
+                      <a:srgbClr val="595959"/>
+                    </a:gs>
+                    <a:gs pos="86000">
+                      <a:srgbClr val="595959"/>
+                    </a:gs>
+                  </a:gsLst>
+                  <a:lin ang="5400000" scaled="0"/>
+                </a:gradFill>
+              </a:defRPr>
+            </a:lvl2pPr>
+            <a:lvl3pPr marL="1258888" indent="-403225">
+              <a:buSzPct val="80000"/>
+              <a:buFontTx/>
+              <a:buBlip>
+                <a:blip r:embed="rId2"/>
+              </a:buBlip>
+              <a:defRPr>
+                <a:gradFill>
+                  <a:gsLst>
+                    <a:gs pos="0">
+                      <a:schemeClr val="tx1">
+                        <a:lumMod val="90000"/>
+                        <a:lumOff val="10000"/>
+                      </a:schemeClr>
+                    </a:gs>
+                    <a:gs pos="86000">
+                      <a:schemeClr val="tx1">
+                        <a:lumMod val="90000"/>
+                        <a:lumOff val="10000"/>
+                      </a:schemeClr>
+                    </a:gs>
+                  </a:gsLst>
+                  <a:lin ang="5400000" scaled="0"/>
+                </a:gradFill>
+              </a:defRPr>
+            </a:lvl3pPr>
+            <a:lvl4pPr marL="1604963" indent="-346075">
+              <a:buSzPct val="80000"/>
+              <a:buFontTx/>
+              <a:buBlip>
+                <a:blip r:embed="rId2"/>
+              </a:buBlip>
+              <a:defRPr>
+                <a:gradFill>
+                  <a:gsLst>
+                    <a:gs pos="0">
+                      <a:schemeClr val="tx1">
+                        <a:lumMod val="90000"/>
+                        <a:lumOff val="10000"/>
+                      </a:schemeClr>
+                    </a:gs>
+                    <a:gs pos="86000">
+                      <a:schemeClr val="tx1">
+                        <a:lumMod val="90000"/>
+                        <a:lumOff val="10000"/>
+                      </a:schemeClr>
+                    </a:gs>
+                  </a:gsLst>
+                  <a:lin ang="5400000" scaled="0"/>
+                </a:gradFill>
+              </a:defRPr>
+            </a:lvl4pPr>
+            <a:lvl5pPr marL="1941513" indent="-336550">
+              <a:buSzPct val="80000"/>
+              <a:buFontTx/>
+              <a:buBlip>
+                <a:blip r:embed="rId2"/>
+              </a:buBlip>
+              <a:defRPr>
+                <a:gradFill>
+                  <a:gsLst>
+                    <a:gs pos="0">
+                      <a:schemeClr val="tx1">
+                        <a:lumMod val="90000"/>
+                        <a:lumOff val="10000"/>
+                      </a:schemeClr>
+                    </a:gs>
+                    <a:gs pos="86000">
+                      <a:schemeClr val="tx1">
+                        <a:lumMod val="90000"/>
+                        <a:lumOff val="10000"/>
+                      </a:schemeClr>
+                    </a:gs>
+                  </a:gsLst>
+                  <a:lin ang="5400000" scaled="0"/>
+                </a:gradFill>
+              </a:defRPr>
+            </a:lvl5pPr>
+          </a:lstStyle>
+          <a:p>
+            <a:pPr lvl="0"/>
+            <a:r>
+              <a:rPr lang="en-US" smtClean="0"/>
+              <a:t>Click to edit Master text styles</a:t>
+            </a:r>
+          </a:p>
+          <a:p>
+            <a:pPr lvl="1"/>
+            <a:r>
+              <a:rPr lang="en-US" smtClean="0"/>
+              <a:t>Second level</a:t>
+            </a:r>
+          </a:p>
+        </p:txBody>
+      </p:sp>
+    </p:spTree>
+    <p:extLst>
+      <p:ext uri="{BB962C8B-B14F-4D97-AF65-F5344CB8AC3E}">
+        <p14:creationId xmlns:p14="http://schemas.microsoft.com/office/powerpoint/2010/main" val="229944289"/>
+      </p:ext>
+    </p:extLst>
+  </p:cSld>
+  <p:clrMapOvr>
+    <a:masterClrMapping/>
+  </p:clrMapOvr>
+  <p:transition>
+    <p:fade/>
+  </p:transition>
   <p:timing>
     <p:tnLst>
       <p:par>
@@ -27148,6 +31838,1097 @@
 </p:sldMaster>
 </file>
 
+<file path=ppt/slideMasters/slideMaster8.xml><?xml version="1.0" encoding="utf-8"?>
+<p:sldMaster xmlns:a="http://schemas.openxmlformats.org/drawingml/2006/main" xmlns:r="http://schemas.openxmlformats.org/officeDocument/2006/relationships" xmlns:p="http://schemas.openxmlformats.org/presentationml/2006/main">
+  <p:cSld>
+    <p:bg>
+      <p:bgPr>
+        <a:solidFill>
+          <a:srgbClr val="0171B0"/>
+        </a:solidFill>
+        <a:effectLst/>
+      </p:bgPr>
+    </p:bg>
+    <p:spTree>
+      <p:nvGrpSpPr>
+        <p:cNvPr id="1" name=""/>
+        <p:cNvGrpSpPr/>
+        <p:nvPr/>
+      </p:nvGrpSpPr>
+      <p:grpSpPr>
+        <a:xfrm>
+          <a:off x="0" y="0"/>
+          <a:ext cx="0" cy="0"/>
+          <a:chOff x="0" y="0"/>
+          <a:chExt cx="0" cy="0"/>
+        </a:xfrm>
+      </p:grpSpPr>
+      <p:sp>
+        <p:nvSpPr>
+          <p:cNvPr id="2" name="Title Placeholder 1"/>
+          <p:cNvSpPr>
+            <a:spLocks noGrp="1"/>
+          </p:cNvSpPr>
+          <p:nvPr>
+            <p:ph type="title"/>
+          </p:nvPr>
+        </p:nvSpPr>
+        <p:spPr>
+          <a:xfrm>
+            <a:off x="560798" y="416496"/>
+            <a:ext cx="11079822" cy="1325563"/>
+          </a:xfrm>
+          <a:prstGeom prst="rect">
+            <a:avLst/>
+          </a:prstGeom>
+        </p:spPr>
+        <p:txBody>
+          <a:bodyPr vert="horz" lIns="91440" tIns="45720" rIns="91440" bIns="45720" rtlCol="0" anchor="ctr">
+            <a:normAutofit/>
+          </a:bodyPr>
+          <a:lstStyle/>
+          <a:p>
+            <a:r>
+              <a:rPr lang="en-US" dirty="0" smtClean="0"/>
+              <a:t>Click to edit Master title style</a:t>
+            </a:r>
+            <a:endParaRPr lang="en-US" dirty="0"/>
+          </a:p>
+        </p:txBody>
+      </p:sp>
+      <p:sp>
+        <p:nvSpPr>
+          <p:cNvPr id="3" name="Text Placeholder 2"/>
+          <p:cNvSpPr>
+            <a:spLocks noGrp="1"/>
+          </p:cNvSpPr>
+          <p:nvPr>
+            <p:ph type="body" idx="1"/>
+          </p:nvPr>
+        </p:nvSpPr>
+        <p:spPr>
+          <a:xfrm>
+            <a:off x="560798" y="1876996"/>
+            <a:ext cx="11079822" cy="4215579"/>
+          </a:xfrm>
+          <a:prstGeom prst="rect">
+            <a:avLst/>
+          </a:prstGeom>
+        </p:spPr>
+        <p:txBody>
+          <a:bodyPr vert="horz" lIns="91440" tIns="45720" rIns="91440" bIns="45720" rtlCol="0">
+            <a:normAutofit/>
+          </a:bodyPr>
+          <a:lstStyle/>
+          <a:p>
+            <a:pPr lvl="0"/>
+            <a:r>
+              <a:rPr lang="en-US" dirty="0" smtClean="0"/>
+              <a:t>Click to edit Master text styles</a:t>
+            </a:r>
+          </a:p>
+          <a:p>
+            <a:pPr lvl="1"/>
+            <a:r>
+              <a:rPr lang="en-US" dirty="0" smtClean="0"/>
+              <a:t>Second level</a:t>
+            </a:r>
+          </a:p>
+          <a:p>
+            <a:pPr lvl="2"/>
+            <a:r>
+              <a:rPr lang="en-US" dirty="0" smtClean="0"/>
+              <a:t>Third level</a:t>
+            </a:r>
+          </a:p>
+          <a:p>
+            <a:pPr lvl="3"/>
+            <a:r>
+              <a:rPr lang="en-US" dirty="0" smtClean="0"/>
+              <a:t>Fourth level</a:t>
+            </a:r>
+          </a:p>
+          <a:p>
+            <a:pPr lvl="4"/>
+            <a:r>
+              <a:rPr lang="en-US" dirty="0" smtClean="0"/>
+              <a:t>Fifth level</a:t>
+            </a:r>
+            <a:endParaRPr lang="en-US" dirty="0"/>
+          </a:p>
+        </p:txBody>
+      </p:sp>
+      <p:pic>
+        <p:nvPicPr>
+          <p:cNvPr id="7" name="Picture 6"/>
+          <p:cNvPicPr>
+            <a:picLocks noChangeAspect="1"/>
+          </p:cNvPicPr>
+          <p:nvPr userDrawn="1"/>
+        </p:nvPicPr>
+        <p:blipFill>
+          <a:blip r:embed="rId17" cstate="print">
+            <a:extLst>
+              <a:ext uri="{28A0092B-C50C-407E-A947-70E740481C1C}">
+                <a14:useLocalDpi xmlns:a14="http://schemas.microsoft.com/office/drawing/2010/main" val="0"/>
+              </a:ext>
+            </a:extLst>
+          </a:blip>
+          <a:stretch>
+            <a:fillRect/>
+          </a:stretch>
+        </p:blipFill>
+        <p:spPr>
+          <a:xfrm>
+            <a:off x="448633" y="-1916710"/>
+            <a:ext cx="1916710" cy="1916710"/>
+          </a:xfrm>
+          <a:prstGeom prst="rect">
+            <a:avLst/>
+          </a:prstGeom>
+        </p:spPr>
+      </p:pic>
+      <p:sp>
+        <p:nvSpPr>
+          <p:cNvPr id="8" name="Rectangle 7"/>
+          <p:cNvSpPr/>
+          <p:nvPr userDrawn="1"/>
+        </p:nvSpPr>
+        <p:spPr>
+          <a:xfrm>
+            <a:off x="2516172" y="-1299953"/>
+            <a:ext cx="848413" cy="683197"/>
+          </a:xfrm>
+          <a:prstGeom prst="rect">
+            <a:avLst/>
+          </a:prstGeom>
+          <a:solidFill>
+            <a:srgbClr val="289FD7"/>
+          </a:solidFill>
+          <a:ln>
+            <a:noFill/>
+          </a:ln>
+        </p:spPr>
+        <p:style>
+          <a:lnRef idx="2">
+            <a:schemeClr val="accent1">
+              <a:shade val="50000"/>
+            </a:schemeClr>
+          </a:lnRef>
+          <a:fillRef idx="1">
+            <a:schemeClr val="accent1"/>
+          </a:fillRef>
+          <a:effectRef idx="0">
+            <a:schemeClr val="accent1"/>
+          </a:effectRef>
+          <a:fontRef idx="minor">
+            <a:schemeClr val="lt1"/>
+          </a:fontRef>
+        </p:style>
+        <p:txBody>
+          <a:bodyPr rtlCol="0" anchor="ctr"/>
+          <a:lstStyle/>
+          <a:p>
+            <a:pPr marL="0" marR="0" lvl="0" indent="0" algn="ctr" defTabSz="914400" rtl="0" eaLnBrk="1" fontAlgn="auto" latinLnBrk="0" hangingPunct="1">
+              <a:lnSpc>
+                <a:spcPct val="100000"/>
+              </a:lnSpc>
+              <a:spcBef>
+                <a:spcPts val="0"/>
+              </a:spcBef>
+              <a:spcAft>
+                <a:spcPts val="0"/>
+              </a:spcAft>
+              <a:buClrTx/>
+              <a:buSzTx/>
+              <a:buFontTx/>
+              <a:buNone/>
+              <a:tabLst/>
+              <a:defRPr/>
+            </a:pPr>
+            <a:endParaRPr kumimoji="0" lang="en-US" sz="1800" b="0" i="0" u="none" strike="noStrike" kern="1200" cap="none" spc="0" normalizeH="0" baseline="0" noProof="0">
+              <a:ln>
+                <a:noFill/>
+              </a:ln>
+              <a:solidFill>
+                <a:srgbClr val="FFFFFF"/>
+              </a:solidFill>
+              <a:effectLst/>
+              <a:uLnTx/>
+              <a:uFillTx/>
+              <a:latin typeface="Segoe UI"/>
+              <a:ea typeface="+mn-ea"/>
+              <a:cs typeface="+mn-cs"/>
+            </a:endParaRPr>
+          </a:p>
+        </p:txBody>
+      </p:sp>
+      <p:sp>
+        <p:nvSpPr>
+          <p:cNvPr id="9" name="Rectangle 8"/>
+          <p:cNvSpPr/>
+          <p:nvPr userDrawn="1"/>
+        </p:nvSpPr>
+        <p:spPr>
+          <a:xfrm>
+            <a:off x="3468279" y="-1299953"/>
+            <a:ext cx="848413" cy="683197"/>
+          </a:xfrm>
+          <a:prstGeom prst="rect">
+            <a:avLst/>
+          </a:prstGeom>
+          <a:solidFill>
+            <a:srgbClr val="80B940"/>
+          </a:solidFill>
+          <a:ln>
+            <a:noFill/>
+          </a:ln>
+        </p:spPr>
+        <p:style>
+          <a:lnRef idx="2">
+            <a:schemeClr val="accent1">
+              <a:shade val="50000"/>
+            </a:schemeClr>
+          </a:lnRef>
+          <a:fillRef idx="1">
+            <a:schemeClr val="accent1"/>
+          </a:fillRef>
+          <a:effectRef idx="0">
+            <a:schemeClr val="accent1"/>
+          </a:effectRef>
+          <a:fontRef idx="minor">
+            <a:schemeClr val="lt1"/>
+          </a:fontRef>
+        </p:style>
+        <p:txBody>
+          <a:bodyPr rtlCol="0" anchor="ctr"/>
+          <a:lstStyle/>
+          <a:p>
+            <a:pPr marL="0" marR="0" lvl="0" indent="0" algn="ctr" defTabSz="914400" rtl="0" eaLnBrk="1" fontAlgn="auto" latinLnBrk="0" hangingPunct="1">
+              <a:lnSpc>
+                <a:spcPct val="100000"/>
+              </a:lnSpc>
+              <a:spcBef>
+                <a:spcPts val="0"/>
+              </a:spcBef>
+              <a:spcAft>
+                <a:spcPts val="0"/>
+              </a:spcAft>
+              <a:buClrTx/>
+              <a:buSzTx/>
+              <a:buFontTx/>
+              <a:buNone/>
+              <a:tabLst/>
+              <a:defRPr/>
+            </a:pPr>
+            <a:endParaRPr kumimoji="0" lang="en-US" sz="1800" b="0" i="0" u="none" strike="noStrike" kern="1200" cap="none" spc="0" normalizeH="0" baseline="0" noProof="0">
+              <a:ln>
+                <a:noFill/>
+              </a:ln>
+              <a:solidFill>
+                <a:srgbClr val="FFFFFF"/>
+              </a:solidFill>
+              <a:effectLst/>
+              <a:uLnTx/>
+              <a:uFillTx/>
+              <a:latin typeface="Segoe UI"/>
+              <a:ea typeface="+mn-ea"/>
+              <a:cs typeface="+mn-cs"/>
+            </a:endParaRPr>
+          </a:p>
+        </p:txBody>
+      </p:sp>
+      <p:sp>
+        <p:nvSpPr>
+          <p:cNvPr id="10" name="Rectangle 9"/>
+          <p:cNvSpPr/>
+          <p:nvPr userDrawn="1"/>
+        </p:nvSpPr>
+        <p:spPr>
+          <a:xfrm>
+            <a:off x="4467521" y="-1299953"/>
+            <a:ext cx="848413" cy="683197"/>
+          </a:xfrm>
+          <a:prstGeom prst="rect">
+            <a:avLst/>
+          </a:prstGeom>
+          <a:solidFill>
+            <a:srgbClr val="3C454F"/>
+          </a:solidFill>
+          <a:ln>
+            <a:noFill/>
+          </a:ln>
+        </p:spPr>
+        <p:style>
+          <a:lnRef idx="2">
+            <a:schemeClr val="accent1">
+              <a:shade val="50000"/>
+            </a:schemeClr>
+          </a:lnRef>
+          <a:fillRef idx="1">
+            <a:schemeClr val="accent1"/>
+          </a:fillRef>
+          <a:effectRef idx="0">
+            <a:schemeClr val="accent1"/>
+          </a:effectRef>
+          <a:fontRef idx="minor">
+            <a:schemeClr val="lt1"/>
+          </a:fontRef>
+        </p:style>
+        <p:txBody>
+          <a:bodyPr rtlCol="0" anchor="ctr"/>
+          <a:lstStyle/>
+          <a:p>
+            <a:pPr marL="0" marR="0" lvl="0" indent="0" algn="ctr" defTabSz="914400" rtl="0" eaLnBrk="1" fontAlgn="auto" latinLnBrk="0" hangingPunct="1">
+              <a:lnSpc>
+                <a:spcPct val="100000"/>
+              </a:lnSpc>
+              <a:spcBef>
+                <a:spcPts val="0"/>
+              </a:spcBef>
+              <a:spcAft>
+                <a:spcPts val="0"/>
+              </a:spcAft>
+              <a:buClrTx/>
+              <a:buSzTx/>
+              <a:buFontTx/>
+              <a:buNone/>
+              <a:tabLst/>
+              <a:defRPr/>
+            </a:pPr>
+            <a:endParaRPr kumimoji="0" lang="en-US" sz="1800" b="0" i="0" u="none" strike="noStrike" kern="1200" cap="none" spc="0" normalizeH="0" baseline="0" noProof="0">
+              <a:ln>
+                <a:noFill/>
+              </a:ln>
+              <a:solidFill>
+                <a:srgbClr val="FFFFFF"/>
+              </a:solidFill>
+              <a:effectLst/>
+              <a:uLnTx/>
+              <a:uFillTx/>
+              <a:latin typeface="Segoe UI"/>
+              <a:ea typeface="+mn-ea"/>
+              <a:cs typeface="+mn-cs"/>
+            </a:endParaRPr>
+          </a:p>
+        </p:txBody>
+      </p:sp>
+      <p:sp>
+        <p:nvSpPr>
+          <p:cNvPr id="11" name="Rectangle 10"/>
+          <p:cNvSpPr/>
+          <p:nvPr userDrawn="1"/>
+        </p:nvSpPr>
+        <p:spPr>
+          <a:xfrm>
+            <a:off x="5400774" y="-1299953"/>
+            <a:ext cx="848413" cy="683197"/>
+          </a:xfrm>
+          <a:prstGeom prst="rect">
+            <a:avLst/>
+          </a:prstGeom>
+          <a:solidFill>
+            <a:srgbClr val="E34F24"/>
+          </a:solidFill>
+          <a:ln>
+            <a:noFill/>
+          </a:ln>
+        </p:spPr>
+        <p:style>
+          <a:lnRef idx="2">
+            <a:schemeClr val="accent1">
+              <a:shade val="50000"/>
+            </a:schemeClr>
+          </a:lnRef>
+          <a:fillRef idx="1">
+            <a:schemeClr val="accent1"/>
+          </a:fillRef>
+          <a:effectRef idx="0">
+            <a:schemeClr val="accent1"/>
+          </a:effectRef>
+          <a:fontRef idx="minor">
+            <a:schemeClr val="lt1"/>
+          </a:fontRef>
+        </p:style>
+        <p:txBody>
+          <a:bodyPr rtlCol="0" anchor="ctr"/>
+          <a:lstStyle/>
+          <a:p>
+            <a:pPr marL="0" marR="0" lvl="0" indent="0" algn="ctr" defTabSz="914400" rtl="0" eaLnBrk="1" fontAlgn="auto" latinLnBrk="0" hangingPunct="1">
+              <a:lnSpc>
+                <a:spcPct val="100000"/>
+              </a:lnSpc>
+              <a:spcBef>
+                <a:spcPts val="0"/>
+              </a:spcBef>
+              <a:spcAft>
+                <a:spcPts val="0"/>
+              </a:spcAft>
+              <a:buClrTx/>
+              <a:buSzTx/>
+              <a:buFontTx/>
+              <a:buNone/>
+              <a:tabLst/>
+              <a:defRPr/>
+            </a:pPr>
+            <a:endParaRPr kumimoji="0" lang="en-US" sz="1800" b="0" i="0" u="none" strike="noStrike" kern="1200" cap="none" spc="0" normalizeH="0" baseline="0" noProof="0">
+              <a:ln>
+                <a:noFill/>
+              </a:ln>
+              <a:solidFill>
+                <a:srgbClr val="FFFFFF"/>
+              </a:solidFill>
+              <a:effectLst/>
+              <a:uLnTx/>
+              <a:uFillTx/>
+              <a:latin typeface="Segoe UI"/>
+              <a:ea typeface="+mn-ea"/>
+              <a:cs typeface="+mn-cs"/>
+            </a:endParaRPr>
+          </a:p>
+        </p:txBody>
+      </p:sp>
+      <p:sp>
+        <p:nvSpPr>
+          <p:cNvPr id="12" name="Rectangle 11"/>
+          <p:cNvSpPr/>
+          <p:nvPr userDrawn="1"/>
+        </p:nvSpPr>
+        <p:spPr>
+          <a:xfrm>
+            <a:off x="6334027" y="-1299953"/>
+            <a:ext cx="848413" cy="683197"/>
+          </a:xfrm>
+          <a:prstGeom prst="rect">
+            <a:avLst/>
+          </a:prstGeom>
+          <a:solidFill>
+            <a:srgbClr val="0171B0"/>
+          </a:solidFill>
+          <a:ln>
+            <a:noFill/>
+          </a:ln>
+        </p:spPr>
+        <p:style>
+          <a:lnRef idx="2">
+            <a:schemeClr val="accent1">
+              <a:shade val="50000"/>
+            </a:schemeClr>
+          </a:lnRef>
+          <a:fillRef idx="1">
+            <a:schemeClr val="accent1"/>
+          </a:fillRef>
+          <a:effectRef idx="0">
+            <a:schemeClr val="accent1"/>
+          </a:effectRef>
+          <a:fontRef idx="minor">
+            <a:schemeClr val="lt1"/>
+          </a:fontRef>
+        </p:style>
+        <p:txBody>
+          <a:bodyPr rtlCol="0" anchor="ctr"/>
+          <a:lstStyle/>
+          <a:p>
+            <a:pPr marL="0" marR="0" lvl="0" indent="0" algn="ctr" defTabSz="914400" rtl="0" eaLnBrk="1" fontAlgn="auto" latinLnBrk="0" hangingPunct="1">
+              <a:lnSpc>
+                <a:spcPct val="100000"/>
+              </a:lnSpc>
+              <a:spcBef>
+                <a:spcPts val="0"/>
+              </a:spcBef>
+              <a:spcAft>
+                <a:spcPts val="0"/>
+              </a:spcAft>
+              <a:buClrTx/>
+              <a:buSzTx/>
+              <a:buFontTx/>
+              <a:buNone/>
+              <a:tabLst/>
+              <a:defRPr/>
+            </a:pPr>
+            <a:endParaRPr kumimoji="0" lang="en-US" sz="1800" b="0" i="0" u="none" strike="noStrike" kern="1200" cap="none" spc="0" normalizeH="0" baseline="0" noProof="0">
+              <a:ln>
+                <a:noFill/>
+              </a:ln>
+              <a:solidFill>
+                <a:srgbClr val="FFFFFF"/>
+              </a:solidFill>
+              <a:effectLst/>
+              <a:uLnTx/>
+              <a:uFillTx/>
+              <a:latin typeface="Segoe UI"/>
+              <a:ea typeface="+mn-ea"/>
+              <a:cs typeface="+mn-cs"/>
+            </a:endParaRPr>
+          </a:p>
+        </p:txBody>
+      </p:sp>
+      <p:sp>
+        <p:nvSpPr>
+          <p:cNvPr id="13" name="Rectangle 12"/>
+          <p:cNvSpPr/>
+          <p:nvPr userDrawn="1"/>
+        </p:nvSpPr>
+        <p:spPr>
+          <a:xfrm>
+            <a:off x="7304987" y="-1299953"/>
+            <a:ext cx="848413" cy="683197"/>
+          </a:xfrm>
+          <a:prstGeom prst="rect">
+            <a:avLst/>
+          </a:prstGeom>
+          <a:solidFill>
+            <a:srgbClr val="1D4380"/>
+          </a:solidFill>
+          <a:ln>
+            <a:noFill/>
+          </a:ln>
+        </p:spPr>
+        <p:style>
+          <a:lnRef idx="2">
+            <a:schemeClr val="accent1">
+              <a:shade val="50000"/>
+            </a:schemeClr>
+          </a:lnRef>
+          <a:fillRef idx="1">
+            <a:schemeClr val="accent1"/>
+          </a:fillRef>
+          <a:effectRef idx="0">
+            <a:schemeClr val="accent1"/>
+          </a:effectRef>
+          <a:fontRef idx="minor">
+            <a:schemeClr val="lt1"/>
+          </a:fontRef>
+        </p:style>
+        <p:txBody>
+          <a:bodyPr rtlCol="0" anchor="ctr"/>
+          <a:lstStyle/>
+          <a:p>
+            <a:pPr marL="0" marR="0" lvl="0" indent="0" algn="ctr" defTabSz="914400" rtl="0" eaLnBrk="1" fontAlgn="auto" latinLnBrk="0" hangingPunct="1">
+              <a:lnSpc>
+                <a:spcPct val="100000"/>
+              </a:lnSpc>
+              <a:spcBef>
+                <a:spcPts val="0"/>
+              </a:spcBef>
+              <a:spcAft>
+                <a:spcPts val="0"/>
+              </a:spcAft>
+              <a:buClrTx/>
+              <a:buSzTx/>
+              <a:buFontTx/>
+              <a:buNone/>
+              <a:tabLst/>
+              <a:defRPr/>
+            </a:pPr>
+            <a:endParaRPr kumimoji="0" lang="en-US" sz="1800" b="0" i="0" u="none" strike="noStrike" kern="1200" cap="none" spc="0" normalizeH="0" baseline="0" noProof="0">
+              <a:ln>
+                <a:noFill/>
+              </a:ln>
+              <a:solidFill>
+                <a:srgbClr val="FFFFFF"/>
+              </a:solidFill>
+              <a:effectLst/>
+              <a:uLnTx/>
+              <a:uFillTx/>
+              <a:latin typeface="Segoe UI"/>
+              <a:ea typeface="+mn-ea"/>
+              <a:cs typeface="+mn-cs"/>
+            </a:endParaRPr>
+          </a:p>
+        </p:txBody>
+      </p:sp>
+      <p:sp>
+        <p:nvSpPr>
+          <p:cNvPr id="15" name="Rectangle 14"/>
+          <p:cNvSpPr/>
+          <p:nvPr userDrawn="1"/>
+        </p:nvSpPr>
+        <p:spPr>
+          <a:xfrm>
+            <a:off x="1" y="0"/>
+            <a:ext cx="123290" cy="6858000"/>
+          </a:xfrm>
+          <a:prstGeom prst="rect">
+            <a:avLst/>
+          </a:prstGeom>
+          <a:solidFill>
+            <a:srgbClr val="289FD7"/>
+          </a:solidFill>
+          <a:ln>
+            <a:noFill/>
+          </a:ln>
+        </p:spPr>
+        <p:style>
+          <a:lnRef idx="2">
+            <a:schemeClr val="accent1">
+              <a:shade val="50000"/>
+            </a:schemeClr>
+          </a:lnRef>
+          <a:fillRef idx="1">
+            <a:schemeClr val="accent1"/>
+          </a:fillRef>
+          <a:effectRef idx="0">
+            <a:schemeClr val="accent1"/>
+          </a:effectRef>
+          <a:fontRef idx="minor">
+            <a:schemeClr val="lt1"/>
+          </a:fontRef>
+        </p:style>
+        <p:txBody>
+          <a:bodyPr rtlCol="0" anchor="ctr"/>
+          <a:lstStyle/>
+          <a:p>
+            <a:pPr marL="0" marR="0" lvl="0" indent="0" algn="ctr" defTabSz="914400" rtl="0" eaLnBrk="1" fontAlgn="auto" latinLnBrk="0" hangingPunct="1">
+              <a:lnSpc>
+                <a:spcPct val="100000"/>
+              </a:lnSpc>
+              <a:spcBef>
+                <a:spcPts val="0"/>
+              </a:spcBef>
+              <a:spcAft>
+                <a:spcPts val="0"/>
+              </a:spcAft>
+              <a:buClrTx/>
+              <a:buSzTx/>
+              <a:buFontTx/>
+              <a:buNone/>
+              <a:tabLst/>
+              <a:defRPr/>
+            </a:pPr>
+            <a:endParaRPr kumimoji="0" lang="en-US" sz="1800" b="0" i="0" u="none" strike="noStrike" kern="1200" cap="none" spc="0" normalizeH="0" baseline="0" noProof="0">
+              <a:ln>
+                <a:noFill/>
+              </a:ln>
+              <a:solidFill>
+                <a:srgbClr val="FFFFFF"/>
+              </a:solidFill>
+              <a:effectLst/>
+              <a:uLnTx/>
+              <a:uFillTx/>
+              <a:latin typeface="Segoe UI"/>
+              <a:ea typeface="+mn-ea"/>
+              <a:cs typeface="+mn-cs"/>
+            </a:endParaRPr>
+          </a:p>
+        </p:txBody>
+      </p:sp>
+      <p:sp>
+        <p:nvSpPr>
+          <p:cNvPr id="18" name="Slide Number Placeholder 17"/>
+          <p:cNvSpPr>
+            <a:spLocks noGrp="1"/>
+          </p:cNvSpPr>
+          <p:nvPr>
+            <p:ph type="sldNum" sz="quarter" idx="4"/>
+          </p:nvPr>
+        </p:nvSpPr>
+        <p:spPr>
+          <a:xfrm>
+            <a:off x="8897420" y="6274158"/>
+            <a:ext cx="2743200" cy="365125"/>
+          </a:xfrm>
+          <a:prstGeom prst="rect">
+            <a:avLst/>
+          </a:prstGeom>
+        </p:spPr>
+        <p:txBody>
+          <a:bodyPr vert="horz" lIns="91440" tIns="45720" rIns="91440" bIns="45720" rtlCol="0" anchor="ctr"/>
+          <a:lstStyle>
+            <a:lvl1pPr algn="r">
+              <a:defRPr sz="2000">
+                <a:solidFill>
+                  <a:srgbClr val="289FD7"/>
+                </a:solidFill>
+                <a:latin typeface="+mj-lt"/>
+              </a:defRPr>
+            </a:lvl1pPr>
+          </a:lstStyle>
+          <a:p>
+            <a:pPr marL="0" marR="0" lvl="0" indent="0" algn="r" defTabSz="914400" rtl="0" eaLnBrk="1" fontAlgn="auto" latinLnBrk="0" hangingPunct="1">
+              <a:lnSpc>
+                <a:spcPct val="100000"/>
+              </a:lnSpc>
+              <a:spcBef>
+                <a:spcPts val="0"/>
+              </a:spcBef>
+              <a:spcAft>
+                <a:spcPts val="0"/>
+              </a:spcAft>
+              <a:buClrTx/>
+              <a:buSzTx/>
+              <a:buFontTx/>
+              <a:buNone/>
+              <a:tabLst/>
+              <a:defRPr/>
+            </a:pPr>
+            <a:fld id="{0D099E2A-118A-4377-8F98-2DF40BCBA9FE}" type="slidenum">
+              <a:rPr kumimoji="0" lang="en-US" sz="2000" b="0" i="0" u="none" strike="noStrike" kern="1200" cap="none" spc="0" normalizeH="0" baseline="0" noProof="0" smtClean="0">
+                <a:ln>
+                  <a:noFill/>
+                </a:ln>
+                <a:solidFill>
+                  <a:srgbClr val="289FD7"/>
+                </a:solidFill>
+                <a:effectLst/>
+                <a:uLnTx/>
+                <a:uFillTx/>
+                <a:latin typeface="Segoe UI Light"/>
+                <a:ea typeface="+mn-ea"/>
+                <a:cs typeface="+mn-cs"/>
+              </a:rPr>
+              <a:pPr marL="0" marR="0" lvl="0" indent="0" algn="r" defTabSz="914400" rtl="0" eaLnBrk="1" fontAlgn="auto" latinLnBrk="0" hangingPunct="1">
+                <a:lnSpc>
+                  <a:spcPct val="100000"/>
+                </a:lnSpc>
+                <a:spcBef>
+                  <a:spcPts val="0"/>
+                </a:spcBef>
+                <a:spcAft>
+                  <a:spcPts val="0"/>
+                </a:spcAft>
+                <a:buClrTx/>
+                <a:buSzTx/>
+                <a:buFontTx/>
+                <a:buNone/>
+                <a:tabLst/>
+                <a:defRPr/>
+              </a:pPr>
+              <a:t>‹#›</a:t>
+            </a:fld>
+            <a:endParaRPr kumimoji="0" lang="en-US" sz="2000" b="0" i="0" u="none" strike="noStrike" kern="1200" cap="none" spc="0" normalizeH="0" baseline="0" noProof="0">
+              <a:ln>
+                <a:noFill/>
+              </a:ln>
+              <a:solidFill>
+                <a:srgbClr val="289FD7"/>
+              </a:solidFill>
+              <a:effectLst/>
+              <a:uLnTx/>
+              <a:uFillTx/>
+              <a:latin typeface="Segoe UI Light"/>
+              <a:ea typeface="+mn-ea"/>
+              <a:cs typeface="+mn-cs"/>
+            </a:endParaRPr>
+          </a:p>
+        </p:txBody>
+      </p:sp>
+    </p:spTree>
+    <p:extLst>
+      <p:ext uri="{BB962C8B-B14F-4D97-AF65-F5344CB8AC3E}">
+        <p14:creationId xmlns:p14="http://schemas.microsoft.com/office/powerpoint/2010/main" val="3001017036"/>
+      </p:ext>
+    </p:extLst>
+  </p:cSld>
+  <p:clrMap bg1="lt1" tx1="dk1" bg2="lt2" tx2="dk2" accent1="accent1" accent2="accent2" accent3="accent3" accent4="accent4" accent5="accent5" accent6="accent6" hlink="hlink" folHlink="folHlink"/>
+  <p:sldLayoutIdLst>
+    <p:sldLayoutId id="2147483791" r:id="rId1"/>
+    <p:sldLayoutId id="2147483792" r:id="rId2"/>
+    <p:sldLayoutId id="2147483793" r:id="rId3"/>
+    <p:sldLayoutId id="2147483794" r:id="rId4"/>
+    <p:sldLayoutId id="2147483795" r:id="rId5"/>
+    <p:sldLayoutId id="2147483796" r:id="rId6"/>
+    <p:sldLayoutId id="2147483797" r:id="rId7"/>
+    <p:sldLayoutId id="2147483798" r:id="rId8"/>
+    <p:sldLayoutId id="2147483799" r:id="rId9"/>
+    <p:sldLayoutId id="2147483800" r:id="rId10"/>
+    <p:sldLayoutId id="2147483801" r:id="rId11"/>
+    <p:sldLayoutId id="2147483802" r:id="rId12"/>
+    <p:sldLayoutId id="2147483803" r:id="rId13"/>
+    <p:sldLayoutId id="2147483804" r:id="rId14"/>
+    <p:sldLayoutId id="2147483805" r:id="rId15"/>
+  </p:sldLayoutIdLst>
+  <p:timing>
+    <p:tnLst>
+      <p:par>
+        <p:cTn id="1" dur="indefinite" restart="never" nodeType="tmRoot"/>
+      </p:par>
+    </p:tnLst>
+  </p:timing>
+  <p:hf hdr="0" ftr="0" dt="0"/>
+  <p:txStyles>
+    <p:titleStyle>
+      <a:lvl1pPr algn="l" defTabSz="914400" rtl="0" eaLnBrk="1" latinLnBrk="0" hangingPunct="1">
+        <a:lnSpc>
+          <a:spcPct val="90000"/>
+        </a:lnSpc>
+        <a:spcBef>
+          <a:spcPct val="0"/>
+        </a:spcBef>
+        <a:buNone/>
+        <a:defRPr sz="5400" kern="1200">
+          <a:solidFill>
+            <a:schemeClr val="bg1"/>
+          </a:solidFill>
+          <a:latin typeface="+mj-lt"/>
+          <a:ea typeface="+mj-ea"/>
+          <a:cs typeface="+mj-cs"/>
+        </a:defRPr>
+      </a:lvl1pPr>
+    </p:titleStyle>
+    <p:bodyStyle>
+      <a:lvl1pPr marL="228600" indent="-228600" algn="l" defTabSz="914400" rtl="0" eaLnBrk="1" latinLnBrk="0" hangingPunct="1">
+        <a:lnSpc>
+          <a:spcPct val="90000"/>
+        </a:lnSpc>
+        <a:spcBef>
+          <a:spcPts val="1000"/>
+        </a:spcBef>
+        <a:buFont typeface="Arial" panose="020B0604020202020204" pitchFamily="34" charset="0"/>
+        <a:buChar char="•"/>
+        <a:defRPr sz="3600" kern="1200">
+          <a:solidFill>
+            <a:schemeClr val="bg1"/>
+          </a:solidFill>
+          <a:latin typeface="+mn-lt"/>
+          <a:ea typeface="+mn-ea"/>
+          <a:cs typeface="+mn-cs"/>
+        </a:defRPr>
+      </a:lvl1pPr>
+      <a:lvl2pPr marL="685800" indent="-228600" algn="l" defTabSz="914400" rtl="0" eaLnBrk="1" latinLnBrk="0" hangingPunct="1">
+        <a:lnSpc>
+          <a:spcPct val="90000"/>
+        </a:lnSpc>
+        <a:spcBef>
+          <a:spcPts val="500"/>
+        </a:spcBef>
+        <a:buFont typeface="Arial" panose="020B0604020202020204" pitchFamily="34" charset="0"/>
+        <a:buChar char="•"/>
+        <a:defRPr sz="3200" kern="1200">
+          <a:solidFill>
+            <a:schemeClr val="bg1"/>
+          </a:solidFill>
+          <a:latin typeface="+mn-lt"/>
+          <a:ea typeface="+mn-ea"/>
+          <a:cs typeface="+mn-cs"/>
+        </a:defRPr>
+      </a:lvl2pPr>
+      <a:lvl3pPr marL="1143000" indent="-228600" algn="l" defTabSz="914400" rtl="0" eaLnBrk="1" latinLnBrk="0" hangingPunct="1">
+        <a:lnSpc>
+          <a:spcPct val="90000"/>
+        </a:lnSpc>
+        <a:spcBef>
+          <a:spcPts val="500"/>
+        </a:spcBef>
+        <a:buFont typeface="Arial" panose="020B0604020202020204" pitchFamily="34" charset="0"/>
+        <a:buChar char="•"/>
+        <a:defRPr sz="2800" kern="1200">
+          <a:solidFill>
+            <a:schemeClr val="bg1"/>
+          </a:solidFill>
+          <a:latin typeface="+mn-lt"/>
+          <a:ea typeface="+mn-ea"/>
+          <a:cs typeface="+mn-cs"/>
+        </a:defRPr>
+      </a:lvl3pPr>
+      <a:lvl4pPr marL="1600200" indent="-228600" algn="l" defTabSz="914400" rtl="0" eaLnBrk="1" latinLnBrk="0" hangingPunct="1">
+        <a:lnSpc>
+          <a:spcPct val="90000"/>
+        </a:lnSpc>
+        <a:spcBef>
+          <a:spcPts val="500"/>
+        </a:spcBef>
+        <a:buFont typeface="Arial" panose="020B0604020202020204" pitchFamily="34" charset="0"/>
+        <a:buChar char="•"/>
+        <a:defRPr sz="2400" kern="1200">
+          <a:solidFill>
+            <a:schemeClr val="bg1"/>
+          </a:solidFill>
+          <a:latin typeface="+mn-lt"/>
+          <a:ea typeface="+mn-ea"/>
+          <a:cs typeface="+mn-cs"/>
+        </a:defRPr>
+      </a:lvl4pPr>
+      <a:lvl5pPr marL="2057400" indent="-228600" algn="l" defTabSz="914400" rtl="0" eaLnBrk="1" latinLnBrk="0" hangingPunct="1">
+        <a:lnSpc>
+          <a:spcPct val="90000"/>
+        </a:lnSpc>
+        <a:spcBef>
+          <a:spcPts val="500"/>
+        </a:spcBef>
+        <a:buFont typeface="Arial" panose="020B0604020202020204" pitchFamily="34" charset="0"/>
+        <a:buChar char="•"/>
+        <a:defRPr sz="2400" kern="1200">
+          <a:solidFill>
+            <a:schemeClr val="bg1"/>
+          </a:solidFill>
+          <a:latin typeface="+mn-lt"/>
+          <a:ea typeface="+mn-ea"/>
+          <a:cs typeface="+mn-cs"/>
+        </a:defRPr>
+      </a:lvl5pPr>
+      <a:lvl6pPr marL="2514600" indent="-228600" algn="l" defTabSz="914400" rtl="0" eaLnBrk="1" latinLnBrk="0" hangingPunct="1">
+        <a:lnSpc>
+          <a:spcPct val="90000"/>
+        </a:lnSpc>
+        <a:spcBef>
+          <a:spcPts val="500"/>
+        </a:spcBef>
+        <a:buFont typeface="Arial" panose="020B0604020202020204" pitchFamily="34" charset="0"/>
+        <a:buChar char="•"/>
+        <a:defRPr sz="1800" kern="1200">
+          <a:solidFill>
+            <a:schemeClr val="tx1"/>
+          </a:solidFill>
+          <a:latin typeface="+mn-lt"/>
+          <a:ea typeface="+mn-ea"/>
+          <a:cs typeface="+mn-cs"/>
+        </a:defRPr>
+      </a:lvl6pPr>
+      <a:lvl7pPr marL="2971800" indent="-228600" algn="l" defTabSz="914400" rtl="0" eaLnBrk="1" latinLnBrk="0" hangingPunct="1">
+        <a:lnSpc>
+          <a:spcPct val="90000"/>
+        </a:lnSpc>
+        <a:spcBef>
+          <a:spcPts val="500"/>
+        </a:spcBef>
+        <a:buFont typeface="Arial" panose="020B0604020202020204" pitchFamily="34" charset="0"/>
+        <a:buChar char="•"/>
+        <a:defRPr sz="1800" kern="1200">
+          <a:solidFill>
+            <a:schemeClr val="tx1"/>
+          </a:solidFill>
+          <a:latin typeface="+mn-lt"/>
+          <a:ea typeface="+mn-ea"/>
+          <a:cs typeface="+mn-cs"/>
+        </a:defRPr>
+      </a:lvl7pPr>
+      <a:lvl8pPr marL="3429000" indent="-228600" algn="l" defTabSz="914400" rtl="0" eaLnBrk="1" latinLnBrk="0" hangingPunct="1">
+        <a:lnSpc>
+          <a:spcPct val="90000"/>
+        </a:lnSpc>
+        <a:spcBef>
+          <a:spcPts val="500"/>
+        </a:spcBef>
+        <a:buFont typeface="Arial" panose="020B0604020202020204" pitchFamily="34" charset="0"/>
+        <a:buChar char="•"/>
+        <a:defRPr sz="1800" kern="1200">
+          <a:solidFill>
+            <a:schemeClr val="tx1"/>
+          </a:solidFill>
+          <a:latin typeface="+mn-lt"/>
+          <a:ea typeface="+mn-ea"/>
+          <a:cs typeface="+mn-cs"/>
+        </a:defRPr>
+      </a:lvl8pPr>
+      <a:lvl9pPr marL="3886200" indent="-228600" algn="l" defTabSz="914400" rtl="0" eaLnBrk="1" latinLnBrk="0" hangingPunct="1">
+        <a:lnSpc>
+          <a:spcPct val="90000"/>
+        </a:lnSpc>
+        <a:spcBef>
+          <a:spcPts val="500"/>
+        </a:spcBef>
+        <a:buFont typeface="Arial" panose="020B0604020202020204" pitchFamily="34" charset="0"/>
+        <a:buChar char="•"/>
+        <a:defRPr sz="1800" kern="1200">
+          <a:solidFill>
+            <a:schemeClr val="tx1"/>
+          </a:solidFill>
+          <a:latin typeface="+mn-lt"/>
+          <a:ea typeface="+mn-ea"/>
+          <a:cs typeface="+mn-cs"/>
+        </a:defRPr>
+      </a:lvl9pPr>
+    </p:bodyStyle>
+    <p:otherStyle>
+      <a:defPPr>
+        <a:defRPr lang="en-US"/>
+      </a:defPPr>
+      <a:lvl1pPr marL="0" algn="l" defTabSz="914400" rtl="0" eaLnBrk="1" latinLnBrk="0" hangingPunct="1">
+        <a:defRPr sz="1800" kern="1200">
+          <a:solidFill>
+            <a:schemeClr val="tx1"/>
+          </a:solidFill>
+          <a:latin typeface="+mn-lt"/>
+          <a:ea typeface="+mn-ea"/>
+          <a:cs typeface="+mn-cs"/>
+        </a:defRPr>
+      </a:lvl1pPr>
+      <a:lvl2pPr marL="457200" algn="l" defTabSz="914400" rtl="0" eaLnBrk="1" latinLnBrk="0" hangingPunct="1">
+        <a:defRPr sz="1800" kern="1200">
+          <a:solidFill>
+            <a:schemeClr val="tx1"/>
+          </a:solidFill>
+          <a:latin typeface="+mn-lt"/>
+          <a:ea typeface="+mn-ea"/>
+          <a:cs typeface="+mn-cs"/>
+        </a:defRPr>
+      </a:lvl2pPr>
+      <a:lvl3pPr marL="914400" algn="l" defTabSz="914400" rtl="0" eaLnBrk="1" latinLnBrk="0" hangingPunct="1">
+        <a:defRPr sz="1800" kern="1200">
+          <a:solidFill>
+            <a:schemeClr val="tx1"/>
+          </a:solidFill>
+          <a:latin typeface="+mn-lt"/>
+          <a:ea typeface="+mn-ea"/>
+          <a:cs typeface="+mn-cs"/>
+        </a:defRPr>
+      </a:lvl3pPr>
+      <a:lvl4pPr marL="1371600" algn="l" defTabSz="914400" rtl="0" eaLnBrk="1" latinLnBrk="0" hangingPunct="1">
+        <a:defRPr sz="1800" kern="1200">
+          <a:solidFill>
+            <a:schemeClr val="tx1"/>
+          </a:solidFill>
+          <a:latin typeface="+mn-lt"/>
+          <a:ea typeface="+mn-ea"/>
+          <a:cs typeface="+mn-cs"/>
+        </a:defRPr>
+      </a:lvl4pPr>
+      <a:lvl5pPr marL="1828800" algn="l" defTabSz="914400" rtl="0" eaLnBrk="1" latinLnBrk="0" hangingPunct="1">
+        <a:defRPr sz="1800" kern="1200">
+          <a:solidFill>
+            <a:schemeClr val="tx1"/>
+          </a:solidFill>
+          <a:latin typeface="+mn-lt"/>
+          <a:ea typeface="+mn-ea"/>
+          <a:cs typeface="+mn-cs"/>
+        </a:defRPr>
+      </a:lvl5pPr>
+      <a:lvl6pPr marL="2286000" algn="l" defTabSz="914400" rtl="0" eaLnBrk="1" latinLnBrk="0" hangingPunct="1">
+        <a:defRPr sz="1800" kern="1200">
+          <a:solidFill>
+            <a:schemeClr val="tx1"/>
+          </a:solidFill>
+          <a:latin typeface="+mn-lt"/>
+          <a:ea typeface="+mn-ea"/>
+          <a:cs typeface="+mn-cs"/>
+        </a:defRPr>
+      </a:lvl6pPr>
+      <a:lvl7pPr marL="2743200" algn="l" defTabSz="914400" rtl="0" eaLnBrk="1" latinLnBrk="0" hangingPunct="1">
+        <a:defRPr sz="1800" kern="1200">
+          <a:solidFill>
+            <a:schemeClr val="tx1"/>
+          </a:solidFill>
+          <a:latin typeface="+mn-lt"/>
+          <a:ea typeface="+mn-ea"/>
+          <a:cs typeface="+mn-cs"/>
+        </a:defRPr>
+      </a:lvl7pPr>
+      <a:lvl8pPr marL="3200400" algn="l" defTabSz="914400" rtl="0" eaLnBrk="1" latinLnBrk="0" hangingPunct="1">
+        <a:defRPr sz="1800" kern="1200">
+          <a:solidFill>
+            <a:schemeClr val="tx1"/>
+          </a:solidFill>
+          <a:latin typeface="+mn-lt"/>
+          <a:ea typeface="+mn-ea"/>
+          <a:cs typeface="+mn-cs"/>
+        </a:defRPr>
+      </a:lvl8pPr>
+      <a:lvl9pPr marL="3657600" algn="l" defTabSz="914400" rtl="0" eaLnBrk="1" latinLnBrk="0" hangingPunct="1">
+        <a:defRPr sz="1800" kern="1200">
+          <a:solidFill>
+            <a:schemeClr val="tx1"/>
+          </a:solidFill>
+          <a:latin typeface="+mn-lt"/>
+          <a:ea typeface="+mn-ea"/>
+          <a:cs typeface="+mn-cs"/>
+        </a:defRPr>
+      </a:lvl9pPr>
+    </p:otherStyle>
+  </p:txStyles>
+</p:sldMaster>
+</file>
+
 <file path=ppt/slides/slide1.xml><?xml version="1.0" encoding="utf-8"?>
 <p:sld xmlns:a="http://schemas.openxmlformats.org/drawingml/2006/main" xmlns:r="http://schemas.openxmlformats.org/officeDocument/2006/relationships" xmlns:p="http://schemas.openxmlformats.org/presentationml/2006/main">
   <p:cSld>
@@ -27331,7 +33112,7 @@
           <a:p>
             <a:r>
               <a:rPr lang="en-US" dirty="0" smtClean="0"/>
-              <a:t>Web Camps</a:t>
+              <a:t>ASP.NET Questions</a:t>
             </a:r>
             <a:endParaRPr lang="en-US" dirty="0"/>
           </a:p>
@@ -27349,111 +33130,81 @@
         </p:nvSpPr>
         <p:spPr>
           <a:xfrm>
-            <a:off x="520701" y="1447800"/>
-            <a:ext cx="11149013" cy="4076501"/>
+            <a:off x="520700" y="1179680"/>
+            <a:ext cx="11149013" cy="3785652"/>
           </a:xfrm>
         </p:spPr>
         <p:txBody>
-          <a:bodyPr/>
+          <a:bodyPr>
+            <a:normAutofit lnSpcReduction="10000"/>
+          </a:bodyPr>
           <a:lstStyle/>
           <a:p>
             <a:r>
-              <a:rPr lang="en-US" b="0" dirty="0" smtClean="0">
+              <a:rPr lang="en-US" sz="4800" b="0" dirty="0">
                 <a:solidFill>
                   <a:schemeClr val="bg1"/>
                 </a:solidFill>
               </a:rPr>
-              <a:t>http</a:t>
+              <a:t>http://www.asp.net/feedback</a:t>
             </a:r>
+          </a:p>
+          <a:p>
+            <a:endParaRPr lang="en-US" sz="4800" b="0" dirty="0">
+              <a:solidFill>
+                <a:schemeClr val="bg1"/>
+              </a:solidFill>
+            </a:endParaRPr>
+          </a:p>
+          <a:p>
             <a:r>
-              <a:rPr lang="en-US" b="0" dirty="0">
+              <a:rPr lang="en-US" sz="4800" b="0" dirty="0">
                 <a:solidFill>
                   <a:schemeClr val="bg1"/>
                 </a:solidFill>
               </a:rPr>
-              <a:t>://</a:t>
+              <a:t>Twitter - @</a:t>
             </a:r>
             <a:r>
-              <a:rPr lang="en-US" b="0" dirty="0" smtClean="0">
+              <a:rPr lang="en-US" sz="4800" b="0" dirty="0" err="1">
                 <a:solidFill>
                   <a:schemeClr val="bg1"/>
                 </a:solidFill>
               </a:rPr>
-              <a:t>www.devcamps.ms</a:t>
+              <a:t>aspnet</a:t>
             </a:r>
+            <a:endParaRPr lang="en-US" sz="4800" b="0" dirty="0">
+              <a:solidFill>
+                <a:schemeClr val="bg1"/>
+              </a:solidFill>
+            </a:endParaRPr>
           </a:p>
           <a:p>
             <a:r>
-              <a:rPr lang="en-US" b="0" dirty="0">
+              <a:rPr lang="en-US" sz="4800" b="0" dirty="0">
                 <a:solidFill>
                   <a:schemeClr val="bg1"/>
                 </a:solidFill>
               </a:rPr>
-              <a:t>http://</a:t>
+              <a:t>Facebook - /ASPNET</a:t>
             </a:r>
+          </a:p>
+          <a:p>
             <a:r>
-              <a:rPr lang="en-US" b="0" dirty="0" smtClean="0">
+              <a:rPr lang="en-US" sz="4800" b="0" dirty="0">
                 <a:solidFill>
                   <a:schemeClr val="bg1"/>
                 </a:solidFill>
               </a:rPr>
-              <a:t>aka.ms/webcamps-training-kit</a:t>
+              <a:t>G+ - ASP.NET</a:t>
             </a:r>
-            <a:r>
-              <a:rPr lang="en-US" dirty="0" smtClean="0">
-                <a:solidFill>
-                  <a:schemeClr val="bg1"/>
-                </a:solidFill>
-              </a:rPr>
-              <a:t> </a:t>
-            </a:r>
-            <a:endParaRPr lang="en-US" dirty="0">
-              <a:solidFill>
-                <a:schemeClr val="bg1"/>
-              </a:solidFill>
-            </a:endParaRPr>
-          </a:p>
-          <a:p>
-            <a:pPr marL="574675" indent="-571500">
-              <a:buFont typeface="Arial" panose="020B0604020202020204" pitchFamily="34" charset="0"/>
-              <a:buChar char="•"/>
-            </a:pPr>
-            <a:endParaRPr lang="en-US" sz="2400" dirty="0"/>
-          </a:p>
-          <a:p>
-            <a:pPr marL="574675" indent="-571500">
-              <a:buFont typeface="Arial" panose="020B0604020202020204" pitchFamily="34" charset="0"/>
-              <a:buChar char="•"/>
-            </a:pPr>
-            <a:endParaRPr lang="en-US" sz="2400" dirty="0"/>
-          </a:p>
-          <a:p>
-            <a:pPr marL="574675" indent="-571500">
-              <a:buFont typeface="Arial" panose="020B0604020202020204" pitchFamily="34" charset="0"/>
-              <a:buChar char="•"/>
-            </a:pPr>
-            <a:endParaRPr lang="en-US" sz="2400" dirty="0"/>
-          </a:p>
-          <a:p>
-            <a:pPr marL="574675" indent="-571500">
-              <a:buFont typeface="Arial" panose="020B0604020202020204" pitchFamily="34" charset="0"/>
-              <a:buChar char="•"/>
-            </a:pPr>
-            <a:endParaRPr lang="en-US" sz="2400" dirty="0"/>
-          </a:p>
-          <a:p>
-            <a:pPr marL="574675" indent="-571500">
-              <a:buFont typeface="Arial" panose="020B0604020202020204" pitchFamily="34" charset="0"/>
-              <a:buChar char="•"/>
-            </a:pPr>
-            <a:endParaRPr lang="en-US" sz="2400" dirty="0"/>
           </a:p>
         </p:txBody>
       </p:sp>
     </p:spTree>
     <p:extLst>
       <p:ext uri="{BB962C8B-B14F-4D97-AF65-F5344CB8AC3E}">
-        <p14:creationId xmlns:p14="http://schemas.microsoft.com/office/powerpoint/2010/main" val="4291643263"/>
+        <p14:creationId xmlns:p14="http://schemas.microsoft.com/office/powerpoint/2010/main" val="1684542315"/>
       </p:ext>
     </p:extLst>
   </p:cSld>
@@ -27509,7 +33260,7 @@
           <a:p>
             <a:r>
               <a:rPr lang="en-US" dirty="0" smtClean="0"/>
-              <a:t>Microsoft Azure</a:t>
+              <a:t>Web Camps</a:t>
             </a:r>
             <a:endParaRPr lang="en-US" dirty="0"/>
           </a:p>
@@ -27528,7 +33279,7 @@
         <p:spPr>
           <a:xfrm>
             <a:off x="520701" y="1447800"/>
-            <a:ext cx="11149013" cy="4021101"/>
+            <a:ext cx="11149013" cy="4076501"/>
           </a:xfrm>
         </p:spPr>
         <p:txBody>
@@ -27536,14 +33287,56 @@
           <a:lstStyle/>
           <a:p>
             <a:r>
-              <a:rPr lang="en-US" b="0" smtClean="0">
+              <a:rPr lang="en-US" b="0" dirty="0" smtClean="0">
                 <a:solidFill>
                   <a:schemeClr val="bg1"/>
                 </a:solidFill>
               </a:rPr>
-              <a:t>http://azure.microsoft.com</a:t>
+              <a:t>http</a:t>
             </a:r>
-            <a:endParaRPr lang="en-US" sz="2400" dirty="0">
+            <a:r>
+              <a:rPr lang="en-US" b="0" dirty="0">
+                <a:solidFill>
+                  <a:schemeClr val="bg1"/>
+                </a:solidFill>
+              </a:rPr>
+              <a:t>://</a:t>
+            </a:r>
+            <a:r>
+              <a:rPr lang="en-US" b="0" dirty="0" smtClean="0">
+                <a:solidFill>
+                  <a:schemeClr val="bg1"/>
+                </a:solidFill>
+              </a:rPr>
+              <a:t>www.devcamps.ms</a:t>
+            </a:r>
+          </a:p>
+          <a:p>
+            <a:r>
+              <a:rPr lang="en-US" b="0" dirty="0">
+                <a:solidFill>
+                  <a:schemeClr val="bg1"/>
+                </a:solidFill>
+              </a:rPr>
+              <a:t>http://</a:t>
+            </a:r>
+            <a:r>
+              <a:rPr lang="en-US" b="0" dirty="0" smtClean="0">
+                <a:solidFill>
+                  <a:schemeClr val="bg1"/>
+                </a:solidFill>
+              </a:rPr>
+              <a:t>aka.ms/webcamps-training-kit</a:t>
+            </a:r>
+            <a:r>
+              <a:rPr lang="en-US" dirty="0" smtClean="0">
+                <a:solidFill>
+                  <a:schemeClr val="bg1"/>
+                </a:solidFill>
+              </a:rPr>
+              <a:t> </a:t>
+            </a:r>
+            <a:endParaRPr lang="en-US" dirty="0">
               <a:solidFill>
                 <a:schemeClr val="bg1"/>
               </a:solidFill>
@@ -27577,12 +33370,19 @@
             </a:pPr>
             <a:endParaRPr lang="en-US" sz="2400" dirty="0"/>
           </a:p>
+          <a:p>
+            <a:pPr marL="574675" indent="-571500">
+              <a:buFont typeface="Arial" panose="020B0604020202020204" pitchFamily="34" charset="0"/>
+              <a:buChar char="•"/>
+            </a:pPr>
+            <a:endParaRPr lang="en-US" sz="2400" dirty="0"/>
+          </a:p>
         </p:txBody>
       </p:sp>
     </p:spTree>
     <p:extLst>
       <p:ext uri="{BB962C8B-B14F-4D97-AF65-F5344CB8AC3E}">
-        <p14:creationId xmlns:p14="http://schemas.microsoft.com/office/powerpoint/2010/main" val="821370595"/>
+        <p14:creationId xmlns:p14="http://schemas.microsoft.com/office/powerpoint/2010/main" val="4291643263"/>
       </p:ext>
     </p:extLst>
   </p:cSld>
@@ -27631,6 +33431,135 @@
         </p:nvSpPr>
         <p:spPr/>
         <p:txBody>
+          <a:bodyPr>
+            <a:normAutofit fontScale="90000"/>
+          </a:bodyPr>
+          <a:lstStyle/>
+          <a:p>
+            <a:r>
+              <a:rPr lang="en-US" dirty="0" smtClean="0"/>
+              <a:t>Microsoft Azure</a:t>
+            </a:r>
+            <a:endParaRPr lang="en-US" dirty="0"/>
+          </a:p>
+        </p:txBody>
+      </p:sp>
+      <p:sp>
+        <p:nvSpPr>
+          <p:cNvPr id="3" name="Text Placeholder 2"/>
+          <p:cNvSpPr>
+            <a:spLocks noGrp="1"/>
+          </p:cNvSpPr>
+          <p:nvPr>
+            <p:ph type="body" sz="quarter" idx="10"/>
+          </p:nvPr>
+        </p:nvSpPr>
+        <p:spPr>
+          <a:xfrm>
+            <a:off x="520701" y="1447800"/>
+            <a:ext cx="11149013" cy="4021101"/>
+          </a:xfrm>
+        </p:spPr>
+        <p:txBody>
+          <a:bodyPr/>
+          <a:lstStyle/>
+          <a:p>
+            <a:r>
+              <a:rPr lang="en-US" b="0" smtClean="0">
+                <a:solidFill>
+                  <a:schemeClr val="bg1"/>
+                </a:solidFill>
+              </a:rPr>
+              <a:t>http://azure.microsoft.com</a:t>
+            </a:r>
+            <a:endParaRPr lang="en-US" sz="2400" dirty="0">
+              <a:solidFill>
+                <a:schemeClr val="bg1"/>
+              </a:solidFill>
+            </a:endParaRPr>
+          </a:p>
+          <a:p>
+            <a:pPr marL="574675" indent="-571500">
+              <a:buFont typeface="Arial" panose="020B0604020202020204" pitchFamily="34" charset="0"/>
+              <a:buChar char="•"/>
+            </a:pPr>
+            <a:endParaRPr lang="en-US" sz="2400" dirty="0"/>
+          </a:p>
+          <a:p>
+            <a:pPr marL="574675" indent="-571500">
+              <a:buFont typeface="Arial" panose="020B0604020202020204" pitchFamily="34" charset="0"/>
+              <a:buChar char="•"/>
+            </a:pPr>
+            <a:endParaRPr lang="en-US" sz="2400" dirty="0"/>
+          </a:p>
+          <a:p>
+            <a:pPr marL="574675" indent="-571500">
+              <a:buFont typeface="Arial" panose="020B0604020202020204" pitchFamily="34" charset="0"/>
+              <a:buChar char="•"/>
+            </a:pPr>
+            <a:endParaRPr lang="en-US" sz="2400" dirty="0"/>
+          </a:p>
+          <a:p>
+            <a:pPr marL="574675" indent="-571500">
+              <a:buFont typeface="Arial" panose="020B0604020202020204" pitchFamily="34" charset="0"/>
+              <a:buChar char="•"/>
+            </a:pPr>
+            <a:endParaRPr lang="en-US" sz="2400" dirty="0"/>
+          </a:p>
+        </p:txBody>
+      </p:sp>
+    </p:spTree>
+    <p:extLst>
+      <p:ext uri="{BB962C8B-B14F-4D97-AF65-F5344CB8AC3E}">
+        <p14:creationId xmlns:p14="http://schemas.microsoft.com/office/powerpoint/2010/main" val="821370595"/>
+      </p:ext>
+    </p:extLst>
+  </p:cSld>
+  <p:clrMapOvr>
+    <a:masterClrMapping/>
+  </p:clrMapOvr>
+  <p:transition>
+    <p:fade/>
+  </p:transition>
+  <p:timing>
+    <p:tnLst>
+      <p:par>
+        <p:cTn id="1" dur="indefinite" restart="never" nodeType="tmRoot"/>
+      </p:par>
+    </p:tnLst>
+  </p:timing>
+</p:sld>
+</file>
+
+<file path=ppt/slides/slide13.xml><?xml version="1.0" encoding="utf-8"?>
+<p:sld xmlns:a="http://schemas.openxmlformats.org/drawingml/2006/main" xmlns:r="http://schemas.openxmlformats.org/officeDocument/2006/relationships" xmlns:p="http://schemas.openxmlformats.org/presentationml/2006/main">
+  <p:cSld>
+    <p:spTree>
+      <p:nvGrpSpPr>
+        <p:cNvPr id="1" name=""/>
+        <p:cNvGrpSpPr/>
+        <p:nvPr/>
+      </p:nvGrpSpPr>
+      <p:grpSpPr>
+        <a:xfrm>
+          <a:off x="0" y="0"/>
+          <a:ext cx="0" cy="0"/>
+          <a:chOff x="0" y="0"/>
+          <a:chExt cx="0" cy="0"/>
+        </a:xfrm>
+      </p:grpSpPr>
+      <p:sp>
+        <p:nvSpPr>
+          <p:cNvPr id="2" name="Title 1"/>
+          <p:cNvSpPr>
+            <a:spLocks noGrp="1"/>
+          </p:cNvSpPr>
+          <p:nvPr>
+            <p:ph type="title"/>
+          </p:nvPr>
+        </p:nvSpPr>
+        <p:spPr/>
+        <p:txBody>
           <a:bodyPr/>
           <a:lstStyle/>
           <a:p>
@@ -27687,7 +33616,7 @@
 </p:sld>
 </file>
 
-<file path=ppt/slides/slide13.xml><?xml version="1.0" encoding="utf-8"?>
+<file path=ppt/slides/slide14.xml><?xml version="1.0" encoding="utf-8"?>
 <p:sld xmlns:a="http://schemas.openxmlformats.org/drawingml/2006/main" xmlns:r="http://schemas.openxmlformats.org/officeDocument/2006/relationships" xmlns:p="http://schemas.openxmlformats.org/presentationml/2006/main">
   <p:cSld>
     <p:bg>
@@ -27765,7 +33694,7 @@
       </p:grpSpPr>
       <p:sp>
         <p:nvSpPr>
-          <p:cNvPr id="4" name="Title 3"/>
+          <p:cNvPr id="2" name="Title 1"/>
           <p:cNvSpPr>
             <a:spLocks noGrp="1"/>
           </p:cNvSpPr>
@@ -27773,14 +33702,19 @@
             <p:ph type="title"/>
           </p:nvPr>
         </p:nvSpPr>
-        <p:spPr/>
+        <p:spPr>
+          <a:xfrm>
+            <a:off x="357188" y="-154968"/>
+            <a:ext cx="11079822" cy="1325563"/>
+          </a:xfrm>
+        </p:spPr>
         <p:txBody>
           <a:bodyPr/>
           <a:lstStyle/>
           <a:p>
             <a:r>
               <a:rPr lang="en-US" dirty="0" smtClean="0"/>
-              <a:t>Agenda</a:t>
+              <a:t>Today’s Agenda</a:t>
             </a:r>
             <a:endParaRPr lang="en-US" dirty="0"/>
           </a:p>
@@ -27788,7 +33722,7 @@
       </p:sp>
       <p:sp>
         <p:nvSpPr>
-          <p:cNvPr id="5" name="Content Placeholder 4"/>
+          <p:cNvPr id="3" name="Content Placeholder 2"/>
           <p:cNvSpPr>
             <a:spLocks noGrp="1"/>
           </p:cNvSpPr>
@@ -27798,58 +33732,1133 @@
         </p:nvSpPr>
         <p:spPr/>
         <p:txBody>
-          <a:bodyPr>
-            <a:normAutofit/>
-          </a:bodyPr>
+          <a:bodyPr/>
           <a:lstStyle/>
           <a:p>
-            <a:pPr marL="742950" indent="-742950">
+            <a:endParaRPr lang="en-US"/>
+          </a:p>
+        </p:txBody>
+      </p:sp>
+      <p:sp>
+        <p:nvSpPr>
+          <p:cNvPr id="4" name="Slide Number Placeholder 3"/>
+          <p:cNvSpPr>
+            <a:spLocks noGrp="1"/>
+          </p:cNvSpPr>
+          <p:nvPr>
+            <p:ph type="sldNum" sz="quarter" idx="12"/>
+          </p:nvPr>
+        </p:nvSpPr>
+        <p:spPr/>
+        <p:txBody>
+          <a:bodyPr/>
+          <a:lstStyle/>
+          <a:p>
+            <a:pPr marL="0" marR="0" lvl="0" indent="0" algn="r" defTabSz="914400" rtl="0" eaLnBrk="1" fontAlgn="auto" latinLnBrk="0" hangingPunct="1">
               <a:lnSpc>
                 <a:spcPct val="100000"/>
               </a:lnSpc>
-              <a:buAutoNum type="arabicParenR"/>
+              <a:spcBef>
+                <a:spcPts val="0"/>
+              </a:spcBef>
+              <a:spcAft>
+                <a:spcPts val="0"/>
+              </a:spcAft>
+              <a:buClrTx/>
+              <a:buSzTx/>
+              <a:buFontTx/>
+              <a:buNone/>
+              <a:tabLst/>
+              <a:defRPr/>
             </a:pPr>
-            <a:r>
-              <a:rPr lang="en-US" sz="5400" dirty="0" smtClean="0">
-                <a:latin typeface="+mj-lt"/>
+            <a:fld id="{0A164282-434E-41D4-9582-783D542A7B68}" type="slidenum">
+              <a:rPr kumimoji="0" lang="en-US" sz="2000" b="0" i="0" u="none" strike="noStrike" kern="1200" cap="none" spc="0" normalizeH="0" baseline="0" noProof="0" smtClean="0">
+                <a:ln>
+                  <a:noFill/>
+                </a:ln>
+                <a:solidFill>
+                  <a:srgbClr val="289FD7"/>
+                </a:solidFill>
+                <a:effectLst/>
+                <a:uLnTx/>
+                <a:uFillTx/>
+                <a:latin typeface="Segoe UI Light"/>
+                <a:ea typeface="+mn-ea"/>
+                <a:cs typeface="+mn-cs"/>
               </a:rPr>
-              <a:t>What we covered today</a:t>
-            </a:r>
-          </a:p>
-          <a:p>
-            <a:pPr marL="742950" indent="-742950">
-              <a:lnSpc>
-                <a:spcPct val="100000"/>
-              </a:lnSpc>
-              <a:buAutoNum type="arabicParenR"/>
-            </a:pPr>
-            <a:r>
-              <a:rPr lang="en-US" sz="5400" dirty="0" smtClean="0">
-                <a:latin typeface="+mj-lt"/>
-              </a:rPr>
-              <a:t>Top resources for more info</a:t>
-            </a:r>
-          </a:p>
-          <a:p>
-            <a:pPr marL="742950" indent="-742950">
-              <a:lnSpc>
-                <a:spcPct val="100000"/>
-              </a:lnSpc>
-              <a:buAutoNum type="arabicParenR"/>
-            </a:pPr>
-            <a:r>
-              <a:rPr lang="en-US" sz="5400" dirty="0" smtClean="0">
-                <a:latin typeface="+mj-lt"/>
-              </a:rPr>
-              <a:t>Your homework assignments</a:t>
-            </a:r>
+              <a:pPr marL="0" marR="0" lvl="0" indent="0" algn="r" defTabSz="914400" rtl="0" eaLnBrk="1" fontAlgn="auto" latinLnBrk="0" hangingPunct="1">
+                <a:lnSpc>
+                  <a:spcPct val="100000"/>
+                </a:lnSpc>
+                <a:spcBef>
+                  <a:spcPts val="0"/>
+                </a:spcBef>
+                <a:spcAft>
+                  <a:spcPts val="0"/>
+                </a:spcAft>
+                <a:buClrTx/>
+                <a:buSzTx/>
+                <a:buFontTx/>
+                <a:buNone/>
+                <a:tabLst/>
+                <a:defRPr/>
+              </a:pPr>
+              <a:t>2</a:t>
+            </a:fld>
+            <a:endParaRPr kumimoji="0" lang="en-US" sz="2000" b="0" i="0" u="none" strike="noStrike" kern="1200" cap="none" spc="0" normalizeH="0" baseline="0" noProof="0">
+              <a:ln>
+                <a:noFill/>
+              </a:ln>
+              <a:solidFill>
+                <a:srgbClr val="289FD7"/>
+              </a:solidFill>
+              <a:effectLst/>
+              <a:uLnTx/>
+              <a:uFillTx/>
+              <a:latin typeface="Segoe UI Light"/>
+              <a:ea typeface="+mn-ea"/>
+              <a:cs typeface="+mn-cs"/>
+            </a:endParaRPr>
           </a:p>
         </p:txBody>
       </p:sp>
+      <p:sp>
+        <p:nvSpPr>
+          <p:cNvPr id="5" name="Text Placeholder 4"/>
+          <p:cNvSpPr>
+            <a:spLocks noGrp="1"/>
+          </p:cNvSpPr>
+          <p:nvPr>
+            <p:ph type="body" sz="quarter" idx="13"/>
+          </p:nvPr>
+        </p:nvSpPr>
+        <p:spPr/>
+        <p:txBody>
+          <a:bodyPr/>
+          <a:lstStyle/>
+          <a:p>
+            <a:endParaRPr lang="en-US"/>
+          </a:p>
+        </p:txBody>
+      </p:sp>
+      <p:graphicFrame>
+        <p:nvGraphicFramePr>
+          <p:cNvPr id="7" name="Content Placeholder 3"/>
+          <p:cNvGraphicFramePr>
+            <a:graphicFrameLocks/>
+          </p:cNvGraphicFramePr>
+          <p:nvPr>
+            <p:extLst>
+              <p:ext uri="{D42A27DB-BD31-4B8C-83A1-F6EECF244321}">
+                <p14:modId xmlns:p14="http://schemas.microsoft.com/office/powerpoint/2010/main" val="2190821391"/>
+              </p:ext>
+            </p:extLst>
+          </p:nvPr>
+        </p:nvGraphicFramePr>
+        <p:xfrm>
+          <a:off x="454816" y="1031200"/>
+          <a:ext cx="11483183" cy="5634204"/>
+        </p:xfrm>
+        <a:graphic>
+          <a:graphicData uri="http://schemas.openxmlformats.org/drawingml/2006/table">
+            <a:tbl>
+              <a:tblPr firstRow="1" bandRow="1">
+                <a:tableStyleId>{6E25E649-3F16-4E02-A733-19D2CDBF48F0}</a:tableStyleId>
+              </a:tblPr>
+              <a:tblGrid>
+                <a:gridCol w="8350512">
+                  <a:extLst>
+                    <a:ext uri="{9D8B030D-6E8A-4147-A177-3AD203B41FA5}">
+                      <a16:colId xmlns:a16="http://schemas.microsoft.com/office/drawing/2014/main" val="20000"/>
+                    </a:ext>
+                  </a:extLst>
+                </a:gridCol>
+                <a:gridCol w="1662043">
+                  <a:extLst>
+                    <a:ext uri="{9D8B030D-6E8A-4147-A177-3AD203B41FA5}">
+                      <a16:colId xmlns:a16="http://schemas.microsoft.com/office/drawing/2014/main" val="20001"/>
+                    </a:ext>
+                  </a:extLst>
+                </a:gridCol>
+                <a:gridCol w="1470628">
+                  <a:extLst>
+                    <a:ext uri="{9D8B030D-6E8A-4147-A177-3AD203B41FA5}">
+                      <a16:colId xmlns:a16="http://schemas.microsoft.com/office/drawing/2014/main" val="20002"/>
+                    </a:ext>
+                  </a:extLst>
+                </a:gridCol>
+              </a:tblGrid>
+              <a:tr h="409188">
+                <a:tc>
+                  <a:txBody>
+                    <a:bodyPr/>
+                    <a:lstStyle/>
+                    <a:p>
+                      <a:r>
+                        <a:rPr lang="en-US" sz="2000" dirty="0" smtClean="0"/>
+                        <a:t>Session</a:t>
+                      </a:r>
+                      <a:endParaRPr lang="en-US" sz="2000" dirty="0"/>
+                    </a:p>
+                  </a:txBody>
+                  <a:tcPr marL="45720" marR="45720"/>
+                </a:tc>
+                <a:tc>
+                  <a:txBody>
+                    <a:bodyPr/>
+                    <a:lstStyle/>
+                    <a:p>
+                      <a:r>
+                        <a:rPr lang="en-US" sz="2000" dirty="0" smtClean="0"/>
+                        <a:t>Start</a:t>
+                      </a:r>
+                      <a:endParaRPr lang="en-US" sz="2000" dirty="0"/>
+                    </a:p>
+                  </a:txBody>
+                  <a:tcPr marL="45720" marR="45720"/>
+                </a:tc>
+                <a:tc>
+                  <a:txBody>
+                    <a:bodyPr/>
+                    <a:lstStyle/>
+                    <a:p>
+                      <a:r>
+                        <a:rPr lang="en-US" sz="2000" dirty="0" smtClean="0"/>
+                        <a:t>End</a:t>
+                      </a:r>
+                      <a:endParaRPr lang="en-US" sz="2000" dirty="0"/>
+                    </a:p>
+                  </a:txBody>
+                  <a:tcPr marL="45720" marR="45720"/>
+                </a:tc>
+                <a:extLst>
+                  <a:ext uri="{0D108BD9-81ED-4DB2-BD59-A6C34878D82A}">
+                    <a16:rowId xmlns:a16="http://schemas.microsoft.com/office/drawing/2014/main" val="10000"/>
+                  </a:ext>
+                </a:extLst>
+              </a:tr>
+              <a:tr h="409188">
+                <a:tc>
+                  <a:txBody>
+                    <a:bodyPr/>
+                    <a:lstStyle/>
+                    <a:p>
+                      <a:r>
+                        <a:rPr lang="en-US" sz="2000" dirty="0" smtClean="0">
+                          <a:solidFill>
+                            <a:srgbClr val="000000"/>
+                          </a:solidFill>
+                        </a:rPr>
+                        <a:t>Keynote</a:t>
+                      </a:r>
+                      <a:endParaRPr lang="en-US" sz="2000" dirty="0">
+                        <a:solidFill>
+                          <a:srgbClr val="000000"/>
+                        </a:solidFill>
+                      </a:endParaRPr>
+                    </a:p>
+                  </a:txBody>
+                  <a:tcPr marL="45720" marR="45720">
+                    <a:solidFill>
+                      <a:srgbClr val="E7F2FC"/>
+                    </a:solidFill>
+                  </a:tcPr>
+                </a:tc>
+                <a:tc>
+                  <a:txBody>
+                    <a:bodyPr/>
+                    <a:lstStyle/>
+                    <a:p>
+                      <a:r>
+                        <a:rPr lang="en-US" sz="2000" dirty="0" smtClean="0">
+                          <a:solidFill>
+                            <a:srgbClr val="000000"/>
+                          </a:solidFill>
+                        </a:rPr>
+                        <a:t>8:30</a:t>
+                      </a:r>
+                      <a:endParaRPr lang="en-US" sz="2000" dirty="0">
+                        <a:solidFill>
+                          <a:srgbClr val="000000"/>
+                        </a:solidFill>
+                      </a:endParaRPr>
+                    </a:p>
+                  </a:txBody>
+                  <a:tcPr marL="45720" marR="45720">
+                    <a:solidFill>
+                      <a:srgbClr val="E7F2FC"/>
+                    </a:solidFill>
+                  </a:tcPr>
+                </a:tc>
+                <a:tc>
+                  <a:txBody>
+                    <a:bodyPr/>
+                    <a:lstStyle/>
+                    <a:p>
+                      <a:r>
+                        <a:rPr lang="en-US" sz="2000" dirty="0" smtClean="0">
+                          <a:solidFill>
+                            <a:srgbClr val="000000"/>
+                          </a:solidFill>
+                        </a:rPr>
+                        <a:t>9:00</a:t>
+                      </a:r>
+                      <a:endParaRPr lang="en-US" sz="2000" dirty="0">
+                        <a:solidFill>
+                          <a:srgbClr val="000000"/>
+                        </a:solidFill>
+                      </a:endParaRPr>
+                    </a:p>
+                  </a:txBody>
+                  <a:tcPr marL="45720" marR="45720">
+                    <a:solidFill>
+                      <a:srgbClr val="E7F2FC"/>
+                    </a:solidFill>
+                  </a:tcPr>
+                </a:tc>
+                <a:extLst>
+                  <a:ext uri="{0D108BD9-81ED-4DB2-BD59-A6C34878D82A}">
+                    <a16:rowId xmlns:a16="http://schemas.microsoft.com/office/drawing/2014/main" val="10001"/>
+                  </a:ext>
+                </a:extLst>
+              </a:tr>
+              <a:tr h="409188">
+                <a:tc>
+                  <a:txBody>
+                    <a:bodyPr/>
+                    <a:lstStyle/>
+                    <a:p>
+                      <a:r>
+                        <a:rPr lang="en-US" sz="2000" dirty="0" smtClean="0">
+                          <a:solidFill>
+                            <a:srgbClr val="000000"/>
+                          </a:solidFill>
+                        </a:rPr>
+                        <a:t>Introduction to ASP.NET and Visual Studio 2015 Web Tools</a:t>
+                      </a:r>
+                      <a:endParaRPr lang="en-US" sz="2000" dirty="0">
+                        <a:solidFill>
+                          <a:srgbClr val="000000"/>
+                        </a:solidFill>
+                      </a:endParaRPr>
+                    </a:p>
+                  </a:txBody>
+                  <a:tcPr marL="45720" marR="45720"/>
+                </a:tc>
+                <a:tc>
+                  <a:txBody>
+                    <a:bodyPr/>
+                    <a:lstStyle/>
+                    <a:p>
+                      <a:r>
+                        <a:rPr lang="en-US" sz="2000" dirty="0" smtClean="0">
+                          <a:solidFill>
+                            <a:srgbClr val="000000"/>
+                          </a:solidFill>
+                        </a:rPr>
+                        <a:t>9:00</a:t>
+                      </a:r>
+                      <a:endParaRPr lang="en-US" sz="2000" dirty="0">
+                        <a:solidFill>
+                          <a:srgbClr val="000000"/>
+                        </a:solidFill>
+                      </a:endParaRPr>
+                    </a:p>
+                  </a:txBody>
+                  <a:tcPr marL="45720" marR="45720"/>
+                </a:tc>
+                <a:tc>
+                  <a:txBody>
+                    <a:bodyPr/>
+                    <a:lstStyle/>
+                    <a:p>
+                      <a:r>
+                        <a:rPr lang="en-US" sz="2000" dirty="0" smtClean="0">
+                          <a:solidFill>
+                            <a:srgbClr val="000000"/>
+                          </a:solidFill>
+                        </a:rPr>
+                        <a:t>10:00</a:t>
+                      </a:r>
+                      <a:endParaRPr lang="en-US" sz="2000" dirty="0">
+                        <a:solidFill>
+                          <a:srgbClr val="000000"/>
+                        </a:solidFill>
+                      </a:endParaRPr>
+                    </a:p>
+                  </a:txBody>
+                  <a:tcPr marL="45720" marR="45720"/>
+                </a:tc>
+                <a:extLst>
+                  <a:ext uri="{0D108BD9-81ED-4DB2-BD59-A6C34878D82A}">
+                    <a16:rowId xmlns:a16="http://schemas.microsoft.com/office/drawing/2014/main" val="10002"/>
+                  </a:ext>
+                </a:extLst>
+              </a:tr>
+              <a:tr h="409188">
+                <a:tc>
+                  <a:txBody>
+                    <a:bodyPr/>
+                    <a:lstStyle/>
+                    <a:p>
+                      <a:r>
+                        <a:rPr lang="en-US" sz="2000" dirty="0" smtClean="0">
+                          <a:solidFill>
+                            <a:srgbClr val="000000"/>
+                          </a:solidFill>
+                        </a:rPr>
+                        <a:t>Building Web Applications using the latest ASP.NET technologies</a:t>
+                      </a:r>
+                      <a:endParaRPr lang="en-US" sz="2000" dirty="0">
+                        <a:solidFill>
+                          <a:srgbClr val="000000"/>
+                        </a:solidFill>
+                      </a:endParaRPr>
+                    </a:p>
+                  </a:txBody>
+                  <a:tcPr marL="45720" marR="45720"/>
+                </a:tc>
+                <a:tc>
+                  <a:txBody>
+                    <a:bodyPr/>
+                    <a:lstStyle/>
+                    <a:p>
+                      <a:r>
+                        <a:rPr lang="en-US" sz="2000" dirty="0" smtClean="0">
+                          <a:solidFill>
+                            <a:srgbClr val="000000"/>
+                          </a:solidFill>
+                        </a:rPr>
+                        <a:t>10:00</a:t>
+                      </a:r>
+                      <a:endParaRPr lang="en-US" sz="2000" dirty="0">
+                        <a:solidFill>
+                          <a:srgbClr val="000000"/>
+                        </a:solidFill>
+                      </a:endParaRPr>
+                    </a:p>
+                  </a:txBody>
+                  <a:tcPr marL="45720" marR="45720"/>
+                </a:tc>
+                <a:tc>
+                  <a:txBody>
+                    <a:bodyPr/>
+                    <a:lstStyle/>
+                    <a:p>
+                      <a:r>
+                        <a:rPr lang="en-US" sz="2000" dirty="0" smtClean="0">
+                          <a:solidFill>
+                            <a:srgbClr val="000000"/>
+                          </a:solidFill>
+                        </a:rPr>
+                        <a:t>11:00</a:t>
+                      </a:r>
+                      <a:endParaRPr lang="en-US" sz="2000" dirty="0">
+                        <a:solidFill>
+                          <a:srgbClr val="000000"/>
+                        </a:solidFill>
+                      </a:endParaRPr>
+                    </a:p>
+                  </a:txBody>
+                  <a:tcPr marL="45720" marR="45720"/>
+                </a:tc>
+                <a:extLst>
+                  <a:ext uri="{0D108BD9-81ED-4DB2-BD59-A6C34878D82A}">
+                    <a16:rowId xmlns:a16="http://schemas.microsoft.com/office/drawing/2014/main" val="10003"/>
+                  </a:ext>
+                </a:extLst>
+              </a:tr>
+              <a:tr h="409188">
+                <a:tc>
+                  <a:txBody>
+                    <a:bodyPr/>
+                    <a:lstStyle/>
+                    <a:p>
+                      <a:r>
+                        <a:rPr lang="en-US" sz="2000" dirty="0" smtClean="0">
+                          <a:solidFill>
+                            <a:srgbClr val="000000"/>
+                          </a:solidFill>
+                        </a:rPr>
+                        <a:t>Break</a:t>
+                      </a:r>
+                      <a:endParaRPr lang="en-US" sz="2000" dirty="0">
+                        <a:solidFill>
+                          <a:srgbClr val="000000"/>
+                        </a:solidFill>
+                      </a:endParaRPr>
+                    </a:p>
+                  </a:txBody>
+                  <a:tcPr marL="45720" marR="45720"/>
+                </a:tc>
+                <a:tc>
+                  <a:txBody>
+                    <a:bodyPr/>
+                    <a:lstStyle/>
+                    <a:p>
+                      <a:r>
+                        <a:rPr lang="en-US" sz="2000" dirty="0" smtClean="0">
+                          <a:solidFill>
+                            <a:srgbClr val="000000"/>
+                          </a:solidFill>
+                        </a:rPr>
+                        <a:t>11:00</a:t>
+                      </a:r>
+                      <a:endParaRPr lang="en-US" sz="2000" dirty="0">
+                        <a:solidFill>
+                          <a:srgbClr val="000000"/>
+                        </a:solidFill>
+                      </a:endParaRPr>
+                    </a:p>
+                  </a:txBody>
+                  <a:tcPr marL="45720" marR="45720"/>
+                </a:tc>
+                <a:tc>
+                  <a:txBody>
+                    <a:bodyPr/>
+                    <a:lstStyle/>
+                    <a:p>
+                      <a:r>
+                        <a:rPr lang="en-US" sz="2000" dirty="0" smtClean="0">
+                          <a:solidFill>
+                            <a:srgbClr val="000000"/>
+                          </a:solidFill>
+                        </a:rPr>
+                        <a:t>11:15</a:t>
+                      </a:r>
+                      <a:endParaRPr lang="en-US" sz="2000" dirty="0">
+                        <a:solidFill>
+                          <a:srgbClr val="000000"/>
+                        </a:solidFill>
+                      </a:endParaRPr>
+                    </a:p>
+                  </a:txBody>
+                  <a:tcPr marL="45720" marR="45720"/>
+                </a:tc>
+                <a:extLst>
+                  <a:ext uri="{0D108BD9-81ED-4DB2-BD59-A6C34878D82A}">
+                    <a16:rowId xmlns:a16="http://schemas.microsoft.com/office/drawing/2014/main" val="10004"/>
+                  </a:ext>
+                </a:extLst>
+              </a:tr>
+              <a:tr h="723948">
+                <a:tc>
+                  <a:txBody>
+                    <a:bodyPr/>
+                    <a:lstStyle/>
+                    <a:p>
+                      <a:r>
+                        <a:rPr lang="en-US" sz="2000" dirty="0" smtClean="0">
+                          <a:solidFill>
+                            <a:srgbClr val="000000"/>
+                          </a:solidFill>
+                        </a:rPr>
+                        <a:t>Building web front ends for both desktop and mobile using the latest web standards</a:t>
+                      </a:r>
+                      <a:endParaRPr lang="en-US" sz="2000" dirty="0">
+                        <a:solidFill>
+                          <a:srgbClr val="000000"/>
+                        </a:solidFill>
+                      </a:endParaRPr>
+                    </a:p>
+                  </a:txBody>
+                  <a:tcPr marL="45720" marR="45720"/>
+                </a:tc>
+                <a:tc>
+                  <a:txBody>
+                    <a:bodyPr/>
+                    <a:lstStyle/>
+                    <a:p>
+                      <a:r>
+                        <a:rPr lang="en-US" sz="2000" dirty="0" smtClean="0">
+                          <a:solidFill>
+                            <a:srgbClr val="000000"/>
+                          </a:solidFill>
+                        </a:rPr>
+                        <a:t>11:15</a:t>
+                      </a:r>
+                      <a:endParaRPr lang="en-US" sz="2000" dirty="0">
+                        <a:solidFill>
+                          <a:srgbClr val="000000"/>
+                        </a:solidFill>
+                      </a:endParaRPr>
+                    </a:p>
+                  </a:txBody>
+                  <a:tcPr marL="45720" marR="45720"/>
+                </a:tc>
+                <a:tc>
+                  <a:txBody>
+                    <a:bodyPr/>
+                    <a:lstStyle/>
+                    <a:p>
+                      <a:r>
+                        <a:rPr lang="en-US" sz="2000" dirty="0" smtClean="0">
+                          <a:solidFill>
+                            <a:srgbClr val="000000"/>
+                          </a:solidFill>
+                        </a:rPr>
+                        <a:t>12:15</a:t>
+                      </a:r>
+                      <a:endParaRPr lang="en-US" sz="2000" dirty="0">
+                        <a:solidFill>
+                          <a:srgbClr val="000000"/>
+                        </a:solidFill>
+                      </a:endParaRPr>
+                    </a:p>
+                  </a:txBody>
+                  <a:tcPr marL="45720" marR="45720"/>
+                </a:tc>
+                <a:extLst>
+                  <a:ext uri="{0D108BD9-81ED-4DB2-BD59-A6C34878D82A}">
+                    <a16:rowId xmlns:a16="http://schemas.microsoft.com/office/drawing/2014/main" val="10005"/>
+                  </a:ext>
+                </a:extLst>
+              </a:tr>
+              <a:tr h="409188">
+                <a:tc>
+                  <a:txBody>
+                    <a:bodyPr/>
+                    <a:lstStyle/>
+                    <a:p>
+                      <a:r>
+                        <a:rPr lang="en-US" sz="2000" dirty="0" smtClean="0">
+                          <a:solidFill>
+                            <a:srgbClr val="000000"/>
+                          </a:solidFill>
+                        </a:rPr>
+                        <a:t>Lunch</a:t>
+                      </a:r>
+                      <a:endParaRPr lang="en-US" sz="2000" dirty="0">
+                        <a:solidFill>
+                          <a:srgbClr val="000000"/>
+                        </a:solidFill>
+                      </a:endParaRPr>
+                    </a:p>
+                  </a:txBody>
+                  <a:tcPr marL="45720" marR="45720"/>
+                </a:tc>
+                <a:tc>
+                  <a:txBody>
+                    <a:bodyPr/>
+                    <a:lstStyle/>
+                    <a:p>
+                      <a:r>
+                        <a:rPr lang="en-US" sz="2000" dirty="0" smtClean="0">
+                          <a:solidFill>
+                            <a:srgbClr val="000000"/>
+                          </a:solidFill>
+                        </a:rPr>
+                        <a:t>12:15</a:t>
+                      </a:r>
+                      <a:endParaRPr lang="en-US" sz="2000" dirty="0">
+                        <a:solidFill>
+                          <a:srgbClr val="000000"/>
+                        </a:solidFill>
+                      </a:endParaRPr>
+                    </a:p>
+                  </a:txBody>
+                  <a:tcPr marL="45720" marR="45720"/>
+                </a:tc>
+                <a:tc>
+                  <a:txBody>
+                    <a:bodyPr/>
+                    <a:lstStyle/>
+                    <a:p>
+                      <a:r>
+                        <a:rPr lang="en-US" sz="2000" dirty="0" smtClean="0">
+                          <a:solidFill>
+                            <a:srgbClr val="000000"/>
+                          </a:solidFill>
+                        </a:rPr>
+                        <a:t>1:15</a:t>
+                      </a:r>
+                      <a:endParaRPr lang="en-US" sz="2000" dirty="0">
+                        <a:solidFill>
+                          <a:srgbClr val="000000"/>
+                        </a:solidFill>
+                      </a:endParaRPr>
+                    </a:p>
+                  </a:txBody>
+                  <a:tcPr marL="45720" marR="45720"/>
+                </a:tc>
+                <a:extLst>
+                  <a:ext uri="{0D108BD9-81ED-4DB2-BD59-A6C34878D82A}">
+                    <a16:rowId xmlns:a16="http://schemas.microsoft.com/office/drawing/2014/main" val="10006"/>
+                  </a:ext>
+                </a:extLst>
+              </a:tr>
+              <a:tr h="409188">
+                <a:tc>
+                  <a:txBody>
+                    <a:bodyPr/>
+                    <a:lstStyle/>
+                    <a:p>
+                      <a:r>
+                        <a:rPr lang="en-US" sz="2000" dirty="0" smtClean="0">
+                          <a:solidFill>
+                            <a:srgbClr val="000000"/>
+                          </a:solidFill>
+                        </a:rPr>
+                        <a:t>API Services for both web and devices</a:t>
+                      </a:r>
+                      <a:endParaRPr lang="en-US" sz="2000" dirty="0">
+                        <a:solidFill>
+                          <a:srgbClr val="000000"/>
+                        </a:solidFill>
+                      </a:endParaRPr>
+                    </a:p>
+                  </a:txBody>
+                  <a:tcPr marL="45720" marR="45720"/>
+                </a:tc>
+                <a:tc>
+                  <a:txBody>
+                    <a:bodyPr/>
+                    <a:lstStyle/>
+                    <a:p>
+                      <a:r>
+                        <a:rPr lang="en-US" sz="2000" dirty="0" smtClean="0">
+                          <a:solidFill>
+                            <a:srgbClr val="000000"/>
+                          </a:solidFill>
+                        </a:rPr>
+                        <a:t>1:15</a:t>
+                      </a:r>
+                      <a:endParaRPr lang="en-US" sz="2000" dirty="0">
+                        <a:solidFill>
+                          <a:srgbClr val="000000"/>
+                        </a:solidFill>
+                      </a:endParaRPr>
+                    </a:p>
+                  </a:txBody>
+                  <a:tcPr marL="45720" marR="45720"/>
+                </a:tc>
+                <a:tc>
+                  <a:txBody>
+                    <a:bodyPr/>
+                    <a:lstStyle/>
+                    <a:p>
+                      <a:r>
+                        <a:rPr lang="en-US" sz="2000" dirty="0" smtClean="0">
+                          <a:solidFill>
+                            <a:srgbClr val="000000"/>
+                          </a:solidFill>
+                        </a:rPr>
+                        <a:t>2:15</a:t>
+                      </a:r>
+                      <a:endParaRPr lang="en-US" sz="2000" dirty="0">
+                        <a:solidFill>
+                          <a:srgbClr val="000000"/>
+                        </a:solidFill>
+                      </a:endParaRPr>
+                    </a:p>
+                  </a:txBody>
+                  <a:tcPr marL="45720" marR="45720"/>
+                </a:tc>
+                <a:extLst>
+                  <a:ext uri="{0D108BD9-81ED-4DB2-BD59-A6C34878D82A}">
+                    <a16:rowId xmlns:a16="http://schemas.microsoft.com/office/drawing/2014/main" val="10007"/>
+                  </a:ext>
+                </a:extLst>
+              </a:tr>
+              <a:tr h="409188">
+                <a:tc>
+                  <a:txBody>
+                    <a:bodyPr/>
+                    <a:lstStyle/>
+                    <a:p>
+                      <a:r>
+                        <a:rPr lang="en-US" sz="2000" dirty="0" smtClean="0">
+                          <a:solidFill>
+                            <a:srgbClr val="000000"/>
+                          </a:solidFill>
+                        </a:rPr>
+                        <a:t>Running, improving and maintaining a site in the real world</a:t>
+                      </a:r>
+                      <a:endParaRPr lang="en-US" sz="2000" dirty="0">
+                        <a:solidFill>
+                          <a:srgbClr val="000000"/>
+                        </a:solidFill>
+                      </a:endParaRPr>
+                    </a:p>
+                  </a:txBody>
+                  <a:tcPr marL="45720" marR="45720"/>
+                </a:tc>
+                <a:tc>
+                  <a:txBody>
+                    <a:bodyPr/>
+                    <a:lstStyle/>
+                    <a:p>
+                      <a:r>
+                        <a:rPr lang="en-US" sz="2000" dirty="0" smtClean="0">
+                          <a:solidFill>
+                            <a:srgbClr val="000000"/>
+                          </a:solidFill>
+                        </a:rPr>
+                        <a:t>2:15</a:t>
+                      </a:r>
+                      <a:endParaRPr lang="en-US" sz="2000" dirty="0">
+                        <a:solidFill>
+                          <a:srgbClr val="000000"/>
+                        </a:solidFill>
+                      </a:endParaRPr>
+                    </a:p>
+                  </a:txBody>
+                  <a:tcPr marL="45720" marR="45720"/>
+                </a:tc>
+                <a:tc>
+                  <a:txBody>
+                    <a:bodyPr/>
+                    <a:lstStyle/>
+                    <a:p>
+                      <a:r>
+                        <a:rPr lang="en-US" sz="2000" dirty="0" smtClean="0">
+                          <a:solidFill>
+                            <a:srgbClr val="000000"/>
+                          </a:solidFill>
+                        </a:rPr>
+                        <a:t>3:15</a:t>
+                      </a:r>
+                      <a:endParaRPr lang="en-US" sz="2000" dirty="0">
+                        <a:solidFill>
+                          <a:srgbClr val="000000"/>
+                        </a:solidFill>
+                      </a:endParaRPr>
+                    </a:p>
+                  </a:txBody>
+                  <a:tcPr marL="45720" marR="45720"/>
+                </a:tc>
+                <a:extLst>
+                  <a:ext uri="{0D108BD9-81ED-4DB2-BD59-A6C34878D82A}">
+                    <a16:rowId xmlns:a16="http://schemas.microsoft.com/office/drawing/2014/main" val="10008"/>
+                  </a:ext>
+                </a:extLst>
+              </a:tr>
+              <a:tr h="409188">
+                <a:tc>
+                  <a:txBody>
+                    <a:bodyPr/>
+                    <a:lstStyle/>
+                    <a:p>
+                      <a:r>
+                        <a:rPr lang="en-US" sz="2000" dirty="0" smtClean="0">
+                          <a:solidFill>
+                            <a:srgbClr val="000000"/>
+                          </a:solidFill>
+                        </a:rPr>
+                        <a:t>Break</a:t>
+                      </a:r>
+                      <a:endParaRPr lang="en-US" sz="2000" dirty="0">
+                        <a:solidFill>
+                          <a:srgbClr val="000000"/>
+                        </a:solidFill>
+                      </a:endParaRPr>
+                    </a:p>
+                  </a:txBody>
+                  <a:tcPr marL="45720" marR="45720"/>
+                </a:tc>
+                <a:tc>
+                  <a:txBody>
+                    <a:bodyPr/>
+                    <a:lstStyle/>
+                    <a:p>
+                      <a:r>
+                        <a:rPr lang="en-US" sz="2000" dirty="0" smtClean="0">
+                          <a:solidFill>
+                            <a:srgbClr val="000000"/>
+                          </a:solidFill>
+                        </a:rPr>
+                        <a:t>3:15</a:t>
+                      </a:r>
+                      <a:endParaRPr lang="en-US" sz="2000" dirty="0">
+                        <a:solidFill>
+                          <a:srgbClr val="000000"/>
+                        </a:solidFill>
+                      </a:endParaRPr>
+                    </a:p>
+                  </a:txBody>
+                  <a:tcPr marL="45720" marR="45720"/>
+                </a:tc>
+                <a:tc>
+                  <a:txBody>
+                    <a:bodyPr/>
+                    <a:lstStyle/>
+                    <a:p>
+                      <a:r>
+                        <a:rPr lang="en-US" sz="2000" dirty="0" smtClean="0">
+                          <a:solidFill>
+                            <a:srgbClr val="000000"/>
+                          </a:solidFill>
+                        </a:rPr>
+                        <a:t>3:30</a:t>
+                      </a:r>
+                      <a:endParaRPr lang="en-US" sz="2000" dirty="0">
+                        <a:solidFill>
+                          <a:srgbClr val="000000"/>
+                        </a:solidFill>
+                      </a:endParaRPr>
+                    </a:p>
+                  </a:txBody>
+                  <a:tcPr marL="45720" marR="45720"/>
+                </a:tc>
+                <a:extLst>
+                  <a:ext uri="{0D108BD9-81ED-4DB2-BD59-A6C34878D82A}">
+                    <a16:rowId xmlns:a16="http://schemas.microsoft.com/office/drawing/2014/main" val="10009"/>
+                  </a:ext>
+                </a:extLst>
+              </a:tr>
+              <a:tr h="409188">
+                <a:tc>
+                  <a:txBody>
+                    <a:bodyPr/>
+                    <a:lstStyle/>
+                    <a:p>
+                      <a:r>
+                        <a:rPr lang="en-US" sz="2000" dirty="0" smtClean="0">
+                          <a:solidFill>
+                            <a:srgbClr val="000000"/>
+                          </a:solidFill>
+                        </a:rPr>
+                        <a:t>Real-time Communications</a:t>
+                      </a:r>
+                      <a:r>
+                        <a:rPr lang="en-US" sz="2000" baseline="0" dirty="0" smtClean="0">
+                          <a:solidFill>
+                            <a:srgbClr val="000000"/>
+                          </a:solidFill>
+                        </a:rPr>
+                        <a:t> with </a:t>
+                      </a:r>
+                      <a:r>
+                        <a:rPr lang="en-US" sz="2000" dirty="0" smtClean="0">
+                          <a:solidFill>
+                            <a:srgbClr val="000000"/>
+                          </a:solidFill>
+                        </a:rPr>
+                        <a:t>SignalR</a:t>
+                      </a:r>
+                    </a:p>
+                  </a:txBody>
+                  <a:tcPr marL="45720" marR="45720"/>
+                </a:tc>
+                <a:tc>
+                  <a:txBody>
+                    <a:bodyPr/>
+                    <a:lstStyle/>
+                    <a:p>
+                      <a:r>
+                        <a:rPr lang="en-US" sz="2000" dirty="0" smtClean="0">
+                          <a:solidFill>
+                            <a:srgbClr val="000000"/>
+                          </a:solidFill>
+                        </a:rPr>
+                        <a:t>3:30</a:t>
+                      </a:r>
+                      <a:endParaRPr lang="en-US" sz="2000" dirty="0">
+                        <a:solidFill>
+                          <a:srgbClr val="000000"/>
+                        </a:solidFill>
+                      </a:endParaRPr>
+                    </a:p>
+                  </a:txBody>
+                  <a:tcPr marL="45720" marR="45720"/>
+                </a:tc>
+                <a:tc>
+                  <a:txBody>
+                    <a:bodyPr/>
+                    <a:lstStyle/>
+                    <a:p>
+                      <a:r>
+                        <a:rPr lang="en-US" sz="2000" dirty="0" smtClean="0">
+                          <a:solidFill>
+                            <a:srgbClr val="000000"/>
+                          </a:solidFill>
+                        </a:rPr>
+                        <a:t>4:00</a:t>
+                      </a:r>
+                      <a:endParaRPr lang="en-US" sz="2000" dirty="0">
+                        <a:solidFill>
+                          <a:srgbClr val="000000"/>
+                        </a:solidFill>
+                      </a:endParaRPr>
+                    </a:p>
+                  </a:txBody>
+                  <a:tcPr marL="45720" marR="45720"/>
+                </a:tc>
+                <a:extLst>
+                  <a:ext uri="{0D108BD9-81ED-4DB2-BD59-A6C34878D82A}">
+                    <a16:rowId xmlns:a16="http://schemas.microsoft.com/office/drawing/2014/main" val="10010"/>
+                  </a:ext>
+                </a:extLst>
+              </a:tr>
+              <a:tr h="409188">
+                <a:tc>
+                  <a:txBody>
+                    <a:bodyPr/>
+                    <a:lstStyle/>
+                    <a:p>
+                      <a:r>
+                        <a:rPr lang="en-US" sz="2000" dirty="0" smtClean="0">
+                          <a:solidFill>
+                            <a:srgbClr val="000000"/>
+                          </a:solidFill>
+                        </a:rPr>
+                        <a:t>ASP.NET 5 Preview</a:t>
+                      </a:r>
+                    </a:p>
+                  </a:txBody>
+                  <a:tcPr marL="45720" marR="45720"/>
+                </a:tc>
+                <a:tc>
+                  <a:txBody>
+                    <a:bodyPr/>
+                    <a:lstStyle/>
+                    <a:p>
+                      <a:r>
+                        <a:rPr lang="en-US" sz="2000" dirty="0" smtClean="0">
+                          <a:solidFill>
+                            <a:srgbClr val="000000"/>
+                          </a:solidFill>
+                        </a:rPr>
+                        <a:t>4:00</a:t>
+                      </a:r>
+                      <a:endParaRPr lang="en-US" sz="2000" dirty="0">
+                        <a:solidFill>
+                          <a:srgbClr val="000000"/>
+                        </a:solidFill>
+                      </a:endParaRPr>
+                    </a:p>
+                  </a:txBody>
+                  <a:tcPr marL="45720" marR="45720"/>
+                </a:tc>
+                <a:tc>
+                  <a:txBody>
+                    <a:bodyPr/>
+                    <a:lstStyle/>
+                    <a:p>
+                      <a:r>
+                        <a:rPr lang="en-US" sz="2000" dirty="0" smtClean="0">
+                          <a:solidFill>
+                            <a:srgbClr val="000000"/>
+                          </a:solidFill>
+                        </a:rPr>
+                        <a:t>4:45</a:t>
+                      </a:r>
+                      <a:endParaRPr lang="en-US" sz="2000" dirty="0">
+                        <a:solidFill>
+                          <a:srgbClr val="000000"/>
+                        </a:solidFill>
+                      </a:endParaRPr>
+                    </a:p>
+                  </a:txBody>
+                  <a:tcPr marL="45720" marR="45720"/>
+                </a:tc>
+                <a:extLst>
+                  <a:ext uri="{0D108BD9-81ED-4DB2-BD59-A6C34878D82A}">
+                    <a16:rowId xmlns:a16="http://schemas.microsoft.com/office/drawing/2014/main" val="4181698176"/>
+                  </a:ext>
+                </a:extLst>
+              </a:tr>
+              <a:tr h="409188">
+                <a:tc>
+                  <a:txBody>
+                    <a:bodyPr/>
+                    <a:lstStyle/>
+                    <a:p>
+                      <a:r>
+                        <a:rPr lang="en-US" sz="2000" dirty="0" smtClean="0">
+                          <a:solidFill>
+                            <a:srgbClr val="000000"/>
+                          </a:solidFill>
+                        </a:rPr>
+                        <a:t>Wrap</a:t>
+                      </a:r>
+                      <a:r>
+                        <a:rPr lang="en-US" sz="2000" baseline="0" dirty="0" smtClean="0">
+                          <a:solidFill>
+                            <a:srgbClr val="000000"/>
+                          </a:solidFill>
+                        </a:rPr>
+                        <a:t> Up</a:t>
+                      </a:r>
+                      <a:endParaRPr lang="en-US" sz="2000" dirty="0">
+                        <a:solidFill>
+                          <a:srgbClr val="000000"/>
+                        </a:solidFill>
+                      </a:endParaRPr>
+                    </a:p>
+                  </a:txBody>
+                  <a:tcPr marL="45720" marR="45720">
+                    <a:solidFill>
+                      <a:srgbClr val="FFC000"/>
+                    </a:solidFill>
+                  </a:tcPr>
+                </a:tc>
+                <a:tc>
+                  <a:txBody>
+                    <a:bodyPr/>
+                    <a:lstStyle/>
+                    <a:p>
+                      <a:r>
+                        <a:rPr lang="en-US" sz="2000" dirty="0" smtClean="0">
+                          <a:solidFill>
+                            <a:srgbClr val="000000"/>
+                          </a:solidFill>
+                        </a:rPr>
+                        <a:t>4:45</a:t>
+                      </a:r>
+                      <a:endParaRPr lang="en-US" sz="2000" dirty="0">
+                        <a:solidFill>
+                          <a:srgbClr val="000000"/>
+                        </a:solidFill>
+                      </a:endParaRPr>
+                    </a:p>
+                  </a:txBody>
+                  <a:tcPr marL="45720" marR="45720">
+                    <a:solidFill>
+                      <a:srgbClr val="FFC000"/>
+                    </a:solidFill>
+                  </a:tcPr>
+                </a:tc>
+                <a:tc>
+                  <a:txBody>
+                    <a:bodyPr/>
+                    <a:lstStyle/>
+                    <a:p>
+                      <a:r>
+                        <a:rPr lang="en-US" sz="2000" dirty="0" smtClean="0">
+                          <a:solidFill>
+                            <a:srgbClr val="000000"/>
+                          </a:solidFill>
+                        </a:rPr>
+                        <a:t>5:00</a:t>
+                      </a:r>
+                      <a:endParaRPr lang="en-US" sz="2000" dirty="0">
+                        <a:solidFill>
+                          <a:srgbClr val="000000"/>
+                        </a:solidFill>
+                      </a:endParaRPr>
+                    </a:p>
+                  </a:txBody>
+                  <a:tcPr marL="45720" marR="45720">
+                    <a:solidFill>
+                      <a:srgbClr val="FFC000"/>
+                    </a:solidFill>
+                  </a:tcPr>
+                </a:tc>
+                <a:extLst>
+                  <a:ext uri="{0D108BD9-81ED-4DB2-BD59-A6C34878D82A}">
+                    <a16:rowId xmlns:a16="http://schemas.microsoft.com/office/drawing/2014/main" val="10011"/>
+                  </a:ext>
+                </a:extLst>
+              </a:tr>
+            </a:tbl>
+          </a:graphicData>
+        </a:graphic>
+      </p:graphicFrame>
     </p:spTree>
     <p:extLst>
       <p:ext uri="{BB962C8B-B14F-4D97-AF65-F5344CB8AC3E}">
-        <p14:creationId xmlns:p14="http://schemas.microsoft.com/office/powerpoint/2010/main" val="3063510516"/>
+        <p14:creationId xmlns:p14="http://schemas.microsoft.com/office/powerpoint/2010/main" val="509628024"/>
       </p:ext>
     </p:extLst>
   </p:cSld>
@@ -27885,6 +34894,126 @@
       </p:grpSpPr>
       <p:sp>
         <p:nvSpPr>
+          <p:cNvPr id="4" name="Title 3"/>
+          <p:cNvSpPr>
+            <a:spLocks noGrp="1"/>
+          </p:cNvSpPr>
+          <p:nvPr>
+            <p:ph type="title"/>
+          </p:nvPr>
+        </p:nvSpPr>
+        <p:spPr/>
+        <p:txBody>
+          <a:bodyPr/>
+          <a:lstStyle/>
+          <a:p>
+            <a:r>
+              <a:rPr lang="en-US" dirty="0" smtClean="0"/>
+              <a:t>Agenda</a:t>
+            </a:r>
+            <a:endParaRPr lang="en-US" dirty="0"/>
+          </a:p>
+        </p:txBody>
+      </p:sp>
+      <p:sp>
+        <p:nvSpPr>
+          <p:cNvPr id="5" name="Content Placeholder 4"/>
+          <p:cNvSpPr>
+            <a:spLocks noGrp="1"/>
+          </p:cNvSpPr>
+          <p:nvPr>
+            <p:ph idx="1"/>
+          </p:nvPr>
+        </p:nvSpPr>
+        <p:spPr/>
+        <p:txBody>
+          <a:bodyPr>
+            <a:normAutofit/>
+          </a:bodyPr>
+          <a:lstStyle/>
+          <a:p>
+            <a:pPr marL="742950" indent="-742950">
+              <a:lnSpc>
+                <a:spcPct val="100000"/>
+              </a:lnSpc>
+              <a:buAutoNum type="arabicParenR"/>
+            </a:pPr>
+            <a:r>
+              <a:rPr lang="en-US" sz="5400" dirty="0" smtClean="0">
+                <a:latin typeface="+mj-lt"/>
+              </a:rPr>
+              <a:t>What we covered today</a:t>
+            </a:r>
+          </a:p>
+          <a:p>
+            <a:pPr marL="742950" indent="-742950">
+              <a:lnSpc>
+                <a:spcPct val="100000"/>
+              </a:lnSpc>
+              <a:buAutoNum type="arabicParenR"/>
+            </a:pPr>
+            <a:r>
+              <a:rPr lang="en-US" sz="5400" dirty="0" smtClean="0">
+                <a:latin typeface="+mj-lt"/>
+              </a:rPr>
+              <a:t>Top resources for more info</a:t>
+            </a:r>
+          </a:p>
+          <a:p>
+            <a:pPr marL="742950" indent="-742950">
+              <a:lnSpc>
+                <a:spcPct val="100000"/>
+              </a:lnSpc>
+              <a:buAutoNum type="arabicParenR"/>
+            </a:pPr>
+            <a:r>
+              <a:rPr lang="en-US" sz="5400" dirty="0" smtClean="0">
+                <a:latin typeface="+mj-lt"/>
+              </a:rPr>
+              <a:t>Your homework assignments</a:t>
+            </a:r>
+          </a:p>
+        </p:txBody>
+      </p:sp>
+    </p:spTree>
+    <p:extLst>
+      <p:ext uri="{BB962C8B-B14F-4D97-AF65-F5344CB8AC3E}">
+        <p14:creationId xmlns:p14="http://schemas.microsoft.com/office/powerpoint/2010/main" val="3063510516"/>
+      </p:ext>
+    </p:extLst>
+  </p:cSld>
+  <p:clrMapOvr>
+    <a:masterClrMapping/>
+  </p:clrMapOvr>
+  <p:timing>
+    <p:tnLst>
+      <p:par>
+        <p:cTn id="1" dur="indefinite" restart="never" nodeType="tmRoot"/>
+      </p:par>
+    </p:tnLst>
+  </p:timing>
+</p:sld>
+</file>
+
+<file path=ppt/slides/slide4.xml><?xml version="1.0" encoding="utf-8"?>
+<p:sld xmlns:a="http://schemas.openxmlformats.org/drawingml/2006/main" xmlns:r="http://schemas.openxmlformats.org/officeDocument/2006/relationships" xmlns:p="http://schemas.openxmlformats.org/presentationml/2006/main">
+  <p:cSld>
+    <p:spTree>
+      <p:nvGrpSpPr>
+        <p:cNvPr id="1" name=""/>
+        <p:cNvGrpSpPr/>
+        <p:nvPr/>
+      </p:nvGrpSpPr>
+      <p:grpSpPr>
+        <a:xfrm>
+          <a:off x="0" y="0"/>
+          <a:ext cx="0" cy="0"/>
+          <a:chOff x="0" y="0"/>
+          <a:chExt cx="0" cy="0"/>
+        </a:xfrm>
+      </p:grpSpPr>
+      <p:sp>
+        <p:nvSpPr>
           <p:cNvPr id="2" name="Title 1"/>
           <p:cNvSpPr>
             <a:spLocks noGrp="1"/>
@@ -27945,7 +35074,7 @@
 </p:sld>
 </file>
 
-<file path=ppt/slides/slide4.xml><?xml version="1.0" encoding="utf-8"?>
+<file path=ppt/slides/slide5.xml><?xml version="1.0" encoding="utf-8"?>
 <p:sld xmlns:a="http://schemas.openxmlformats.org/drawingml/2006/main" xmlns:r="http://schemas.openxmlformats.org/officeDocument/2006/relationships" xmlns:p="http://schemas.openxmlformats.org/presentationml/2006/main">
   <p:cSld>
     <p:spTree>
@@ -27983,7 +35112,7 @@
           <a:graphicData uri="http://schemas.openxmlformats.org/presentationml/2006/ole">
             <mc:AlternateContent xmlns:mc="http://schemas.openxmlformats.org/markup-compatibility/2006">
               <mc:Choice xmlns:v="urn:schemas-microsoft-com:vml" Requires="v">
-                <p:oleObj spid="_x0000_s1031" name="think-cell Slide" r:id="rId5" imgW="270" imgH="270" progId="TCLayout.ActiveDocument.1">
+                <p:oleObj spid="_x0000_s1032" name="think-cell Slide" r:id="rId5" imgW="270" imgH="270" progId="TCLayout.ActiveDocument.1">
                   <p:embed/>
                 </p:oleObj>
               </mc:Choice>
@@ -28376,7 +35505,7 @@
 </p:sld>
 </file>
 
-<file path=ppt/slides/slide5.xml><?xml version="1.0" encoding="utf-8"?>
+<file path=ppt/slides/slide6.xml><?xml version="1.0" encoding="utf-8"?>
 <p:sld xmlns:a="http://schemas.openxmlformats.org/drawingml/2006/main" xmlns:r="http://schemas.openxmlformats.org/officeDocument/2006/relationships" xmlns:p="http://schemas.openxmlformats.org/presentationml/2006/main">
   <p:cSld>
     <p:spTree>
@@ -29234,7 +36363,7 @@
 </p:sld>
 </file>
 
-<file path=ppt/slides/slide6.xml><?xml version="1.0" encoding="utf-8"?>
+<file path=ppt/slides/slide7.xml><?xml version="1.0" encoding="utf-8"?>
 <p:sld xmlns:a="http://schemas.openxmlformats.org/drawingml/2006/main" xmlns:r="http://schemas.openxmlformats.org/officeDocument/2006/relationships" xmlns:p="http://schemas.openxmlformats.org/presentationml/2006/main">
   <p:cSld>
     <p:spTree>
@@ -29272,7 +36401,7 @@
           <a:graphicData uri="http://schemas.openxmlformats.org/presentationml/2006/ole">
             <mc:AlternateContent xmlns:mc="http://schemas.openxmlformats.org/markup-compatibility/2006">
               <mc:Choice xmlns:v="urn:schemas-microsoft-com:vml" Requires="v">
-                <p:oleObj spid="_x0000_s2055" name="think-cell Slide" r:id="rId5" imgW="270" imgH="270" progId="TCLayout.ActiveDocument.1">
+                <p:oleObj spid="_x0000_s2056" name="think-cell Slide" r:id="rId5" imgW="270" imgH="270" progId="TCLayout.ActiveDocument.1">
                   <p:embed/>
                 </p:oleObj>
               </mc:Choice>
@@ -30087,7 +37216,7 @@
 </p:sld>
 </file>
 
-<file path=ppt/slides/slide7.xml><?xml version="1.0" encoding="utf-8"?>
+<file path=ppt/slides/slide8.xml><?xml version="1.0" encoding="utf-8"?>
 <p:sld xmlns:a="http://schemas.openxmlformats.org/drawingml/2006/main" xmlns:r="http://schemas.openxmlformats.org/officeDocument/2006/relationships" xmlns:p="http://schemas.openxmlformats.org/presentationml/2006/main">
   <p:cSld>
     <p:spTree>
@@ -30125,7 +37254,7 @@
           <a:graphicData uri="http://schemas.openxmlformats.org/presentationml/2006/ole">
             <mc:AlternateContent xmlns:mc="http://schemas.openxmlformats.org/markup-compatibility/2006">
               <mc:Choice xmlns:v="urn:schemas-microsoft-com:vml" Requires="v">
-                <p:oleObj spid="_x0000_s3079" name="think-cell Slide" r:id="rId5" imgW="270" imgH="270" progId="TCLayout.ActiveDocument.1">
+                <p:oleObj spid="_x0000_s3080" name="think-cell Slide" r:id="rId5" imgW="270" imgH="270" progId="TCLayout.ActiveDocument.1">
                   <p:embed/>
                 </p:oleObj>
               </mc:Choice>
@@ -31016,7 +38145,7 @@
 </p:sld>
 </file>
 
-<file path=ppt/slides/slide8.xml><?xml version="1.0" encoding="utf-8"?>
+<file path=ppt/slides/slide9.xml><?xml version="1.0" encoding="utf-8"?>
 <p:sld xmlns:a="http://schemas.openxmlformats.org/drawingml/2006/main" xmlns:r="http://schemas.openxmlformats.org/officeDocument/2006/relationships" xmlns:p="http://schemas.openxmlformats.org/presentationml/2006/main">
   <p:cSld>
     <p:spTree>
@@ -31085,154 +38214,6 @@
   <p:clrMapOvr>
     <a:masterClrMapping/>
   </p:clrMapOvr>
-  <p:timing>
-    <p:tnLst>
-      <p:par>
-        <p:cTn id="1" dur="indefinite" restart="never" nodeType="tmRoot"/>
-      </p:par>
-    </p:tnLst>
-  </p:timing>
-</p:sld>
-</file>
-
-<file path=ppt/slides/slide9.xml><?xml version="1.0" encoding="utf-8"?>
-<p:sld xmlns:a="http://schemas.openxmlformats.org/drawingml/2006/main" xmlns:r="http://schemas.openxmlformats.org/officeDocument/2006/relationships" xmlns:p="http://schemas.openxmlformats.org/presentationml/2006/main">
-  <p:cSld>
-    <p:spTree>
-      <p:nvGrpSpPr>
-        <p:cNvPr id="1" name=""/>
-        <p:cNvGrpSpPr/>
-        <p:nvPr/>
-      </p:nvGrpSpPr>
-      <p:grpSpPr>
-        <a:xfrm>
-          <a:off x="0" y="0"/>
-          <a:ext cx="0" cy="0"/>
-          <a:chOff x="0" y="0"/>
-          <a:chExt cx="0" cy="0"/>
-        </a:xfrm>
-      </p:grpSpPr>
-      <p:sp>
-        <p:nvSpPr>
-          <p:cNvPr id="2" name="Title 1"/>
-          <p:cNvSpPr>
-            <a:spLocks noGrp="1"/>
-          </p:cNvSpPr>
-          <p:nvPr>
-            <p:ph type="title"/>
-          </p:nvPr>
-        </p:nvSpPr>
-        <p:spPr/>
-        <p:txBody>
-          <a:bodyPr>
-            <a:normAutofit fontScale="90000"/>
-          </a:bodyPr>
-          <a:lstStyle/>
-          <a:p>
-            <a:r>
-              <a:rPr lang="en-US" dirty="0" smtClean="0"/>
-              <a:t>ASP.NET Questions</a:t>
-            </a:r>
-            <a:endParaRPr lang="en-US" dirty="0"/>
-          </a:p>
-        </p:txBody>
-      </p:sp>
-      <p:sp>
-        <p:nvSpPr>
-          <p:cNvPr id="3" name="Text Placeholder 2"/>
-          <p:cNvSpPr>
-            <a:spLocks noGrp="1"/>
-          </p:cNvSpPr>
-          <p:nvPr>
-            <p:ph type="body" sz="quarter" idx="10"/>
-          </p:nvPr>
-        </p:nvSpPr>
-        <p:spPr>
-          <a:xfrm>
-            <a:off x="520700" y="1179680"/>
-            <a:ext cx="11149013" cy="3785652"/>
-          </a:xfrm>
-        </p:spPr>
-        <p:txBody>
-          <a:bodyPr>
-            <a:normAutofit lnSpcReduction="10000"/>
-          </a:bodyPr>
-          <a:lstStyle/>
-          <a:p>
-            <a:r>
-              <a:rPr lang="en-US" sz="4800" b="0" dirty="0">
-                <a:solidFill>
-                  <a:schemeClr val="bg1"/>
-                </a:solidFill>
-              </a:rPr>
-              <a:t>http://www.asp.net/feedback</a:t>
-            </a:r>
-          </a:p>
-          <a:p>
-            <a:endParaRPr lang="en-US" sz="4800" b="0" dirty="0">
-              <a:solidFill>
-                <a:schemeClr val="bg1"/>
-              </a:solidFill>
-            </a:endParaRPr>
-          </a:p>
-          <a:p>
-            <a:r>
-              <a:rPr lang="en-US" sz="4800" b="0" dirty="0">
-                <a:solidFill>
-                  <a:schemeClr val="bg1"/>
-                </a:solidFill>
-              </a:rPr>
-              <a:t>Twitter - @</a:t>
-            </a:r>
-            <a:r>
-              <a:rPr lang="en-US" sz="4800" b="0" dirty="0" err="1">
-                <a:solidFill>
-                  <a:schemeClr val="bg1"/>
-                </a:solidFill>
-              </a:rPr>
-              <a:t>aspnet</a:t>
-            </a:r>
-            <a:endParaRPr lang="en-US" sz="4800" b="0" dirty="0">
-              <a:solidFill>
-                <a:schemeClr val="bg1"/>
-              </a:solidFill>
-            </a:endParaRPr>
-          </a:p>
-          <a:p>
-            <a:r>
-              <a:rPr lang="en-US" sz="4800" b="0" dirty="0">
-                <a:solidFill>
-                  <a:schemeClr val="bg1"/>
-                </a:solidFill>
-              </a:rPr>
-              <a:t>Facebook - /ASPNET</a:t>
-            </a:r>
-          </a:p>
-          <a:p>
-            <a:r>
-              <a:rPr lang="en-US" sz="4800" b="0" dirty="0">
-                <a:solidFill>
-                  <a:schemeClr val="bg1"/>
-                </a:solidFill>
-              </a:rPr>
-              <a:t>G+ - ASP.NET</a:t>
-            </a:r>
-          </a:p>
-        </p:txBody>
-      </p:sp>
-    </p:spTree>
-    <p:extLst>
-      <p:ext uri="{BB962C8B-B14F-4D97-AF65-F5344CB8AC3E}">
-        <p14:creationId xmlns:p14="http://schemas.microsoft.com/office/powerpoint/2010/main" val="1684542315"/>
-      </p:ext>
-    </p:extLst>
-  </p:cSld>
-  <p:clrMapOvr>
-    <a:masterClrMapping/>
-  </p:clrMapOvr>
-  <p:transition>
-    <p:fade/>
-  </p:transition>
   <p:timing>
     <p:tnLst>
       <p:par>
@@ -32762,6 +39743,207 @@
 </file>
 
 <file path=ppt/theme/theme8.xml><?xml version="1.0" encoding="utf-8"?>
+<a:theme xmlns:a="http://schemas.openxmlformats.org/drawingml/2006/main" name="1_Azure Medium">
+  <a:themeElements>
+    <a:clrScheme name="Azure Basic">
+      <a:dk1>
+        <a:srgbClr val="00B0F0"/>
+      </a:dk1>
+      <a:lt1>
+        <a:srgbClr val="FFFFFF"/>
+      </a:lt1>
+      <a:dk2>
+        <a:srgbClr val="44546A"/>
+      </a:dk2>
+      <a:lt2>
+        <a:srgbClr val="FFFFFF"/>
+      </a:lt2>
+      <a:accent1>
+        <a:srgbClr val="00B0F0"/>
+      </a:accent1>
+      <a:accent2>
+        <a:srgbClr val="ED7D31"/>
+      </a:accent2>
+      <a:accent3>
+        <a:srgbClr val="A5A5A5"/>
+      </a:accent3>
+      <a:accent4>
+        <a:srgbClr val="FFC000"/>
+      </a:accent4>
+      <a:accent5>
+        <a:srgbClr val="4472C4"/>
+      </a:accent5>
+      <a:accent6>
+        <a:srgbClr val="70AD47"/>
+      </a:accent6>
+      <a:hlink>
+        <a:srgbClr val="0563C1"/>
+      </a:hlink>
+      <a:folHlink>
+        <a:srgbClr val="954F72"/>
+      </a:folHlink>
+    </a:clrScheme>
+    <a:fontScheme name="Windows Azure">
+      <a:majorFont>
+        <a:latin typeface="Segoe UI Light"/>
+        <a:ea typeface=""/>
+        <a:cs typeface=""/>
+      </a:majorFont>
+      <a:minorFont>
+        <a:latin typeface="Segoe UI"/>
+        <a:ea typeface=""/>
+        <a:cs typeface=""/>
+      </a:minorFont>
+    </a:fontScheme>
+    <a:fmtScheme name="Office">
+      <a:fillStyleLst>
+        <a:solidFill>
+          <a:schemeClr val="phClr"/>
+        </a:solidFill>
+        <a:gradFill rotWithShape="1">
+          <a:gsLst>
+            <a:gs pos="0">
+              <a:schemeClr val="phClr">
+                <a:lumMod val="110000"/>
+                <a:satMod val="105000"/>
+                <a:tint val="67000"/>
+              </a:schemeClr>
+            </a:gs>
+            <a:gs pos="50000">
+              <a:schemeClr val="phClr">
+                <a:lumMod val="105000"/>
+                <a:satMod val="103000"/>
+                <a:tint val="73000"/>
+              </a:schemeClr>
+            </a:gs>
+            <a:gs pos="100000">
+              <a:schemeClr val="phClr">
+                <a:lumMod val="105000"/>
+                <a:satMod val="109000"/>
+                <a:tint val="81000"/>
+              </a:schemeClr>
+            </a:gs>
+          </a:gsLst>
+          <a:lin ang="5400000" scaled="0"/>
+        </a:gradFill>
+        <a:gradFill rotWithShape="1">
+          <a:gsLst>
+            <a:gs pos="0">
+              <a:schemeClr val="phClr">
+                <a:satMod val="103000"/>
+                <a:lumMod val="102000"/>
+                <a:tint val="94000"/>
+              </a:schemeClr>
+            </a:gs>
+            <a:gs pos="50000">
+              <a:schemeClr val="phClr">
+                <a:satMod val="110000"/>
+                <a:lumMod val="100000"/>
+                <a:shade val="100000"/>
+              </a:schemeClr>
+            </a:gs>
+            <a:gs pos="100000">
+              <a:schemeClr val="phClr">
+                <a:lumMod val="99000"/>
+                <a:satMod val="120000"/>
+                <a:shade val="78000"/>
+              </a:schemeClr>
+            </a:gs>
+          </a:gsLst>
+          <a:lin ang="5400000" scaled="0"/>
+        </a:gradFill>
+      </a:fillStyleLst>
+      <a:lnStyleLst>
+        <a:ln w="6350" cap="flat" cmpd="sng" algn="ctr">
+          <a:solidFill>
+            <a:schemeClr val="phClr"/>
+          </a:solidFill>
+          <a:prstDash val="solid"/>
+          <a:miter lim="800000"/>
+        </a:ln>
+        <a:ln w="12700" cap="flat" cmpd="sng" algn="ctr">
+          <a:solidFill>
+            <a:schemeClr val="phClr"/>
+          </a:solidFill>
+          <a:prstDash val="solid"/>
+          <a:miter lim="800000"/>
+        </a:ln>
+        <a:ln w="19050" cap="flat" cmpd="sng" algn="ctr">
+          <a:solidFill>
+            <a:schemeClr val="phClr"/>
+          </a:solidFill>
+          <a:prstDash val="solid"/>
+          <a:miter lim="800000"/>
+        </a:ln>
+      </a:lnStyleLst>
+      <a:effectStyleLst>
+        <a:effectStyle>
+          <a:effectLst/>
+        </a:effectStyle>
+        <a:effectStyle>
+          <a:effectLst/>
+        </a:effectStyle>
+        <a:effectStyle>
+          <a:effectLst>
+            <a:outerShdw blurRad="57150" dist="19050" dir="5400000" algn="ctr" rotWithShape="0">
+              <a:srgbClr val="000000">
+                <a:alpha val="63000"/>
+              </a:srgbClr>
+            </a:outerShdw>
+          </a:effectLst>
+        </a:effectStyle>
+      </a:effectStyleLst>
+      <a:bgFillStyleLst>
+        <a:solidFill>
+          <a:schemeClr val="phClr"/>
+        </a:solidFill>
+        <a:solidFill>
+          <a:schemeClr val="phClr">
+            <a:tint val="95000"/>
+            <a:satMod val="170000"/>
+          </a:schemeClr>
+        </a:solidFill>
+        <a:gradFill rotWithShape="1">
+          <a:gsLst>
+            <a:gs pos="0">
+              <a:schemeClr val="phClr">
+                <a:tint val="93000"/>
+                <a:satMod val="150000"/>
+                <a:shade val="98000"/>
+                <a:lumMod val="102000"/>
+              </a:schemeClr>
+            </a:gs>
+            <a:gs pos="50000">
+              <a:schemeClr val="phClr">
+                <a:tint val="98000"/>
+                <a:satMod val="130000"/>
+                <a:shade val="90000"/>
+                <a:lumMod val="103000"/>
+              </a:schemeClr>
+            </a:gs>
+            <a:gs pos="100000">
+              <a:schemeClr val="phClr">
+                <a:shade val="63000"/>
+                <a:satMod val="120000"/>
+              </a:schemeClr>
+            </a:gs>
+          </a:gsLst>
+          <a:lin ang="5400000" scaled="0"/>
+        </a:gradFill>
+      </a:bgFillStyleLst>
+    </a:fmtScheme>
+  </a:themeElements>
+  <a:objectDefaults/>
+  <a:extraClrSchemeLst/>
+  <a:extLst>
+    <a:ext uri="{05A4C25C-085E-4340-85A3-A5531E510DB2}">
+      <thm15:themeFamily xmlns:thm15="http://schemas.microsoft.com/office/thememl/2012/main" name="Office Theme" id="{62F939B6-93AF-4DB8-9C6B-D6C7DFDC589F}" vid="{4A3C46E8-61CC-4603-A589-7422A47A8E4A}"/>
+    </a:ext>
+  </a:extLst>
+</a:theme>
+</file>
+
+<file path=ppt/theme/theme9.xml><?xml version="1.0" encoding="utf-8"?>
 <a:theme xmlns:a="http://schemas.openxmlformats.org/drawingml/2006/main" name="Office Theme">
   <a:themeElements>
     <a:clrScheme name="Office">
